--- a/slides/Lec-34.pptx
+++ b/slides/Lec-34.pptx
@@ -1,35 +1,35 @@
 
 <file path=ppt/presentation.xml><?xml version="1.0" encoding="utf-8"?>
-<p:presentation xmlns:a="http://schemas.openxmlformats.org/drawingml/2006/main" xmlns:r="http://schemas.openxmlformats.org/officeDocument/2006/relationships" xmlns:mc="http://schemas.openxmlformats.org/markup-compatibility/2006" xmlns:mv="urn:schemas-microsoft-com:mac:vml" xmlns:p="http://schemas.openxmlformats.org/presentationml/2006/main" xmlns:c="http://schemas.openxmlformats.org/drawingml/2006/chart" xmlns:dgm="http://schemas.openxmlformats.org/drawingml/2006/diagram" xmlns:o="urn:schemas-microsoft-com:office:office" xmlns:v="urn:schemas-microsoft-com:vml" xmlns:pvml="urn:schemas-microsoft-com:office:powerpoint" xmlns:com="http://schemas.openxmlformats.org/drawingml/2006/compatibility" xmlns:p14="http://schemas.microsoft.com/office/powerpoint/2010/main" xmlns:p15="http://schemas.microsoft.com/office/powerpoint/2012/main" xmlns:ahyp="http://schemas.microsoft.com/office/drawing/2018/hyperlinkcolor" autoCompressPictures="0" strictFirstAndLastChars="0" saveSubsetFonts="1">
+<p:presentation xmlns:a="http://schemas.openxmlformats.org/drawingml/2006/main" xmlns:r="http://schemas.openxmlformats.org/officeDocument/2006/relationships" xmlns:p="http://schemas.openxmlformats.org/presentationml/2006/main" strictFirstAndLastChars="0" saveSubsetFonts="1" autoCompressPictures="0">
   <p:sldMasterIdLst>
-    <p:sldMasterId id="2147483659" r:id="rId5"/>
+    <p:sldMasterId id="2147483659" r:id="rId1"/>
   </p:sldMasterIdLst>
   <p:notesMasterIdLst>
-    <p:notesMasterId r:id="rId6"/>
+    <p:notesMasterId r:id="rId19"/>
   </p:notesMasterIdLst>
   <p:sldIdLst>
-    <p:sldId id="256" r:id="rId7"/>
-    <p:sldId id="257" r:id="rId8"/>
-    <p:sldId id="258" r:id="rId9"/>
-    <p:sldId id="259" r:id="rId10"/>
-    <p:sldId id="260" r:id="rId11"/>
-    <p:sldId id="261" r:id="rId12"/>
-    <p:sldId id="262" r:id="rId13"/>
-    <p:sldId id="263" r:id="rId14"/>
-    <p:sldId id="264" r:id="rId15"/>
-    <p:sldId id="265" r:id="rId16"/>
-    <p:sldId id="266" r:id="rId17"/>
-    <p:sldId id="267" r:id="rId18"/>
-    <p:sldId id="268" r:id="rId19"/>
-    <p:sldId id="269" r:id="rId20"/>
-    <p:sldId id="270" r:id="rId21"/>
-    <p:sldId id="271" r:id="rId22"/>
-    <p:sldId id="272" r:id="rId23"/>
+    <p:sldId id="256" r:id="rId2"/>
+    <p:sldId id="257" r:id="rId3"/>
+    <p:sldId id="258" r:id="rId4"/>
+    <p:sldId id="259" r:id="rId5"/>
+    <p:sldId id="260" r:id="rId6"/>
+    <p:sldId id="261" r:id="rId7"/>
+    <p:sldId id="262" r:id="rId8"/>
+    <p:sldId id="263" r:id="rId9"/>
+    <p:sldId id="264" r:id="rId10"/>
+    <p:sldId id="265" r:id="rId11"/>
+    <p:sldId id="266" r:id="rId12"/>
+    <p:sldId id="267" r:id="rId13"/>
+    <p:sldId id="268" r:id="rId14"/>
+    <p:sldId id="269" r:id="rId15"/>
+    <p:sldId id="270" r:id="rId16"/>
+    <p:sldId id="271" r:id="rId17"/>
+    <p:sldId id="272" r:id="rId18"/>
   </p:sldIdLst>
-  <p:sldSz cy="5143500" cx="9144000"/>
+  <p:sldSz cx="9144000" cy="5143500" type="screen16x9"/>
   <p:notesSz cx="6858000" cy="9144000"/>
   <p:defaultTextStyle>
-    <a:defPPr lvl="0" marR="0" rtl="0" algn="l">
+    <a:defPPr marR="0" lvl="0" algn="l" rtl="0">
       <a:lnSpc>
         <a:spcPct val="100000"/>
       </a:lnSpc>
@@ -40,7 +40,7 @@
         <a:spcPts val="0"/>
       </a:spcAft>
     </a:defPPr>
-    <a:lvl1pPr lvl="0" marR="0" rtl="0" algn="l">
+    <a:lvl1pPr marR="0" lvl="0" algn="l" rtl="0">
       <a:lnSpc>
         <a:spcPct val="100000"/>
       </a:lnSpc>
@@ -54,7 +54,7 @@
         <a:srgbClr val="000000"/>
       </a:buClr>
       <a:buFont typeface="Arial"/>
-      <a:defRPr b="0" i="0" sz="1400" u="none" cap="none" strike="noStrike">
+      <a:defRPr sz="1400" b="0" i="0" u="none" strike="noStrike" cap="none">
         <a:solidFill>
           <a:srgbClr val="000000"/>
         </a:solidFill>
@@ -64,7 +64,7 @@
         <a:sym typeface="Arial"/>
       </a:defRPr>
     </a:lvl1pPr>
-    <a:lvl2pPr lvl="1" marR="0" rtl="0" algn="l">
+    <a:lvl2pPr marR="0" lvl="1" algn="l" rtl="0">
       <a:lnSpc>
         <a:spcPct val="100000"/>
       </a:lnSpc>
@@ -78,7 +78,7 @@
         <a:srgbClr val="000000"/>
       </a:buClr>
       <a:buFont typeface="Arial"/>
-      <a:defRPr b="0" i="0" sz="1400" u="none" cap="none" strike="noStrike">
+      <a:defRPr sz="1400" b="0" i="0" u="none" strike="noStrike" cap="none">
         <a:solidFill>
           <a:srgbClr val="000000"/>
         </a:solidFill>
@@ -88,7 +88,7 @@
         <a:sym typeface="Arial"/>
       </a:defRPr>
     </a:lvl2pPr>
-    <a:lvl3pPr lvl="2" marR="0" rtl="0" algn="l">
+    <a:lvl3pPr marR="0" lvl="2" algn="l" rtl="0">
       <a:lnSpc>
         <a:spcPct val="100000"/>
       </a:lnSpc>
@@ -102,7 +102,7 @@
         <a:srgbClr val="000000"/>
       </a:buClr>
       <a:buFont typeface="Arial"/>
-      <a:defRPr b="0" i="0" sz="1400" u="none" cap="none" strike="noStrike">
+      <a:defRPr sz="1400" b="0" i="0" u="none" strike="noStrike" cap="none">
         <a:solidFill>
           <a:srgbClr val="000000"/>
         </a:solidFill>
@@ -112,7 +112,7 @@
         <a:sym typeface="Arial"/>
       </a:defRPr>
     </a:lvl3pPr>
-    <a:lvl4pPr lvl="3" marR="0" rtl="0" algn="l">
+    <a:lvl4pPr marR="0" lvl="3" algn="l" rtl="0">
       <a:lnSpc>
         <a:spcPct val="100000"/>
       </a:lnSpc>
@@ -126,7 +126,7 @@
         <a:srgbClr val="000000"/>
       </a:buClr>
       <a:buFont typeface="Arial"/>
-      <a:defRPr b="0" i="0" sz="1400" u="none" cap="none" strike="noStrike">
+      <a:defRPr sz="1400" b="0" i="0" u="none" strike="noStrike" cap="none">
         <a:solidFill>
           <a:srgbClr val="000000"/>
         </a:solidFill>
@@ -136,7 +136,7 @@
         <a:sym typeface="Arial"/>
       </a:defRPr>
     </a:lvl4pPr>
-    <a:lvl5pPr lvl="4" marR="0" rtl="0" algn="l">
+    <a:lvl5pPr marR="0" lvl="4" algn="l" rtl="0">
       <a:lnSpc>
         <a:spcPct val="100000"/>
       </a:lnSpc>
@@ -150,7 +150,7 @@
         <a:srgbClr val="000000"/>
       </a:buClr>
       <a:buFont typeface="Arial"/>
-      <a:defRPr b="0" i="0" sz="1400" u="none" cap="none" strike="noStrike">
+      <a:defRPr sz="1400" b="0" i="0" u="none" strike="noStrike" cap="none">
         <a:solidFill>
           <a:srgbClr val="000000"/>
         </a:solidFill>
@@ -160,7 +160,7 @@
         <a:sym typeface="Arial"/>
       </a:defRPr>
     </a:lvl5pPr>
-    <a:lvl6pPr lvl="5" marR="0" rtl="0" algn="l">
+    <a:lvl6pPr marR="0" lvl="5" algn="l" rtl="0">
       <a:lnSpc>
         <a:spcPct val="100000"/>
       </a:lnSpc>
@@ -174,7 +174,7 @@
         <a:srgbClr val="000000"/>
       </a:buClr>
       <a:buFont typeface="Arial"/>
-      <a:defRPr b="0" i="0" sz="1400" u="none" cap="none" strike="noStrike">
+      <a:defRPr sz="1400" b="0" i="0" u="none" strike="noStrike" cap="none">
         <a:solidFill>
           <a:srgbClr val="000000"/>
         </a:solidFill>
@@ -184,7 +184,7 @@
         <a:sym typeface="Arial"/>
       </a:defRPr>
     </a:lvl6pPr>
-    <a:lvl7pPr lvl="6" marR="0" rtl="0" algn="l">
+    <a:lvl7pPr marR="0" lvl="6" algn="l" rtl="0">
       <a:lnSpc>
         <a:spcPct val="100000"/>
       </a:lnSpc>
@@ -198,7 +198,7 @@
         <a:srgbClr val="000000"/>
       </a:buClr>
       <a:buFont typeface="Arial"/>
-      <a:defRPr b="0" i="0" sz="1400" u="none" cap="none" strike="noStrike">
+      <a:defRPr sz="1400" b="0" i="0" u="none" strike="noStrike" cap="none">
         <a:solidFill>
           <a:srgbClr val="000000"/>
         </a:solidFill>
@@ -208,7 +208,7 @@
         <a:sym typeface="Arial"/>
       </a:defRPr>
     </a:lvl7pPr>
-    <a:lvl8pPr lvl="7" marR="0" rtl="0" algn="l">
+    <a:lvl8pPr marR="0" lvl="7" algn="l" rtl="0">
       <a:lnSpc>
         <a:spcPct val="100000"/>
       </a:lnSpc>
@@ -222,7 +222,7 @@
         <a:srgbClr val="000000"/>
       </a:buClr>
       <a:buFont typeface="Arial"/>
-      <a:defRPr b="0" i="0" sz="1400" u="none" cap="none" strike="noStrike">
+      <a:defRPr sz="1400" b="0" i="0" u="none" strike="noStrike" cap="none">
         <a:solidFill>
           <a:srgbClr val="000000"/>
         </a:solidFill>
@@ -232,7 +232,7 @@
         <a:sym typeface="Arial"/>
       </a:defRPr>
     </a:lvl8pPr>
-    <a:lvl9pPr lvl="8" marR="0" rtl="0" algn="l">
+    <a:lvl9pPr marR="0" lvl="8" algn="l" rtl="0">
       <a:lnSpc>
         <a:spcPct val="100000"/>
       </a:lnSpc>
@@ -246,7 +246,7 @@
         <a:srgbClr val="000000"/>
       </a:buClr>
       <a:buFont typeface="Arial"/>
-      <a:defRPr b="0" i="0" sz="1400" u="none" cap="none" strike="noStrike">
+      <a:defRPr sz="1400" b="0" i="0" u="none" strike="noStrike" cap="none">
         <a:solidFill>
           <a:srgbClr val="000000"/>
         </a:solidFill>
@@ -259,7 +259,7 @@
   </p:defaultTextStyle>
   <p:extLst>
     <p:ext uri="{EFAFB233-063F-42B5-8137-9DF3F51BA10A}">
-      <p15:sldGuideLst>
+      <p15:sldGuideLst xmlns:p15="http://schemas.microsoft.com/office/powerpoint/2012/main">
         <p15:guide id="1" orient="horz" pos="1620">
           <p15:clr>
             <a:srgbClr val="A4A3A4"/>
@@ -277,11 +277,16 @@
 </file>
 
 <file path=ppt/notesMasters/notesMaster1.xml><?xml version="1.0" encoding="utf-8"?>
-<p:notesMaster xmlns:a="http://schemas.openxmlformats.org/drawingml/2006/main" xmlns:r="http://schemas.openxmlformats.org/officeDocument/2006/relationships" xmlns:mc="http://schemas.openxmlformats.org/markup-compatibility/2006" xmlns:mv="urn:schemas-microsoft-com:mac:vml" xmlns:p="http://schemas.openxmlformats.org/presentationml/2006/main" xmlns:c="http://schemas.openxmlformats.org/drawingml/2006/chart" xmlns:dgm="http://schemas.openxmlformats.org/drawingml/2006/diagram" xmlns:o="urn:schemas-microsoft-com:office:office" xmlns:v="urn:schemas-microsoft-com:vml" xmlns:pvml="urn:schemas-microsoft-com:office:powerpoint" xmlns:com="http://schemas.openxmlformats.org/drawingml/2006/compatibility" xmlns:p14="http://schemas.microsoft.com/office/powerpoint/2010/main" xmlns:p15="http://schemas.microsoft.com/office/powerpoint/2012/main" xmlns:ahyp="http://schemas.microsoft.com/office/drawing/2018/hyperlinkcolor">
+<p:notesMaster xmlns:a="http://schemas.openxmlformats.org/drawingml/2006/main" xmlns:r="http://schemas.openxmlformats.org/officeDocument/2006/relationships" xmlns:p="http://schemas.openxmlformats.org/presentationml/2006/main">
   <p:cSld>
+    <p:bg>
+      <p:bgRef idx="1001">
+        <a:schemeClr val="bg1"/>
+      </p:bgRef>
+    </p:bg>
     <p:spTree>
       <p:nvGrpSpPr>
-        <p:cNvPr id="2" name="Shape 2"/>
+        <p:cNvPr id="1" name="Shape 2"/>
         <p:cNvGrpSpPr/>
         <p:nvPr/>
       </p:nvGrpSpPr>
@@ -296,9 +301,11 @@
       <p:sp>
         <p:nvSpPr>
           <p:cNvPr id="3" name="Google Shape;3;n"/>
-          <p:cNvSpPr/>
+          <p:cNvSpPr>
+            <a:spLocks noGrp="1" noRot="1" noChangeAspect="1"/>
+          </p:cNvSpPr>
           <p:nvPr>
-            <p:ph idx="2" type="sldImg"/>
+            <p:ph type="sldImg" idx="2"/>
           </p:nvPr>
         </p:nvSpPr>
         <p:spPr>
@@ -307,9 +314,13 @@
             <a:ext cx="6096075" cy="3429000"/>
           </a:xfrm>
           <a:custGeom>
-            <a:rect b="b" l="l" r="r" t="t"/>
+            <a:avLst/>
+            <a:gdLst/>
+            <a:ahLst/>
+            <a:cxnLst/>
+            <a:rect l="l" t="t" r="r" b="b"/>
             <a:pathLst>
-              <a:path extrusionOk="0" h="120000" w="120000">
+              <a:path w="120000" h="120000" extrusionOk="0">
                 <a:moveTo>
                   <a:pt x="0" y="0"/>
                 </a:moveTo>
@@ -327,23 +338,25 @@
             </a:pathLst>
           </a:custGeom>
           <a:noFill/>
-          <a:ln cap="flat" cmpd="sng" w="9525">
+          <a:ln w="9525" cap="flat" cmpd="sng">
             <a:solidFill>
               <a:srgbClr val="000000"/>
             </a:solidFill>
             <a:prstDash val="solid"/>
             <a:round/>
-            <a:headEnd len="sm" w="sm" type="none"/>
-            <a:tailEnd len="sm" w="sm" type="none"/>
+            <a:headEnd type="none" w="sm" len="sm"/>
+            <a:tailEnd type="none" w="sm" len="sm"/>
           </a:ln>
         </p:spPr>
       </p:sp>
       <p:sp>
         <p:nvSpPr>
           <p:cNvPr id="4" name="Google Shape;4;n"/>
-          <p:cNvSpPr txBox="1"/>
+          <p:cNvSpPr txBox="1">
+            <a:spLocks noGrp="1"/>
+          </p:cNvSpPr>
           <p:nvPr>
-            <p:ph idx="1" type="body"/>
+            <p:ph type="body" idx="1"/>
           </p:nvPr>
         </p:nvSpPr>
         <p:spPr>
@@ -360,11 +373,11 @@
           </a:ln>
         </p:spPr>
         <p:txBody>
-          <a:bodyPr anchorCtr="0" anchor="t" bIns="91425" lIns="91425" spcFirstLastPara="1" rIns="91425" wrap="square" tIns="91425">
+          <a:bodyPr spcFirstLastPara="1" wrap="square" lIns="91425" tIns="91425" rIns="91425" bIns="91425" anchor="t" anchorCtr="0">
             <a:noAutofit/>
           </a:bodyPr>
           <a:lstStyle>
-            <a:lvl1pPr indent="-298450" lvl="0" marL="457200">
+            <a:lvl1pPr marL="457200" lvl="0" indent="-298450">
               <a:spcBef>
                 <a:spcPts val="0"/>
               </a:spcBef>
@@ -375,7 +388,7 @@
               <a:buChar char="●"/>
               <a:defRPr sz="1100"/>
             </a:lvl1pPr>
-            <a:lvl2pPr indent="-298450" lvl="1" marL="914400">
+            <a:lvl2pPr marL="914400" lvl="1" indent="-298450">
               <a:spcBef>
                 <a:spcPts val="0"/>
               </a:spcBef>
@@ -386,7 +399,7 @@
               <a:buChar char="○"/>
               <a:defRPr sz="1100"/>
             </a:lvl2pPr>
-            <a:lvl3pPr indent="-298450" lvl="2" marL="1371600">
+            <a:lvl3pPr marL="1371600" lvl="2" indent="-298450">
               <a:spcBef>
                 <a:spcPts val="0"/>
               </a:spcBef>
@@ -397,7 +410,7 @@
               <a:buChar char="■"/>
               <a:defRPr sz="1100"/>
             </a:lvl3pPr>
-            <a:lvl4pPr indent="-298450" lvl="3" marL="1828800">
+            <a:lvl4pPr marL="1828800" lvl="3" indent="-298450">
               <a:spcBef>
                 <a:spcPts val="0"/>
               </a:spcBef>
@@ -408,7 +421,7 @@
               <a:buChar char="●"/>
               <a:defRPr sz="1100"/>
             </a:lvl4pPr>
-            <a:lvl5pPr indent="-298450" lvl="4" marL="2286000">
+            <a:lvl5pPr marL="2286000" lvl="4" indent="-298450">
               <a:spcBef>
                 <a:spcPts val="0"/>
               </a:spcBef>
@@ -419,7 +432,7 @@
               <a:buChar char="○"/>
               <a:defRPr sz="1100"/>
             </a:lvl5pPr>
-            <a:lvl6pPr indent="-298450" lvl="5" marL="2743200">
+            <a:lvl6pPr marL="2743200" lvl="5" indent="-298450">
               <a:spcBef>
                 <a:spcPts val="0"/>
               </a:spcBef>
@@ -430,7 +443,7 @@
               <a:buChar char="■"/>
               <a:defRPr sz="1100"/>
             </a:lvl6pPr>
-            <a:lvl7pPr indent="-298450" lvl="6" marL="3200400">
+            <a:lvl7pPr marL="3200400" lvl="6" indent="-298450">
               <a:spcBef>
                 <a:spcPts val="0"/>
               </a:spcBef>
@@ -441,7 +454,7 @@
               <a:buChar char="●"/>
               <a:defRPr sz="1100"/>
             </a:lvl7pPr>
-            <a:lvl8pPr indent="-298450" lvl="7" marL="3657600">
+            <a:lvl8pPr marL="3657600" lvl="7" indent="-298450">
               <a:spcBef>
                 <a:spcPts val="0"/>
               </a:spcBef>
@@ -452,7 +465,7 @@
               <a:buChar char="○"/>
               <a:defRPr sz="1100"/>
             </a:lvl8pPr>
-            <a:lvl9pPr indent="-298450" lvl="8" marL="4114800">
+            <a:lvl9pPr marL="4114800" lvl="8" indent="-298450">
               <a:spcBef>
                 <a:spcPts val="0"/>
               </a:spcBef>
@@ -464,14 +477,16 @@
               <a:defRPr sz="1100"/>
             </a:lvl9pPr>
           </a:lstStyle>
-          <a:p/>
+          <a:p>
+            <a:endParaRPr/>
+          </a:p>
         </p:txBody>
       </p:sp>
     </p:spTree>
   </p:cSld>
-  <p:clrMap accent1="accent1" accent2="accent2" accent3="accent3" accent4="accent4" accent5="accent5" accent6="accent6" bg1="lt1" bg2="dk2" tx1="dk1" tx2="lt2" folHlink="folHlink" hlink="hlink"/>
+  <p:clrMap bg1="lt1" tx1="dk1" bg2="dk2" tx2="lt2" accent1="accent1" accent2="accent2" accent3="accent3" accent4="accent4" accent5="accent5" accent6="accent6" hlink="hlink" folHlink="folHlink"/>
   <p:notesStyle>
-    <a:defPPr lvl="0" marR="0" rtl="0" algn="l">
+    <a:defPPr marR="0" lvl="0" algn="l" rtl="0">
       <a:lnSpc>
         <a:spcPct val="100000"/>
       </a:lnSpc>
@@ -482,7 +497,7 @@
         <a:spcPts val="0"/>
       </a:spcAft>
     </a:defPPr>
-    <a:lvl1pPr lvl="0" marR="0" rtl="0" algn="l">
+    <a:lvl1pPr marR="0" lvl="0" algn="l" rtl="0">
       <a:lnSpc>
         <a:spcPct val="100000"/>
       </a:lnSpc>
@@ -496,7 +511,7 @@
         <a:srgbClr val="000000"/>
       </a:buClr>
       <a:buFont typeface="Arial"/>
-      <a:defRPr b="0" i="0" sz="1400" u="none" cap="none" strike="noStrike">
+      <a:defRPr sz="1400" b="0" i="0" u="none" strike="noStrike" cap="none">
         <a:solidFill>
           <a:srgbClr val="000000"/>
         </a:solidFill>
@@ -506,7 +521,7 @@
         <a:sym typeface="Arial"/>
       </a:defRPr>
     </a:lvl1pPr>
-    <a:lvl2pPr lvl="1" marR="0" rtl="0" algn="l">
+    <a:lvl2pPr marR="0" lvl="1" algn="l" rtl="0">
       <a:lnSpc>
         <a:spcPct val="100000"/>
       </a:lnSpc>
@@ -520,7 +535,7 @@
         <a:srgbClr val="000000"/>
       </a:buClr>
       <a:buFont typeface="Arial"/>
-      <a:defRPr b="0" i="0" sz="1400" u="none" cap="none" strike="noStrike">
+      <a:defRPr sz="1400" b="0" i="0" u="none" strike="noStrike" cap="none">
         <a:solidFill>
           <a:srgbClr val="000000"/>
         </a:solidFill>
@@ -530,7 +545,7 @@
         <a:sym typeface="Arial"/>
       </a:defRPr>
     </a:lvl2pPr>
-    <a:lvl3pPr lvl="2" marR="0" rtl="0" algn="l">
+    <a:lvl3pPr marR="0" lvl="2" algn="l" rtl="0">
       <a:lnSpc>
         <a:spcPct val="100000"/>
       </a:lnSpc>
@@ -544,7 +559,7 @@
         <a:srgbClr val="000000"/>
       </a:buClr>
       <a:buFont typeface="Arial"/>
-      <a:defRPr b="0" i="0" sz="1400" u="none" cap="none" strike="noStrike">
+      <a:defRPr sz="1400" b="0" i="0" u="none" strike="noStrike" cap="none">
         <a:solidFill>
           <a:srgbClr val="000000"/>
         </a:solidFill>
@@ -554,7 +569,7 @@
         <a:sym typeface="Arial"/>
       </a:defRPr>
     </a:lvl3pPr>
-    <a:lvl4pPr lvl="3" marR="0" rtl="0" algn="l">
+    <a:lvl4pPr marR="0" lvl="3" algn="l" rtl="0">
       <a:lnSpc>
         <a:spcPct val="100000"/>
       </a:lnSpc>
@@ -568,7 +583,7 @@
         <a:srgbClr val="000000"/>
       </a:buClr>
       <a:buFont typeface="Arial"/>
-      <a:defRPr b="0" i="0" sz="1400" u="none" cap="none" strike="noStrike">
+      <a:defRPr sz="1400" b="0" i="0" u="none" strike="noStrike" cap="none">
         <a:solidFill>
           <a:srgbClr val="000000"/>
         </a:solidFill>
@@ -578,7 +593,7 @@
         <a:sym typeface="Arial"/>
       </a:defRPr>
     </a:lvl4pPr>
-    <a:lvl5pPr lvl="4" marR="0" rtl="0" algn="l">
+    <a:lvl5pPr marR="0" lvl="4" algn="l" rtl="0">
       <a:lnSpc>
         <a:spcPct val="100000"/>
       </a:lnSpc>
@@ -592,7 +607,7 @@
         <a:srgbClr val="000000"/>
       </a:buClr>
       <a:buFont typeface="Arial"/>
-      <a:defRPr b="0" i="0" sz="1400" u="none" cap="none" strike="noStrike">
+      <a:defRPr sz="1400" b="0" i="0" u="none" strike="noStrike" cap="none">
         <a:solidFill>
           <a:srgbClr val="000000"/>
         </a:solidFill>
@@ -602,7 +617,7 @@
         <a:sym typeface="Arial"/>
       </a:defRPr>
     </a:lvl5pPr>
-    <a:lvl6pPr lvl="5" marR="0" rtl="0" algn="l">
+    <a:lvl6pPr marR="0" lvl="5" algn="l" rtl="0">
       <a:lnSpc>
         <a:spcPct val="100000"/>
       </a:lnSpc>
@@ -616,7 +631,7 @@
         <a:srgbClr val="000000"/>
       </a:buClr>
       <a:buFont typeface="Arial"/>
-      <a:defRPr b="0" i="0" sz="1400" u="none" cap="none" strike="noStrike">
+      <a:defRPr sz="1400" b="0" i="0" u="none" strike="noStrike" cap="none">
         <a:solidFill>
           <a:srgbClr val="000000"/>
         </a:solidFill>
@@ -626,7 +641,7 @@
         <a:sym typeface="Arial"/>
       </a:defRPr>
     </a:lvl6pPr>
-    <a:lvl7pPr lvl="6" marR="0" rtl="0" algn="l">
+    <a:lvl7pPr marR="0" lvl="6" algn="l" rtl="0">
       <a:lnSpc>
         <a:spcPct val="100000"/>
       </a:lnSpc>
@@ -640,7 +655,7 @@
         <a:srgbClr val="000000"/>
       </a:buClr>
       <a:buFont typeface="Arial"/>
-      <a:defRPr b="0" i="0" sz="1400" u="none" cap="none" strike="noStrike">
+      <a:defRPr sz="1400" b="0" i="0" u="none" strike="noStrike" cap="none">
         <a:solidFill>
           <a:srgbClr val="000000"/>
         </a:solidFill>
@@ -650,7 +665,7 @@
         <a:sym typeface="Arial"/>
       </a:defRPr>
     </a:lvl7pPr>
-    <a:lvl8pPr lvl="7" marR="0" rtl="0" algn="l">
+    <a:lvl8pPr marR="0" lvl="7" algn="l" rtl="0">
       <a:lnSpc>
         <a:spcPct val="100000"/>
       </a:lnSpc>
@@ -664,7 +679,7 @@
         <a:srgbClr val="000000"/>
       </a:buClr>
       <a:buFont typeface="Arial"/>
-      <a:defRPr b="0" i="0" sz="1400" u="none" cap="none" strike="noStrike">
+      <a:defRPr sz="1400" b="0" i="0" u="none" strike="noStrike" cap="none">
         <a:solidFill>
           <a:srgbClr val="000000"/>
         </a:solidFill>
@@ -674,7 +689,7 @@
         <a:sym typeface="Arial"/>
       </a:defRPr>
     </a:lvl8pPr>
-    <a:lvl9pPr lvl="8" marR="0" rtl="0" algn="l">
+    <a:lvl9pPr marR="0" lvl="8" algn="l" rtl="0">
       <a:lnSpc>
         <a:spcPct val="100000"/>
       </a:lnSpc>
@@ -688,7 +703,7 @@
         <a:srgbClr val="000000"/>
       </a:buClr>
       <a:buFont typeface="Arial"/>
-      <a:defRPr b="0" i="0" sz="1400" u="none" cap="none" strike="noStrike">
+      <a:defRPr sz="1400" b="0" i="0" u="none" strike="noStrike" cap="none">
         <a:solidFill>
           <a:srgbClr val="000000"/>
         </a:solidFill>
@@ -703,11 +718,11 @@
 </file>
 
 <file path=ppt/notesSlides/notesSlide1.xml><?xml version="1.0" encoding="utf-8"?>
-<p:notes xmlns:a="http://schemas.openxmlformats.org/drawingml/2006/main" xmlns:r="http://schemas.openxmlformats.org/officeDocument/2006/relationships" xmlns:mc="http://schemas.openxmlformats.org/markup-compatibility/2006" xmlns:mv="urn:schemas-microsoft-com:mac:vml" xmlns:p="http://schemas.openxmlformats.org/presentationml/2006/main" xmlns:c="http://schemas.openxmlformats.org/drawingml/2006/chart" xmlns:dgm="http://schemas.openxmlformats.org/drawingml/2006/diagram" xmlns:o="urn:schemas-microsoft-com:office:office" xmlns:v="urn:schemas-microsoft-com:vml" xmlns:pvml="urn:schemas-microsoft-com:office:powerpoint" xmlns:com="http://schemas.openxmlformats.org/drawingml/2006/compatibility" xmlns:p14="http://schemas.microsoft.com/office/powerpoint/2010/main" xmlns:p15="http://schemas.microsoft.com/office/powerpoint/2012/main" xmlns:ahyp="http://schemas.microsoft.com/office/drawing/2018/hyperlinkcolor" showMasterPhAnim="0" showMasterSp="0">
+<p:notes xmlns:a="http://schemas.openxmlformats.org/drawingml/2006/main" xmlns:r="http://schemas.openxmlformats.org/officeDocument/2006/relationships" xmlns:p="http://schemas.openxmlformats.org/presentationml/2006/main" showMasterSp="0" showMasterPhAnim="0">
   <p:cSld>
     <p:spTree>
       <p:nvGrpSpPr>
-        <p:cNvPr id="50" name="Shape 50"/>
+        <p:cNvPr id="1" name="Shape 50"/>
         <p:cNvGrpSpPr/>
         <p:nvPr/>
       </p:nvGrpSpPr>
@@ -722,9 +737,11 @@
       <p:sp>
         <p:nvSpPr>
           <p:cNvPr id="51" name="Google Shape;51;g9aa832aee5_0_0:notes"/>
-          <p:cNvSpPr/>
+          <p:cNvSpPr>
+            <a:spLocks noGrp="1" noRot="1" noChangeAspect="1"/>
+          </p:cNvSpPr>
           <p:nvPr>
-            <p:ph idx="2" type="sldImg"/>
+            <p:ph type="sldImg" idx="2"/>
           </p:nvPr>
         </p:nvSpPr>
         <p:spPr>
@@ -733,9 +750,13 @@
             <a:ext cx="6096000" cy="3429000"/>
           </a:xfrm>
           <a:custGeom>
-            <a:rect b="b" l="l" r="r" t="t"/>
+            <a:avLst/>
+            <a:gdLst/>
+            <a:ahLst/>
+            <a:cxnLst/>
+            <a:rect l="l" t="t" r="r" b="b"/>
             <a:pathLst>
-              <a:path extrusionOk="0" h="120000" w="120000">
+              <a:path w="120000" h="120000" extrusionOk="0">
                 <a:moveTo>
                   <a:pt x="0" y="0"/>
                 </a:moveTo>
@@ -757,9 +778,11 @@
       <p:sp>
         <p:nvSpPr>
           <p:cNvPr id="52" name="Google Shape;52;g9aa832aee5_0_0:notes"/>
-          <p:cNvSpPr txBox="1"/>
+          <p:cNvSpPr txBox="1">
+            <a:spLocks noGrp="1"/>
+          </p:cNvSpPr>
           <p:nvPr>
-            <p:ph idx="1" type="body"/>
+            <p:ph type="body" idx="1"/>
           </p:nvPr>
         </p:nvSpPr>
         <p:spPr>
@@ -772,12 +795,12 @@
           </a:prstGeom>
         </p:spPr>
         <p:txBody>
-          <a:bodyPr anchorCtr="0" anchor="t" bIns="91425" lIns="91425" spcFirstLastPara="1" rIns="91425" wrap="square" tIns="91425">
+          <a:bodyPr spcFirstLastPara="1" wrap="square" lIns="91425" tIns="91425" rIns="91425" bIns="91425" anchor="t" anchorCtr="0">
             <a:noAutofit/>
           </a:bodyPr>
           <a:lstStyle/>
           <a:p>
-            <a:pPr indent="0" lvl="0" marL="0" rtl="0" algn="l">
+            <a:pPr marL="0" lvl="0" indent="0" algn="l" rtl="0">
               <a:spcBef>
                 <a:spcPts val="0"/>
               </a:spcBef>
@@ -786,9 +809,6 @@
               </a:spcAft>
               <a:buNone/>
             </a:pPr>
-            <a:r>
-              <a:t/>
-            </a:r>
             <a:endParaRPr/>
           </a:p>
         </p:txBody>
@@ -802,11 +822,11 @@
 </file>
 
 <file path=ppt/notesSlides/notesSlide10.xml><?xml version="1.0" encoding="utf-8"?>
-<p:notes xmlns:a="http://schemas.openxmlformats.org/drawingml/2006/main" xmlns:r="http://schemas.openxmlformats.org/officeDocument/2006/relationships" xmlns:mc="http://schemas.openxmlformats.org/markup-compatibility/2006" xmlns:mv="urn:schemas-microsoft-com:mac:vml" xmlns:p="http://schemas.openxmlformats.org/presentationml/2006/main" xmlns:c="http://schemas.openxmlformats.org/drawingml/2006/chart" xmlns:dgm="http://schemas.openxmlformats.org/drawingml/2006/diagram" xmlns:o="urn:schemas-microsoft-com:office:office" xmlns:v="urn:schemas-microsoft-com:vml" xmlns:pvml="urn:schemas-microsoft-com:office:powerpoint" xmlns:com="http://schemas.openxmlformats.org/drawingml/2006/compatibility" xmlns:p14="http://schemas.microsoft.com/office/powerpoint/2010/main" xmlns:p15="http://schemas.microsoft.com/office/powerpoint/2012/main" xmlns:ahyp="http://schemas.microsoft.com/office/drawing/2018/hyperlinkcolor" showMasterPhAnim="0" showMasterSp="0">
+<p:notes xmlns:a="http://schemas.openxmlformats.org/drawingml/2006/main" xmlns:r="http://schemas.openxmlformats.org/officeDocument/2006/relationships" xmlns:p="http://schemas.openxmlformats.org/presentationml/2006/main" showMasterSp="0" showMasterPhAnim="0">
   <p:cSld>
     <p:spTree>
       <p:nvGrpSpPr>
-        <p:cNvPr id="114" name="Shape 114"/>
+        <p:cNvPr id="1" name="Shape 114"/>
         <p:cNvGrpSpPr/>
         <p:nvPr/>
       </p:nvGrpSpPr>
@@ -821,9 +841,11 @@
       <p:sp>
         <p:nvSpPr>
           <p:cNvPr id="115" name="Google Shape;115;ga6aac7f38b_1_103:notes"/>
-          <p:cNvSpPr/>
+          <p:cNvSpPr>
+            <a:spLocks noGrp="1" noRot="1" noChangeAspect="1"/>
+          </p:cNvSpPr>
           <p:nvPr>
-            <p:ph idx="2" type="sldImg"/>
+            <p:ph type="sldImg" idx="2"/>
           </p:nvPr>
         </p:nvSpPr>
         <p:spPr>
@@ -832,9 +854,13 @@
             <a:ext cx="6096000" cy="3429000"/>
           </a:xfrm>
           <a:custGeom>
-            <a:rect b="b" l="l" r="r" t="t"/>
+            <a:avLst/>
+            <a:gdLst/>
+            <a:ahLst/>
+            <a:cxnLst/>
+            <a:rect l="l" t="t" r="r" b="b"/>
             <a:pathLst>
-              <a:path extrusionOk="0" h="120000" w="120000">
+              <a:path w="120000" h="120000" extrusionOk="0">
                 <a:moveTo>
                   <a:pt x="0" y="0"/>
                 </a:moveTo>
@@ -856,9 +882,11 @@
       <p:sp>
         <p:nvSpPr>
           <p:cNvPr id="116" name="Google Shape;116;ga6aac7f38b_1_103:notes"/>
-          <p:cNvSpPr txBox="1"/>
+          <p:cNvSpPr txBox="1">
+            <a:spLocks noGrp="1"/>
+          </p:cNvSpPr>
           <p:nvPr>
-            <p:ph idx="1" type="body"/>
+            <p:ph type="body" idx="1"/>
           </p:nvPr>
         </p:nvSpPr>
         <p:spPr>
@@ -871,12 +899,12 @@
           </a:prstGeom>
         </p:spPr>
         <p:txBody>
-          <a:bodyPr anchorCtr="0" anchor="t" bIns="91425" lIns="91425" spcFirstLastPara="1" rIns="91425" wrap="square" tIns="91425">
+          <a:bodyPr spcFirstLastPara="1" wrap="square" lIns="91425" tIns="91425" rIns="91425" bIns="91425" anchor="t" anchorCtr="0">
             <a:noAutofit/>
           </a:bodyPr>
           <a:lstStyle/>
           <a:p>
-            <a:pPr indent="0" lvl="0" marL="0" rtl="0" algn="l">
+            <a:pPr marL="0" lvl="0" indent="0" algn="l" rtl="0">
               <a:spcBef>
                 <a:spcPts val="0"/>
               </a:spcBef>
@@ -885,9 +913,6 @@
               </a:spcAft>
               <a:buNone/>
             </a:pPr>
-            <a:r>
-              <a:t/>
-            </a:r>
             <a:endParaRPr/>
           </a:p>
         </p:txBody>
@@ -901,11 +926,11 @@
 </file>
 
 <file path=ppt/notesSlides/notesSlide11.xml><?xml version="1.0" encoding="utf-8"?>
-<p:notes xmlns:a="http://schemas.openxmlformats.org/drawingml/2006/main" xmlns:r="http://schemas.openxmlformats.org/officeDocument/2006/relationships" xmlns:mc="http://schemas.openxmlformats.org/markup-compatibility/2006" xmlns:mv="urn:schemas-microsoft-com:mac:vml" xmlns:p="http://schemas.openxmlformats.org/presentationml/2006/main" xmlns:c="http://schemas.openxmlformats.org/drawingml/2006/chart" xmlns:dgm="http://schemas.openxmlformats.org/drawingml/2006/diagram" xmlns:o="urn:schemas-microsoft-com:office:office" xmlns:v="urn:schemas-microsoft-com:vml" xmlns:pvml="urn:schemas-microsoft-com:office:powerpoint" xmlns:com="http://schemas.openxmlformats.org/drawingml/2006/compatibility" xmlns:p14="http://schemas.microsoft.com/office/powerpoint/2010/main" xmlns:p15="http://schemas.microsoft.com/office/powerpoint/2012/main" xmlns:ahyp="http://schemas.microsoft.com/office/drawing/2018/hyperlinkcolor" showMasterPhAnim="0" showMasterSp="0">
+<p:notes xmlns:a="http://schemas.openxmlformats.org/drawingml/2006/main" xmlns:r="http://schemas.openxmlformats.org/officeDocument/2006/relationships" xmlns:p="http://schemas.openxmlformats.org/presentationml/2006/main" showMasterSp="0" showMasterPhAnim="0">
   <p:cSld>
     <p:spTree>
       <p:nvGrpSpPr>
-        <p:cNvPr id="121" name="Shape 121"/>
+        <p:cNvPr id="1" name="Shape 121"/>
         <p:cNvGrpSpPr/>
         <p:nvPr/>
       </p:nvGrpSpPr>
@@ -920,9 +945,11 @@
       <p:sp>
         <p:nvSpPr>
           <p:cNvPr id="122" name="Google Shape;122;ga6aac7f38b_1_108:notes"/>
-          <p:cNvSpPr/>
+          <p:cNvSpPr>
+            <a:spLocks noGrp="1" noRot="1" noChangeAspect="1"/>
+          </p:cNvSpPr>
           <p:nvPr>
-            <p:ph idx="2" type="sldImg"/>
+            <p:ph type="sldImg" idx="2"/>
           </p:nvPr>
         </p:nvSpPr>
         <p:spPr>
@@ -931,9 +958,13 @@
             <a:ext cx="6096000" cy="3429000"/>
           </a:xfrm>
           <a:custGeom>
-            <a:rect b="b" l="l" r="r" t="t"/>
+            <a:avLst/>
+            <a:gdLst/>
+            <a:ahLst/>
+            <a:cxnLst/>
+            <a:rect l="l" t="t" r="r" b="b"/>
             <a:pathLst>
-              <a:path extrusionOk="0" h="120000" w="120000">
+              <a:path w="120000" h="120000" extrusionOk="0">
                 <a:moveTo>
                   <a:pt x="0" y="0"/>
                 </a:moveTo>
@@ -955,9 +986,11 @@
       <p:sp>
         <p:nvSpPr>
           <p:cNvPr id="123" name="Google Shape;123;ga6aac7f38b_1_108:notes"/>
-          <p:cNvSpPr txBox="1"/>
+          <p:cNvSpPr txBox="1">
+            <a:spLocks noGrp="1"/>
+          </p:cNvSpPr>
           <p:nvPr>
-            <p:ph idx="1" type="body"/>
+            <p:ph type="body" idx="1"/>
           </p:nvPr>
         </p:nvSpPr>
         <p:spPr>
@@ -970,12 +1003,12 @@
           </a:prstGeom>
         </p:spPr>
         <p:txBody>
-          <a:bodyPr anchorCtr="0" anchor="t" bIns="91425" lIns="91425" spcFirstLastPara="1" rIns="91425" wrap="square" tIns="91425">
+          <a:bodyPr spcFirstLastPara="1" wrap="square" lIns="91425" tIns="91425" rIns="91425" bIns="91425" anchor="t" anchorCtr="0">
             <a:noAutofit/>
           </a:bodyPr>
           <a:lstStyle/>
           <a:p>
-            <a:pPr indent="0" lvl="0" marL="0" rtl="0" algn="l">
+            <a:pPr marL="0" lvl="0" indent="0" algn="l" rtl="0">
               <a:spcBef>
                 <a:spcPts val="0"/>
               </a:spcBef>
@@ -984,9 +1017,6 @@
               </a:spcAft>
               <a:buNone/>
             </a:pPr>
-            <a:r>
-              <a:t/>
-            </a:r>
             <a:endParaRPr/>
           </a:p>
         </p:txBody>
@@ -1000,11 +1030,11 @@
 </file>
 
 <file path=ppt/notesSlides/notesSlide12.xml><?xml version="1.0" encoding="utf-8"?>
-<p:notes xmlns:a="http://schemas.openxmlformats.org/drawingml/2006/main" xmlns:r="http://schemas.openxmlformats.org/officeDocument/2006/relationships" xmlns:mc="http://schemas.openxmlformats.org/markup-compatibility/2006" xmlns:mv="urn:schemas-microsoft-com:mac:vml" xmlns:p="http://schemas.openxmlformats.org/presentationml/2006/main" xmlns:c="http://schemas.openxmlformats.org/drawingml/2006/chart" xmlns:dgm="http://schemas.openxmlformats.org/drawingml/2006/diagram" xmlns:o="urn:schemas-microsoft-com:office:office" xmlns:v="urn:schemas-microsoft-com:vml" xmlns:pvml="urn:schemas-microsoft-com:office:powerpoint" xmlns:com="http://schemas.openxmlformats.org/drawingml/2006/compatibility" xmlns:p14="http://schemas.microsoft.com/office/powerpoint/2010/main" xmlns:p15="http://schemas.microsoft.com/office/powerpoint/2012/main" xmlns:ahyp="http://schemas.microsoft.com/office/drawing/2018/hyperlinkcolor" showMasterPhAnim="0" showMasterSp="0">
+<p:notes xmlns:a="http://schemas.openxmlformats.org/drawingml/2006/main" xmlns:r="http://schemas.openxmlformats.org/officeDocument/2006/relationships" xmlns:p="http://schemas.openxmlformats.org/presentationml/2006/main" showMasterSp="0" showMasterPhAnim="0">
   <p:cSld>
     <p:spTree>
       <p:nvGrpSpPr>
-        <p:cNvPr id="128" name="Shape 128"/>
+        <p:cNvPr id="1" name="Shape 128"/>
         <p:cNvGrpSpPr/>
         <p:nvPr/>
       </p:nvGrpSpPr>
@@ -1019,9 +1049,11 @@
       <p:sp>
         <p:nvSpPr>
           <p:cNvPr id="129" name="Google Shape;129;ga725dc883a_0_9:notes"/>
-          <p:cNvSpPr/>
+          <p:cNvSpPr>
+            <a:spLocks noGrp="1" noRot="1" noChangeAspect="1"/>
+          </p:cNvSpPr>
           <p:nvPr>
-            <p:ph idx="2" type="sldImg"/>
+            <p:ph type="sldImg" idx="2"/>
           </p:nvPr>
         </p:nvSpPr>
         <p:spPr>
@@ -1030,9 +1062,13 @@
             <a:ext cx="6096000" cy="3429000"/>
           </a:xfrm>
           <a:custGeom>
-            <a:rect b="b" l="l" r="r" t="t"/>
+            <a:avLst/>
+            <a:gdLst/>
+            <a:ahLst/>
+            <a:cxnLst/>
+            <a:rect l="l" t="t" r="r" b="b"/>
             <a:pathLst>
-              <a:path extrusionOk="0" h="120000" w="120000">
+              <a:path w="120000" h="120000" extrusionOk="0">
                 <a:moveTo>
                   <a:pt x="0" y="0"/>
                 </a:moveTo>
@@ -1054,9 +1090,11 @@
       <p:sp>
         <p:nvSpPr>
           <p:cNvPr id="130" name="Google Shape;130;ga725dc883a_0_9:notes"/>
-          <p:cNvSpPr txBox="1"/>
+          <p:cNvSpPr txBox="1">
+            <a:spLocks noGrp="1"/>
+          </p:cNvSpPr>
           <p:nvPr>
-            <p:ph idx="1" type="body"/>
+            <p:ph type="body" idx="1"/>
           </p:nvPr>
         </p:nvSpPr>
         <p:spPr>
@@ -1069,12 +1107,12 @@
           </a:prstGeom>
         </p:spPr>
         <p:txBody>
-          <a:bodyPr anchorCtr="0" anchor="t" bIns="91425" lIns="91425" spcFirstLastPara="1" rIns="91425" wrap="square" tIns="91425">
+          <a:bodyPr spcFirstLastPara="1" wrap="square" lIns="91425" tIns="91425" rIns="91425" bIns="91425" anchor="t" anchorCtr="0">
             <a:noAutofit/>
           </a:bodyPr>
           <a:lstStyle/>
           <a:p>
-            <a:pPr indent="0" lvl="0" marL="0" rtl="0" algn="l">
+            <a:pPr marL="0" lvl="0" indent="0" algn="l" rtl="0">
               <a:spcBef>
                 <a:spcPts val="0"/>
               </a:spcBef>
@@ -1083,9 +1121,6 @@
               </a:spcAft>
               <a:buNone/>
             </a:pPr>
-            <a:r>
-              <a:t/>
-            </a:r>
             <a:endParaRPr/>
           </a:p>
         </p:txBody>
@@ -1099,11 +1134,11 @@
 </file>
 
 <file path=ppt/notesSlides/notesSlide13.xml><?xml version="1.0" encoding="utf-8"?>
-<p:notes xmlns:a="http://schemas.openxmlformats.org/drawingml/2006/main" xmlns:r="http://schemas.openxmlformats.org/officeDocument/2006/relationships" xmlns:mc="http://schemas.openxmlformats.org/markup-compatibility/2006" xmlns:mv="urn:schemas-microsoft-com:mac:vml" xmlns:p="http://schemas.openxmlformats.org/presentationml/2006/main" xmlns:c="http://schemas.openxmlformats.org/drawingml/2006/chart" xmlns:dgm="http://schemas.openxmlformats.org/drawingml/2006/diagram" xmlns:o="urn:schemas-microsoft-com:office:office" xmlns:v="urn:schemas-microsoft-com:vml" xmlns:pvml="urn:schemas-microsoft-com:office:powerpoint" xmlns:com="http://schemas.openxmlformats.org/drawingml/2006/compatibility" xmlns:p14="http://schemas.microsoft.com/office/powerpoint/2010/main" xmlns:p15="http://schemas.microsoft.com/office/powerpoint/2012/main" xmlns:ahyp="http://schemas.microsoft.com/office/drawing/2018/hyperlinkcolor" showMasterPhAnim="0" showMasterSp="0">
+<p:notes xmlns:a="http://schemas.openxmlformats.org/drawingml/2006/main" xmlns:r="http://schemas.openxmlformats.org/officeDocument/2006/relationships" xmlns:p="http://schemas.openxmlformats.org/presentationml/2006/main" showMasterSp="0" showMasterPhAnim="0">
   <p:cSld>
     <p:spTree>
       <p:nvGrpSpPr>
-        <p:cNvPr id="135" name="Shape 135"/>
+        <p:cNvPr id="1" name="Shape 135"/>
         <p:cNvGrpSpPr/>
         <p:nvPr/>
       </p:nvGrpSpPr>
@@ -1118,9 +1153,11 @@
       <p:sp>
         <p:nvSpPr>
           <p:cNvPr id="136" name="Google Shape;136;ga725dc883a_0_16:notes"/>
-          <p:cNvSpPr/>
+          <p:cNvSpPr>
+            <a:spLocks noGrp="1" noRot="1" noChangeAspect="1"/>
+          </p:cNvSpPr>
           <p:nvPr>
-            <p:ph idx="2" type="sldImg"/>
+            <p:ph type="sldImg" idx="2"/>
           </p:nvPr>
         </p:nvSpPr>
         <p:spPr>
@@ -1129,9 +1166,13 @@
             <a:ext cx="6096000" cy="3429000"/>
           </a:xfrm>
           <a:custGeom>
-            <a:rect b="b" l="l" r="r" t="t"/>
+            <a:avLst/>
+            <a:gdLst/>
+            <a:ahLst/>
+            <a:cxnLst/>
+            <a:rect l="l" t="t" r="r" b="b"/>
             <a:pathLst>
-              <a:path extrusionOk="0" h="120000" w="120000">
+              <a:path w="120000" h="120000" extrusionOk="0">
                 <a:moveTo>
                   <a:pt x="0" y="0"/>
                 </a:moveTo>
@@ -1153,9 +1194,11 @@
       <p:sp>
         <p:nvSpPr>
           <p:cNvPr id="137" name="Google Shape;137;ga725dc883a_0_16:notes"/>
-          <p:cNvSpPr txBox="1"/>
+          <p:cNvSpPr txBox="1">
+            <a:spLocks noGrp="1"/>
+          </p:cNvSpPr>
           <p:nvPr>
-            <p:ph idx="1" type="body"/>
+            <p:ph type="body" idx="1"/>
           </p:nvPr>
         </p:nvSpPr>
         <p:spPr>
@@ -1168,12 +1211,12 @@
           </a:prstGeom>
         </p:spPr>
         <p:txBody>
-          <a:bodyPr anchorCtr="0" anchor="t" bIns="91425" lIns="91425" spcFirstLastPara="1" rIns="91425" wrap="square" tIns="91425">
+          <a:bodyPr spcFirstLastPara="1" wrap="square" lIns="91425" tIns="91425" rIns="91425" bIns="91425" anchor="t" anchorCtr="0">
             <a:noAutofit/>
           </a:bodyPr>
           <a:lstStyle/>
           <a:p>
-            <a:pPr indent="0" lvl="0" marL="0" rtl="0" algn="l">
+            <a:pPr marL="0" lvl="0" indent="0" algn="l" rtl="0">
               <a:spcBef>
                 <a:spcPts val="0"/>
               </a:spcBef>
@@ -1182,9 +1225,6 @@
               </a:spcAft>
               <a:buNone/>
             </a:pPr>
-            <a:r>
-              <a:t/>
-            </a:r>
             <a:endParaRPr/>
           </a:p>
         </p:txBody>
@@ -1198,11 +1238,11 @@
 </file>
 
 <file path=ppt/notesSlides/notesSlide14.xml><?xml version="1.0" encoding="utf-8"?>
-<p:notes xmlns:a="http://schemas.openxmlformats.org/drawingml/2006/main" xmlns:r="http://schemas.openxmlformats.org/officeDocument/2006/relationships" xmlns:mc="http://schemas.openxmlformats.org/markup-compatibility/2006" xmlns:mv="urn:schemas-microsoft-com:mac:vml" xmlns:p="http://schemas.openxmlformats.org/presentationml/2006/main" xmlns:c="http://schemas.openxmlformats.org/drawingml/2006/chart" xmlns:dgm="http://schemas.openxmlformats.org/drawingml/2006/diagram" xmlns:o="urn:schemas-microsoft-com:office:office" xmlns:v="urn:schemas-microsoft-com:vml" xmlns:pvml="urn:schemas-microsoft-com:office:powerpoint" xmlns:com="http://schemas.openxmlformats.org/drawingml/2006/compatibility" xmlns:p14="http://schemas.microsoft.com/office/powerpoint/2010/main" xmlns:p15="http://schemas.microsoft.com/office/powerpoint/2012/main" xmlns:ahyp="http://schemas.microsoft.com/office/drawing/2018/hyperlinkcolor" showMasterPhAnim="0" showMasterSp="0">
+<p:notes xmlns:a="http://schemas.openxmlformats.org/drawingml/2006/main" xmlns:r="http://schemas.openxmlformats.org/officeDocument/2006/relationships" xmlns:p="http://schemas.openxmlformats.org/presentationml/2006/main" showMasterSp="0" showMasterPhAnim="0">
   <p:cSld>
     <p:spTree>
       <p:nvGrpSpPr>
-        <p:cNvPr id="142" name="Shape 142"/>
+        <p:cNvPr id="1" name="Shape 142"/>
         <p:cNvGrpSpPr/>
         <p:nvPr/>
       </p:nvGrpSpPr>
@@ -1217,20 +1257,26 @@
       <p:sp>
         <p:nvSpPr>
           <p:cNvPr id="143" name="Google Shape;143;ga725dc883a_0_22:notes"/>
-          <p:cNvSpPr/>
+          <p:cNvSpPr>
+            <a:spLocks noGrp="1" noRot="1" noChangeAspect="1"/>
+          </p:cNvSpPr>
           <p:nvPr>
-            <p:ph idx="2" type="sldImg"/>
+            <p:ph type="sldImg" idx="2"/>
           </p:nvPr>
         </p:nvSpPr>
         <p:spPr>
           <a:xfrm>
-            <a:off x="381300" y="685800"/>
+            <a:off x="381000" y="685800"/>
             <a:ext cx="6096000" cy="3429000"/>
           </a:xfrm>
           <a:custGeom>
-            <a:rect b="b" l="l" r="r" t="t"/>
+            <a:avLst/>
+            <a:gdLst/>
+            <a:ahLst/>
+            <a:cxnLst/>
+            <a:rect l="l" t="t" r="r" b="b"/>
             <a:pathLst>
-              <a:path extrusionOk="0" h="120000" w="120000">
+              <a:path w="120000" h="120000" extrusionOk="0">
                 <a:moveTo>
                   <a:pt x="0" y="0"/>
                 </a:moveTo>
@@ -1252,9 +1298,11 @@
       <p:sp>
         <p:nvSpPr>
           <p:cNvPr id="144" name="Google Shape;144;ga725dc883a_0_22:notes"/>
-          <p:cNvSpPr txBox="1"/>
+          <p:cNvSpPr txBox="1">
+            <a:spLocks noGrp="1"/>
+          </p:cNvSpPr>
           <p:nvPr>
-            <p:ph idx="1" type="body"/>
+            <p:ph type="body" idx="1"/>
           </p:nvPr>
         </p:nvSpPr>
         <p:spPr>
@@ -1267,12 +1315,12 @@
           </a:prstGeom>
         </p:spPr>
         <p:txBody>
-          <a:bodyPr anchorCtr="0" anchor="t" bIns="91425" lIns="91425" spcFirstLastPara="1" rIns="91425" wrap="square" tIns="91425">
+          <a:bodyPr spcFirstLastPara="1" wrap="square" lIns="91425" tIns="91425" rIns="91425" bIns="91425" anchor="t" anchorCtr="0">
             <a:noAutofit/>
           </a:bodyPr>
           <a:lstStyle/>
           <a:p>
-            <a:pPr indent="0" lvl="0" marL="0" rtl="0" algn="l">
+            <a:pPr marL="0" lvl="0" indent="0" algn="l" rtl="0">
               <a:spcBef>
                 <a:spcPts val="0"/>
               </a:spcBef>
@@ -1281,9 +1329,6 @@
               </a:spcAft>
               <a:buNone/>
             </a:pPr>
-            <a:r>
-              <a:t/>
-            </a:r>
             <a:endParaRPr/>
           </a:p>
         </p:txBody>
@@ -1297,11 +1342,11 @@
 </file>
 
 <file path=ppt/notesSlides/notesSlide15.xml><?xml version="1.0" encoding="utf-8"?>
-<p:notes xmlns:a="http://schemas.openxmlformats.org/drawingml/2006/main" xmlns:r="http://schemas.openxmlformats.org/officeDocument/2006/relationships" xmlns:mc="http://schemas.openxmlformats.org/markup-compatibility/2006" xmlns:mv="urn:schemas-microsoft-com:mac:vml" xmlns:p="http://schemas.openxmlformats.org/presentationml/2006/main" xmlns:c="http://schemas.openxmlformats.org/drawingml/2006/chart" xmlns:dgm="http://schemas.openxmlformats.org/drawingml/2006/diagram" xmlns:o="urn:schemas-microsoft-com:office:office" xmlns:v="urn:schemas-microsoft-com:vml" xmlns:pvml="urn:schemas-microsoft-com:office:powerpoint" xmlns:com="http://schemas.openxmlformats.org/drawingml/2006/compatibility" xmlns:p14="http://schemas.microsoft.com/office/powerpoint/2010/main" xmlns:p15="http://schemas.microsoft.com/office/powerpoint/2012/main" xmlns:ahyp="http://schemas.microsoft.com/office/drawing/2018/hyperlinkcolor" showMasterPhAnim="0" showMasterSp="0">
+<p:notes xmlns:a="http://schemas.openxmlformats.org/drawingml/2006/main" xmlns:r="http://schemas.openxmlformats.org/officeDocument/2006/relationships" xmlns:p="http://schemas.openxmlformats.org/presentationml/2006/main" showMasterSp="0" showMasterPhAnim="0">
   <p:cSld>
     <p:spTree>
       <p:nvGrpSpPr>
-        <p:cNvPr id="149" name="Shape 149"/>
+        <p:cNvPr id="1" name="Shape 149"/>
         <p:cNvGrpSpPr/>
         <p:nvPr/>
       </p:nvGrpSpPr>
@@ -1316,9 +1361,11 @@
       <p:sp>
         <p:nvSpPr>
           <p:cNvPr id="150" name="Google Shape;150;ga725dc883a_0_28:notes"/>
-          <p:cNvSpPr/>
+          <p:cNvSpPr>
+            <a:spLocks noGrp="1" noRot="1" noChangeAspect="1"/>
+          </p:cNvSpPr>
           <p:nvPr>
-            <p:ph idx="2" type="sldImg"/>
+            <p:ph type="sldImg" idx="2"/>
           </p:nvPr>
         </p:nvSpPr>
         <p:spPr>
@@ -1327,9 +1374,13 @@
             <a:ext cx="6096000" cy="3429000"/>
           </a:xfrm>
           <a:custGeom>
-            <a:rect b="b" l="l" r="r" t="t"/>
+            <a:avLst/>
+            <a:gdLst/>
+            <a:ahLst/>
+            <a:cxnLst/>
+            <a:rect l="l" t="t" r="r" b="b"/>
             <a:pathLst>
-              <a:path extrusionOk="0" h="120000" w="120000">
+              <a:path w="120000" h="120000" extrusionOk="0">
                 <a:moveTo>
                   <a:pt x="0" y="0"/>
                 </a:moveTo>
@@ -1351,9 +1402,11 @@
       <p:sp>
         <p:nvSpPr>
           <p:cNvPr id="151" name="Google Shape;151;ga725dc883a_0_28:notes"/>
-          <p:cNvSpPr txBox="1"/>
+          <p:cNvSpPr txBox="1">
+            <a:spLocks noGrp="1"/>
+          </p:cNvSpPr>
           <p:nvPr>
-            <p:ph idx="1" type="body"/>
+            <p:ph type="body" idx="1"/>
           </p:nvPr>
         </p:nvSpPr>
         <p:spPr>
@@ -1366,12 +1419,12 @@
           </a:prstGeom>
         </p:spPr>
         <p:txBody>
-          <a:bodyPr anchorCtr="0" anchor="t" bIns="91425" lIns="91425" spcFirstLastPara="1" rIns="91425" wrap="square" tIns="91425">
+          <a:bodyPr spcFirstLastPara="1" wrap="square" lIns="91425" tIns="91425" rIns="91425" bIns="91425" anchor="t" anchorCtr="0">
             <a:noAutofit/>
           </a:bodyPr>
           <a:lstStyle/>
           <a:p>
-            <a:pPr indent="0" lvl="0" marL="0" rtl="0" algn="l">
+            <a:pPr marL="0" lvl="0" indent="0" algn="l" rtl="0">
               <a:spcBef>
                 <a:spcPts val="0"/>
               </a:spcBef>
@@ -1380,9 +1433,6 @@
               </a:spcAft>
               <a:buNone/>
             </a:pPr>
-            <a:r>
-              <a:t/>
-            </a:r>
             <a:endParaRPr/>
           </a:p>
         </p:txBody>
@@ -1396,11 +1446,11 @@
 </file>
 
 <file path=ppt/notesSlides/notesSlide16.xml><?xml version="1.0" encoding="utf-8"?>
-<p:notes xmlns:a="http://schemas.openxmlformats.org/drawingml/2006/main" xmlns:r="http://schemas.openxmlformats.org/officeDocument/2006/relationships" xmlns:mc="http://schemas.openxmlformats.org/markup-compatibility/2006" xmlns:mv="urn:schemas-microsoft-com:mac:vml" xmlns:p="http://schemas.openxmlformats.org/presentationml/2006/main" xmlns:c="http://schemas.openxmlformats.org/drawingml/2006/chart" xmlns:dgm="http://schemas.openxmlformats.org/drawingml/2006/diagram" xmlns:o="urn:schemas-microsoft-com:office:office" xmlns:v="urn:schemas-microsoft-com:vml" xmlns:pvml="urn:schemas-microsoft-com:office:powerpoint" xmlns:com="http://schemas.openxmlformats.org/drawingml/2006/compatibility" xmlns:p14="http://schemas.microsoft.com/office/powerpoint/2010/main" xmlns:p15="http://schemas.microsoft.com/office/powerpoint/2012/main" xmlns:ahyp="http://schemas.microsoft.com/office/drawing/2018/hyperlinkcolor" showMasterPhAnim="0" showMasterSp="0">
+<p:notes xmlns:a="http://schemas.openxmlformats.org/drawingml/2006/main" xmlns:r="http://schemas.openxmlformats.org/officeDocument/2006/relationships" xmlns:p="http://schemas.openxmlformats.org/presentationml/2006/main" showMasterSp="0" showMasterPhAnim="0">
   <p:cSld>
     <p:spTree>
       <p:nvGrpSpPr>
-        <p:cNvPr id="156" name="Shape 156"/>
+        <p:cNvPr id="1" name="Shape 156"/>
         <p:cNvGrpSpPr/>
         <p:nvPr/>
       </p:nvGrpSpPr>
@@ -1415,20 +1465,26 @@
       <p:sp>
         <p:nvSpPr>
           <p:cNvPr id="157" name="Google Shape;157;ga725dc883a_0_35:notes"/>
-          <p:cNvSpPr/>
+          <p:cNvSpPr>
+            <a:spLocks noGrp="1" noRot="1" noChangeAspect="1"/>
+          </p:cNvSpPr>
           <p:nvPr>
-            <p:ph idx="2" type="sldImg"/>
+            <p:ph type="sldImg" idx="2"/>
           </p:nvPr>
         </p:nvSpPr>
         <p:spPr>
           <a:xfrm>
-            <a:off x="381300" y="685800"/>
+            <a:off x="381000" y="685800"/>
             <a:ext cx="6096000" cy="3429000"/>
           </a:xfrm>
           <a:custGeom>
-            <a:rect b="b" l="l" r="r" t="t"/>
+            <a:avLst/>
+            <a:gdLst/>
+            <a:ahLst/>
+            <a:cxnLst/>
+            <a:rect l="l" t="t" r="r" b="b"/>
             <a:pathLst>
-              <a:path extrusionOk="0" h="120000" w="120000">
+              <a:path w="120000" h="120000" extrusionOk="0">
                 <a:moveTo>
                   <a:pt x="0" y="0"/>
                 </a:moveTo>
@@ -1450,9 +1506,11 @@
       <p:sp>
         <p:nvSpPr>
           <p:cNvPr id="158" name="Google Shape;158;ga725dc883a_0_35:notes"/>
-          <p:cNvSpPr txBox="1"/>
+          <p:cNvSpPr txBox="1">
+            <a:spLocks noGrp="1"/>
+          </p:cNvSpPr>
           <p:nvPr>
-            <p:ph idx="1" type="body"/>
+            <p:ph type="body" idx="1"/>
           </p:nvPr>
         </p:nvSpPr>
         <p:spPr>
@@ -1465,12 +1523,12 @@
           </a:prstGeom>
         </p:spPr>
         <p:txBody>
-          <a:bodyPr anchorCtr="0" anchor="t" bIns="91425" lIns="91425" spcFirstLastPara="1" rIns="91425" wrap="square" tIns="91425">
+          <a:bodyPr spcFirstLastPara="1" wrap="square" lIns="91425" tIns="91425" rIns="91425" bIns="91425" anchor="t" anchorCtr="0">
             <a:noAutofit/>
           </a:bodyPr>
           <a:lstStyle/>
           <a:p>
-            <a:pPr indent="0" lvl="0" marL="0" rtl="0" algn="l">
+            <a:pPr marL="0" lvl="0" indent="0" algn="l" rtl="0">
               <a:spcBef>
                 <a:spcPts val="0"/>
               </a:spcBef>
@@ -1479,9 +1537,6 @@
               </a:spcAft>
               <a:buNone/>
             </a:pPr>
-            <a:r>
-              <a:t/>
-            </a:r>
             <a:endParaRPr/>
           </a:p>
         </p:txBody>
@@ -1495,11 +1550,11 @@
 </file>
 
 <file path=ppt/notesSlides/notesSlide17.xml><?xml version="1.0" encoding="utf-8"?>
-<p:notes xmlns:a="http://schemas.openxmlformats.org/drawingml/2006/main" xmlns:r="http://schemas.openxmlformats.org/officeDocument/2006/relationships" xmlns:mc="http://schemas.openxmlformats.org/markup-compatibility/2006" xmlns:mv="urn:schemas-microsoft-com:mac:vml" xmlns:p="http://schemas.openxmlformats.org/presentationml/2006/main" xmlns:c="http://schemas.openxmlformats.org/drawingml/2006/chart" xmlns:dgm="http://schemas.openxmlformats.org/drawingml/2006/diagram" xmlns:o="urn:schemas-microsoft-com:office:office" xmlns:v="urn:schemas-microsoft-com:vml" xmlns:pvml="urn:schemas-microsoft-com:office:powerpoint" xmlns:com="http://schemas.openxmlformats.org/drawingml/2006/compatibility" xmlns:p14="http://schemas.microsoft.com/office/powerpoint/2010/main" xmlns:p15="http://schemas.microsoft.com/office/powerpoint/2012/main" xmlns:ahyp="http://schemas.microsoft.com/office/drawing/2018/hyperlinkcolor" showMasterPhAnim="0" showMasterSp="0">
+<p:notes xmlns:a="http://schemas.openxmlformats.org/drawingml/2006/main" xmlns:r="http://schemas.openxmlformats.org/officeDocument/2006/relationships" xmlns:p="http://schemas.openxmlformats.org/presentationml/2006/main" showMasterSp="0" showMasterPhAnim="0">
   <p:cSld>
     <p:spTree>
       <p:nvGrpSpPr>
-        <p:cNvPr id="163" name="Shape 163"/>
+        <p:cNvPr id="1" name="Shape 163"/>
         <p:cNvGrpSpPr/>
         <p:nvPr/>
       </p:nvGrpSpPr>
@@ -1514,9 +1569,11 @@
       <p:sp>
         <p:nvSpPr>
           <p:cNvPr id="164" name="Google Shape;164;g9aa832aee5_0_12:notes"/>
-          <p:cNvSpPr/>
+          <p:cNvSpPr>
+            <a:spLocks noGrp="1" noRot="1" noChangeAspect="1"/>
+          </p:cNvSpPr>
           <p:nvPr>
-            <p:ph idx="2" type="sldImg"/>
+            <p:ph type="sldImg" idx="2"/>
           </p:nvPr>
         </p:nvSpPr>
         <p:spPr>
@@ -1525,9 +1582,13 @@
             <a:ext cx="6096000" cy="3429000"/>
           </a:xfrm>
           <a:custGeom>
-            <a:rect b="b" l="l" r="r" t="t"/>
+            <a:avLst/>
+            <a:gdLst/>
+            <a:ahLst/>
+            <a:cxnLst/>
+            <a:rect l="l" t="t" r="r" b="b"/>
             <a:pathLst>
-              <a:path extrusionOk="0" h="120000" w="120000">
+              <a:path w="120000" h="120000" extrusionOk="0">
                 <a:moveTo>
                   <a:pt x="0" y="0"/>
                 </a:moveTo>
@@ -1549,9 +1610,11 @@
       <p:sp>
         <p:nvSpPr>
           <p:cNvPr id="165" name="Google Shape;165;g9aa832aee5_0_12:notes"/>
-          <p:cNvSpPr txBox="1"/>
+          <p:cNvSpPr txBox="1">
+            <a:spLocks noGrp="1"/>
+          </p:cNvSpPr>
           <p:nvPr>
-            <p:ph idx="1" type="body"/>
+            <p:ph type="body" idx="1"/>
           </p:nvPr>
         </p:nvSpPr>
         <p:spPr>
@@ -1564,12 +1627,12 @@
           </a:prstGeom>
         </p:spPr>
         <p:txBody>
-          <a:bodyPr anchorCtr="0" anchor="t" bIns="91425" lIns="91425" spcFirstLastPara="1" rIns="91425" wrap="square" tIns="91425">
+          <a:bodyPr spcFirstLastPara="1" wrap="square" lIns="91425" tIns="91425" rIns="91425" bIns="91425" anchor="t" anchorCtr="0">
             <a:noAutofit/>
           </a:bodyPr>
           <a:lstStyle/>
           <a:p>
-            <a:pPr indent="0" lvl="0" marL="0" rtl="0" algn="l">
+            <a:pPr marL="0" lvl="0" indent="0" algn="l" rtl="0">
               <a:spcBef>
                 <a:spcPts val="0"/>
               </a:spcBef>
@@ -1578,9 +1641,6 @@
               </a:spcAft>
               <a:buNone/>
             </a:pPr>
-            <a:r>
-              <a:t/>
-            </a:r>
             <a:endParaRPr/>
           </a:p>
         </p:txBody>
@@ -1594,11 +1654,11 @@
 </file>
 
 <file path=ppt/notesSlides/notesSlide2.xml><?xml version="1.0" encoding="utf-8"?>
-<p:notes xmlns:a="http://schemas.openxmlformats.org/drawingml/2006/main" xmlns:r="http://schemas.openxmlformats.org/officeDocument/2006/relationships" xmlns:mc="http://schemas.openxmlformats.org/markup-compatibility/2006" xmlns:mv="urn:schemas-microsoft-com:mac:vml" xmlns:p="http://schemas.openxmlformats.org/presentationml/2006/main" xmlns:c="http://schemas.openxmlformats.org/drawingml/2006/chart" xmlns:dgm="http://schemas.openxmlformats.org/drawingml/2006/diagram" xmlns:o="urn:schemas-microsoft-com:office:office" xmlns:v="urn:schemas-microsoft-com:vml" xmlns:pvml="urn:schemas-microsoft-com:office:powerpoint" xmlns:com="http://schemas.openxmlformats.org/drawingml/2006/compatibility" xmlns:p14="http://schemas.microsoft.com/office/powerpoint/2010/main" xmlns:p15="http://schemas.microsoft.com/office/powerpoint/2012/main" xmlns:ahyp="http://schemas.microsoft.com/office/drawing/2018/hyperlinkcolor" showMasterPhAnim="0" showMasterSp="0">
+<p:notes xmlns:a="http://schemas.openxmlformats.org/drawingml/2006/main" xmlns:r="http://schemas.openxmlformats.org/officeDocument/2006/relationships" xmlns:p="http://schemas.openxmlformats.org/presentationml/2006/main" showMasterSp="0" showMasterPhAnim="0">
   <p:cSld>
     <p:spTree>
       <p:nvGrpSpPr>
-        <p:cNvPr id="57" name="Shape 57"/>
+        <p:cNvPr id="1" name="Shape 57"/>
         <p:cNvGrpSpPr/>
         <p:nvPr/>
       </p:nvGrpSpPr>
@@ -1613,9 +1673,11 @@
       <p:sp>
         <p:nvSpPr>
           <p:cNvPr id="58" name="Google Shape;58;g9aa832aee5_0_6:notes"/>
-          <p:cNvSpPr/>
+          <p:cNvSpPr>
+            <a:spLocks noGrp="1" noRot="1" noChangeAspect="1"/>
+          </p:cNvSpPr>
           <p:nvPr>
-            <p:ph idx="2" type="sldImg"/>
+            <p:ph type="sldImg" idx="2"/>
           </p:nvPr>
         </p:nvSpPr>
         <p:spPr>
@@ -1624,9 +1686,13 @@
             <a:ext cx="6096000" cy="3429000"/>
           </a:xfrm>
           <a:custGeom>
-            <a:rect b="b" l="l" r="r" t="t"/>
+            <a:avLst/>
+            <a:gdLst/>
+            <a:ahLst/>
+            <a:cxnLst/>
+            <a:rect l="l" t="t" r="r" b="b"/>
             <a:pathLst>
-              <a:path extrusionOk="0" h="120000" w="120000">
+              <a:path w="120000" h="120000" extrusionOk="0">
                 <a:moveTo>
                   <a:pt x="0" y="0"/>
                 </a:moveTo>
@@ -1648,9 +1714,11 @@
       <p:sp>
         <p:nvSpPr>
           <p:cNvPr id="59" name="Google Shape;59;g9aa832aee5_0_6:notes"/>
-          <p:cNvSpPr txBox="1"/>
+          <p:cNvSpPr txBox="1">
+            <a:spLocks noGrp="1"/>
+          </p:cNvSpPr>
           <p:nvPr>
-            <p:ph idx="1" type="body"/>
+            <p:ph type="body" idx="1"/>
           </p:nvPr>
         </p:nvSpPr>
         <p:spPr>
@@ -1663,12 +1731,12 @@
           </a:prstGeom>
         </p:spPr>
         <p:txBody>
-          <a:bodyPr anchorCtr="0" anchor="t" bIns="91425" lIns="91425" spcFirstLastPara="1" rIns="91425" wrap="square" tIns="91425">
+          <a:bodyPr spcFirstLastPara="1" wrap="square" lIns="91425" tIns="91425" rIns="91425" bIns="91425" anchor="t" anchorCtr="0">
             <a:noAutofit/>
           </a:bodyPr>
           <a:lstStyle/>
           <a:p>
-            <a:pPr indent="0" lvl="0" marL="0" rtl="0" algn="l">
+            <a:pPr marL="0" lvl="0" indent="0" algn="l" rtl="0">
               <a:spcBef>
                 <a:spcPts val="0"/>
               </a:spcBef>
@@ -1677,9 +1745,6 @@
               </a:spcAft>
               <a:buNone/>
             </a:pPr>
-            <a:r>
-              <a:t/>
-            </a:r>
             <a:endParaRPr/>
           </a:p>
         </p:txBody>
@@ -1693,11 +1758,11 @@
 </file>
 
 <file path=ppt/notesSlides/notesSlide3.xml><?xml version="1.0" encoding="utf-8"?>
-<p:notes xmlns:a="http://schemas.openxmlformats.org/drawingml/2006/main" xmlns:r="http://schemas.openxmlformats.org/officeDocument/2006/relationships" xmlns:mc="http://schemas.openxmlformats.org/markup-compatibility/2006" xmlns:mv="urn:schemas-microsoft-com:mac:vml" xmlns:p="http://schemas.openxmlformats.org/presentationml/2006/main" xmlns:c="http://schemas.openxmlformats.org/drawingml/2006/chart" xmlns:dgm="http://schemas.openxmlformats.org/drawingml/2006/diagram" xmlns:o="urn:schemas-microsoft-com:office:office" xmlns:v="urn:schemas-microsoft-com:vml" xmlns:pvml="urn:schemas-microsoft-com:office:powerpoint" xmlns:com="http://schemas.openxmlformats.org/drawingml/2006/compatibility" xmlns:p14="http://schemas.microsoft.com/office/powerpoint/2010/main" xmlns:p15="http://schemas.microsoft.com/office/powerpoint/2012/main" xmlns:ahyp="http://schemas.microsoft.com/office/drawing/2018/hyperlinkcolor" showMasterPhAnim="0" showMasterSp="0">
+<p:notes xmlns:a="http://schemas.openxmlformats.org/drawingml/2006/main" xmlns:r="http://schemas.openxmlformats.org/officeDocument/2006/relationships" xmlns:p="http://schemas.openxmlformats.org/presentationml/2006/main" showMasterSp="0" showMasterPhAnim="0">
   <p:cSld>
     <p:spTree>
       <p:nvGrpSpPr>
-        <p:cNvPr id="64" name="Shape 64"/>
+        <p:cNvPr id="1" name="Shape 64"/>
         <p:cNvGrpSpPr/>
         <p:nvPr/>
       </p:nvGrpSpPr>
@@ -1712,9 +1777,11 @@
       <p:sp>
         <p:nvSpPr>
           <p:cNvPr id="65" name="Google Shape;65;ga6aac7f38b_1_34:notes"/>
-          <p:cNvSpPr/>
+          <p:cNvSpPr>
+            <a:spLocks noGrp="1" noRot="1" noChangeAspect="1"/>
+          </p:cNvSpPr>
           <p:nvPr>
-            <p:ph idx="2" type="sldImg"/>
+            <p:ph type="sldImg" idx="2"/>
           </p:nvPr>
         </p:nvSpPr>
         <p:spPr>
@@ -1723,9 +1790,13 @@
             <a:ext cx="6096000" cy="3429000"/>
           </a:xfrm>
           <a:custGeom>
-            <a:rect b="b" l="l" r="r" t="t"/>
+            <a:avLst/>
+            <a:gdLst/>
+            <a:ahLst/>
+            <a:cxnLst/>
+            <a:rect l="l" t="t" r="r" b="b"/>
             <a:pathLst>
-              <a:path extrusionOk="0" h="120000" w="120000">
+              <a:path w="120000" h="120000" extrusionOk="0">
                 <a:moveTo>
                   <a:pt x="0" y="0"/>
                 </a:moveTo>
@@ -1747,9 +1818,11 @@
       <p:sp>
         <p:nvSpPr>
           <p:cNvPr id="66" name="Google Shape;66;ga6aac7f38b_1_34:notes"/>
-          <p:cNvSpPr txBox="1"/>
+          <p:cNvSpPr txBox="1">
+            <a:spLocks noGrp="1"/>
+          </p:cNvSpPr>
           <p:nvPr>
-            <p:ph idx="1" type="body"/>
+            <p:ph type="body" idx="1"/>
           </p:nvPr>
         </p:nvSpPr>
         <p:spPr>
@@ -1762,12 +1835,12 @@
           </a:prstGeom>
         </p:spPr>
         <p:txBody>
-          <a:bodyPr anchorCtr="0" anchor="t" bIns="91425" lIns="91425" spcFirstLastPara="1" rIns="91425" wrap="square" tIns="91425">
+          <a:bodyPr spcFirstLastPara="1" wrap="square" lIns="91425" tIns="91425" rIns="91425" bIns="91425" anchor="t" anchorCtr="0">
             <a:noAutofit/>
           </a:bodyPr>
           <a:lstStyle/>
           <a:p>
-            <a:pPr indent="0" lvl="0" marL="0" rtl="0" algn="l">
+            <a:pPr marL="0" lvl="0" indent="0" algn="l" rtl="0">
               <a:spcBef>
                 <a:spcPts val="0"/>
               </a:spcBef>
@@ -1776,9 +1849,6 @@
               </a:spcAft>
               <a:buNone/>
             </a:pPr>
-            <a:r>
-              <a:t/>
-            </a:r>
             <a:endParaRPr/>
           </a:p>
         </p:txBody>
@@ -1792,11 +1862,11 @@
 </file>
 
 <file path=ppt/notesSlides/notesSlide4.xml><?xml version="1.0" encoding="utf-8"?>
-<p:notes xmlns:a="http://schemas.openxmlformats.org/drawingml/2006/main" xmlns:r="http://schemas.openxmlformats.org/officeDocument/2006/relationships" xmlns:mc="http://schemas.openxmlformats.org/markup-compatibility/2006" xmlns:mv="urn:schemas-microsoft-com:mac:vml" xmlns:p="http://schemas.openxmlformats.org/presentationml/2006/main" xmlns:c="http://schemas.openxmlformats.org/drawingml/2006/chart" xmlns:dgm="http://schemas.openxmlformats.org/drawingml/2006/diagram" xmlns:o="urn:schemas-microsoft-com:office:office" xmlns:v="urn:schemas-microsoft-com:vml" xmlns:pvml="urn:schemas-microsoft-com:office:powerpoint" xmlns:com="http://schemas.openxmlformats.org/drawingml/2006/compatibility" xmlns:p14="http://schemas.microsoft.com/office/powerpoint/2010/main" xmlns:p15="http://schemas.microsoft.com/office/powerpoint/2012/main" xmlns:ahyp="http://schemas.microsoft.com/office/drawing/2018/hyperlinkcolor" showMasterPhAnim="0" showMasterSp="0">
+<p:notes xmlns:a="http://schemas.openxmlformats.org/drawingml/2006/main" xmlns:r="http://schemas.openxmlformats.org/officeDocument/2006/relationships" xmlns:p="http://schemas.openxmlformats.org/presentationml/2006/main" showMasterSp="0" showMasterPhAnim="0">
   <p:cSld>
     <p:spTree>
       <p:nvGrpSpPr>
-        <p:cNvPr id="71" name="Shape 71"/>
+        <p:cNvPr id="1" name="Shape 71"/>
         <p:cNvGrpSpPr/>
         <p:nvPr/>
       </p:nvGrpSpPr>
@@ -1811,9 +1881,11 @@
       <p:sp>
         <p:nvSpPr>
           <p:cNvPr id="72" name="Google Shape;72;ga6aac7f38b_1_44:notes"/>
-          <p:cNvSpPr/>
+          <p:cNvSpPr>
+            <a:spLocks noGrp="1" noRot="1" noChangeAspect="1"/>
+          </p:cNvSpPr>
           <p:nvPr>
-            <p:ph idx="2" type="sldImg"/>
+            <p:ph type="sldImg" idx="2"/>
           </p:nvPr>
         </p:nvSpPr>
         <p:spPr>
@@ -1822,9 +1894,13 @@
             <a:ext cx="6096000" cy="3429000"/>
           </a:xfrm>
           <a:custGeom>
-            <a:rect b="b" l="l" r="r" t="t"/>
+            <a:avLst/>
+            <a:gdLst/>
+            <a:ahLst/>
+            <a:cxnLst/>
+            <a:rect l="l" t="t" r="r" b="b"/>
             <a:pathLst>
-              <a:path extrusionOk="0" h="120000" w="120000">
+              <a:path w="120000" h="120000" extrusionOk="0">
                 <a:moveTo>
                   <a:pt x="0" y="0"/>
                 </a:moveTo>
@@ -1846,9 +1922,11 @@
       <p:sp>
         <p:nvSpPr>
           <p:cNvPr id="73" name="Google Shape;73;ga6aac7f38b_1_44:notes"/>
-          <p:cNvSpPr txBox="1"/>
+          <p:cNvSpPr txBox="1">
+            <a:spLocks noGrp="1"/>
+          </p:cNvSpPr>
           <p:nvPr>
-            <p:ph idx="1" type="body"/>
+            <p:ph type="body" idx="1"/>
           </p:nvPr>
         </p:nvSpPr>
         <p:spPr>
@@ -1861,12 +1939,12 @@
           </a:prstGeom>
         </p:spPr>
         <p:txBody>
-          <a:bodyPr anchorCtr="0" anchor="t" bIns="91425" lIns="91425" spcFirstLastPara="1" rIns="91425" wrap="square" tIns="91425">
+          <a:bodyPr spcFirstLastPara="1" wrap="square" lIns="91425" tIns="91425" rIns="91425" bIns="91425" anchor="t" anchorCtr="0">
             <a:noAutofit/>
           </a:bodyPr>
           <a:lstStyle/>
           <a:p>
-            <a:pPr indent="0" lvl="0" marL="0" rtl="0" algn="l">
+            <a:pPr marL="0" lvl="0" indent="0" algn="l" rtl="0">
               <a:spcBef>
                 <a:spcPts val="0"/>
               </a:spcBef>
@@ -1875,9 +1953,6 @@
               </a:spcAft>
               <a:buNone/>
             </a:pPr>
-            <a:r>
-              <a:t/>
-            </a:r>
             <a:endParaRPr/>
           </a:p>
         </p:txBody>
@@ -1891,11 +1966,11 @@
 </file>
 
 <file path=ppt/notesSlides/notesSlide5.xml><?xml version="1.0" encoding="utf-8"?>
-<p:notes xmlns:a="http://schemas.openxmlformats.org/drawingml/2006/main" xmlns:r="http://schemas.openxmlformats.org/officeDocument/2006/relationships" xmlns:mc="http://schemas.openxmlformats.org/markup-compatibility/2006" xmlns:mv="urn:schemas-microsoft-com:mac:vml" xmlns:p="http://schemas.openxmlformats.org/presentationml/2006/main" xmlns:c="http://schemas.openxmlformats.org/drawingml/2006/chart" xmlns:dgm="http://schemas.openxmlformats.org/drawingml/2006/diagram" xmlns:o="urn:schemas-microsoft-com:office:office" xmlns:v="urn:schemas-microsoft-com:vml" xmlns:pvml="urn:schemas-microsoft-com:office:powerpoint" xmlns:com="http://schemas.openxmlformats.org/drawingml/2006/compatibility" xmlns:p14="http://schemas.microsoft.com/office/powerpoint/2010/main" xmlns:p15="http://schemas.microsoft.com/office/powerpoint/2012/main" xmlns:ahyp="http://schemas.microsoft.com/office/drawing/2018/hyperlinkcolor" showMasterPhAnim="0" showMasterSp="0">
+<p:notes xmlns:a="http://schemas.openxmlformats.org/drawingml/2006/main" xmlns:r="http://schemas.openxmlformats.org/officeDocument/2006/relationships" xmlns:p="http://schemas.openxmlformats.org/presentationml/2006/main" showMasterSp="0" showMasterPhAnim="0">
   <p:cSld>
     <p:spTree>
       <p:nvGrpSpPr>
-        <p:cNvPr id="78" name="Shape 78"/>
+        <p:cNvPr id="1" name="Shape 78"/>
         <p:cNvGrpSpPr/>
         <p:nvPr/>
       </p:nvGrpSpPr>
@@ -1910,9 +1985,11 @@
       <p:sp>
         <p:nvSpPr>
           <p:cNvPr id="79" name="Google Shape;79;ga6aac7f38b_1_75:notes"/>
-          <p:cNvSpPr/>
+          <p:cNvSpPr>
+            <a:spLocks noGrp="1" noRot="1" noChangeAspect="1"/>
+          </p:cNvSpPr>
           <p:nvPr>
-            <p:ph idx="2" type="sldImg"/>
+            <p:ph type="sldImg" idx="2"/>
           </p:nvPr>
         </p:nvSpPr>
         <p:spPr>
@@ -1921,9 +1998,13 @@
             <a:ext cx="6096000" cy="3429000"/>
           </a:xfrm>
           <a:custGeom>
-            <a:rect b="b" l="l" r="r" t="t"/>
+            <a:avLst/>
+            <a:gdLst/>
+            <a:ahLst/>
+            <a:cxnLst/>
+            <a:rect l="l" t="t" r="r" b="b"/>
             <a:pathLst>
-              <a:path extrusionOk="0" h="120000" w="120000">
+              <a:path w="120000" h="120000" extrusionOk="0">
                 <a:moveTo>
                   <a:pt x="0" y="0"/>
                 </a:moveTo>
@@ -1945,9 +2026,11 @@
       <p:sp>
         <p:nvSpPr>
           <p:cNvPr id="80" name="Google Shape;80;ga6aac7f38b_1_75:notes"/>
-          <p:cNvSpPr txBox="1"/>
+          <p:cNvSpPr txBox="1">
+            <a:spLocks noGrp="1"/>
+          </p:cNvSpPr>
           <p:nvPr>
-            <p:ph idx="1" type="body"/>
+            <p:ph type="body" idx="1"/>
           </p:nvPr>
         </p:nvSpPr>
         <p:spPr>
@@ -1960,12 +2043,12 @@
           </a:prstGeom>
         </p:spPr>
         <p:txBody>
-          <a:bodyPr anchorCtr="0" anchor="t" bIns="91425" lIns="91425" spcFirstLastPara="1" rIns="91425" wrap="square" tIns="91425">
+          <a:bodyPr spcFirstLastPara="1" wrap="square" lIns="91425" tIns="91425" rIns="91425" bIns="91425" anchor="t" anchorCtr="0">
             <a:noAutofit/>
           </a:bodyPr>
           <a:lstStyle/>
           <a:p>
-            <a:pPr indent="0" lvl="0" marL="0" rtl="0" algn="l">
+            <a:pPr marL="0" lvl="0" indent="0" algn="l" rtl="0">
               <a:spcBef>
                 <a:spcPts val="0"/>
               </a:spcBef>
@@ -1974,9 +2057,6 @@
               </a:spcAft>
               <a:buNone/>
             </a:pPr>
-            <a:r>
-              <a:t/>
-            </a:r>
             <a:endParaRPr/>
           </a:p>
         </p:txBody>
@@ -1990,11 +2070,11 @@
 </file>
 
 <file path=ppt/notesSlides/notesSlide6.xml><?xml version="1.0" encoding="utf-8"?>
-<p:notes xmlns:a="http://schemas.openxmlformats.org/drawingml/2006/main" xmlns:r="http://schemas.openxmlformats.org/officeDocument/2006/relationships" xmlns:mc="http://schemas.openxmlformats.org/markup-compatibility/2006" xmlns:mv="urn:schemas-microsoft-com:mac:vml" xmlns:p="http://schemas.openxmlformats.org/presentationml/2006/main" xmlns:c="http://schemas.openxmlformats.org/drawingml/2006/chart" xmlns:dgm="http://schemas.openxmlformats.org/drawingml/2006/diagram" xmlns:o="urn:schemas-microsoft-com:office:office" xmlns:v="urn:schemas-microsoft-com:vml" xmlns:pvml="urn:schemas-microsoft-com:office:powerpoint" xmlns:com="http://schemas.openxmlformats.org/drawingml/2006/compatibility" xmlns:p14="http://schemas.microsoft.com/office/powerpoint/2010/main" xmlns:p15="http://schemas.microsoft.com/office/powerpoint/2012/main" xmlns:ahyp="http://schemas.microsoft.com/office/drawing/2018/hyperlinkcolor" showMasterPhAnim="0" showMasterSp="0">
+<p:notes xmlns:a="http://schemas.openxmlformats.org/drawingml/2006/main" xmlns:r="http://schemas.openxmlformats.org/officeDocument/2006/relationships" xmlns:p="http://schemas.openxmlformats.org/presentationml/2006/main" showMasterSp="0" showMasterPhAnim="0">
   <p:cSld>
     <p:spTree>
       <p:nvGrpSpPr>
-        <p:cNvPr id="85" name="Shape 85"/>
+        <p:cNvPr id="1" name="Shape 85"/>
         <p:cNvGrpSpPr/>
         <p:nvPr/>
       </p:nvGrpSpPr>
@@ -2009,9 +2089,11 @@
       <p:sp>
         <p:nvSpPr>
           <p:cNvPr id="86" name="Google Shape;86;ga6aac7f38b_1_80:notes"/>
-          <p:cNvSpPr/>
+          <p:cNvSpPr>
+            <a:spLocks noGrp="1" noRot="1" noChangeAspect="1"/>
+          </p:cNvSpPr>
           <p:nvPr>
-            <p:ph idx="2" type="sldImg"/>
+            <p:ph type="sldImg" idx="2"/>
           </p:nvPr>
         </p:nvSpPr>
         <p:spPr>
@@ -2020,9 +2102,13 @@
             <a:ext cx="6096000" cy="3429000"/>
           </a:xfrm>
           <a:custGeom>
-            <a:rect b="b" l="l" r="r" t="t"/>
+            <a:avLst/>
+            <a:gdLst/>
+            <a:ahLst/>
+            <a:cxnLst/>
+            <a:rect l="l" t="t" r="r" b="b"/>
             <a:pathLst>
-              <a:path extrusionOk="0" h="120000" w="120000">
+              <a:path w="120000" h="120000" extrusionOk="0">
                 <a:moveTo>
                   <a:pt x="0" y="0"/>
                 </a:moveTo>
@@ -2044,9 +2130,11 @@
       <p:sp>
         <p:nvSpPr>
           <p:cNvPr id="87" name="Google Shape;87;ga6aac7f38b_1_80:notes"/>
-          <p:cNvSpPr txBox="1"/>
+          <p:cNvSpPr txBox="1">
+            <a:spLocks noGrp="1"/>
+          </p:cNvSpPr>
           <p:nvPr>
-            <p:ph idx="1" type="body"/>
+            <p:ph type="body" idx="1"/>
           </p:nvPr>
         </p:nvSpPr>
         <p:spPr>
@@ -2059,12 +2147,12 @@
           </a:prstGeom>
         </p:spPr>
         <p:txBody>
-          <a:bodyPr anchorCtr="0" anchor="t" bIns="91425" lIns="91425" spcFirstLastPara="1" rIns="91425" wrap="square" tIns="91425">
+          <a:bodyPr spcFirstLastPara="1" wrap="square" lIns="91425" tIns="91425" rIns="91425" bIns="91425" anchor="t" anchorCtr="0">
             <a:noAutofit/>
           </a:bodyPr>
           <a:lstStyle/>
           <a:p>
-            <a:pPr indent="0" lvl="0" marL="0" rtl="0" algn="l">
+            <a:pPr marL="0" lvl="0" indent="0" algn="l" rtl="0">
               <a:spcBef>
                 <a:spcPts val="0"/>
               </a:spcBef>
@@ -2073,9 +2161,6 @@
               </a:spcAft>
               <a:buNone/>
             </a:pPr>
-            <a:r>
-              <a:t/>
-            </a:r>
             <a:endParaRPr/>
           </a:p>
         </p:txBody>
@@ -2089,11 +2174,11 @@
 </file>
 
 <file path=ppt/notesSlides/notesSlide7.xml><?xml version="1.0" encoding="utf-8"?>
-<p:notes xmlns:a="http://schemas.openxmlformats.org/drawingml/2006/main" xmlns:r="http://schemas.openxmlformats.org/officeDocument/2006/relationships" xmlns:mc="http://schemas.openxmlformats.org/markup-compatibility/2006" xmlns:mv="urn:schemas-microsoft-com:mac:vml" xmlns:p="http://schemas.openxmlformats.org/presentationml/2006/main" xmlns:c="http://schemas.openxmlformats.org/drawingml/2006/chart" xmlns:dgm="http://schemas.openxmlformats.org/drawingml/2006/diagram" xmlns:o="urn:schemas-microsoft-com:office:office" xmlns:v="urn:schemas-microsoft-com:vml" xmlns:pvml="urn:schemas-microsoft-com:office:powerpoint" xmlns:com="http://schemas.openxmlformats.org/drawingml/2006/compatibility" xmlns:p14="http://schemas.microsoft.com/office/powerpoint/2010/main" xmlns:p15="http://schemas.microsoft.com/office/powerpoint/2012/main" xmlns:ahyp="http://schemas.microsoft.com/office/drawing/2018/hyperlinkcolor" showMasterPhAnim="0" showMasterSp="0">
+<p:notes xmlns:a="http://schemas.openxmlformats.org/drawingml/2006/main" xmlns:r="http://schemas.openxmlformats.org/officeDocument/2006/relationships" xmlns:p="http://schemas.openxmlformats.org/presentationml/2006/main" showMasterSp="0" showMasterPhAnim="0">
   <p:cSld>
     <p:spTree>
       <p:nvGrpSpPr>
-        <p:cNvPr id="92" name="Shape 92"/>
+        <p:cNvPr id="1" name="Shape 92"/>
         <p:cNvGrpSpPr/>
         <p:nvPr/>
       </p:nvGrpSpPr>
@@ -2108,9 +2193,11 @@
       <p:sp>
         <p:nvSpPr>
           <p:cNvPr id="93" name="Google Shape;93;ga6aac7f38b_1_86:notes"/>
-          <p:cNvSpPr/>
+          <p:cNvSpPr>
+            <a:spLocks noGrp="1" noRot="1" noChangeAspect="1"/>
+          </p:cNvSpPr>
           <p:nvPr>
-            <p:ph idx="2" type="sldImg"/>
+            <p:ph type="sldImg" idx="2"/>
           </p:nvPr>
         </p:nvSpPr>
         <p:spPr>
@@ -2119,9 +2206,13 @@
             <a:ext cx="6096000" cy="3429000"/>
           </a:xfrm>
           <a:custGeom>
-            <a:rect b="b" l="l" r="r" t="t"/>
+            <a:avLst/>
+            <a:gdLst/>
+            <a:ahLst/>
+            <a:cxnLst/>
+            <a:rect l="l" t="t" r="r" b="b"/>
             <a:pathLst>
-              <a:path extrusionOk="0" h="120000" w="120000">
+              <a:path w="120000" h="120000" extrusionOk="0">
                 <a:moveTo>
                   <a:pt x="0" y="0"/>
                 </a:moveTo>
@@ -2143,9 +2234,11 @@
       <p:sp>
         <p:nvSpPr>
           <p:cNvPr id="94" name="Google Shape;94;ga6aac7f38b_1_86:notes"/>
-          <p:cNvSpPr txBox="1"/>
+          <p:cNvSpPr txBox="1">
+            <a:spLocks noGrp="1"/>
+          </p:cNvSpPr>
           <p:nvPr>
-            <p:ph idx="1" type="body"/>
+            <p:ph type="body" idx="1"/>
           </p:nvPr>
         </p:nvSpPr>
         <p:spPr>
@@ -2158,12 +2251,12 @@
           </a:prstGeom>
         </p:spPr>
         <p:txBody>
-          <a:bodyPr anchorCtr="0" anchor="t" bIns="91425" lIns="91425" spcFirstLastPara="1" rIns="91425" wrap="square" tIns="91425">
+          <a:bodyPr spcFirstLastPara="1" wrap="square" lIns="91425" tIns="91425" rIns="91425" bIns="91425" anchor="t" anchorCtr="0">
             <a:noAutofit/>
           </a:bodyPr>
           <a:lstStyle/>
           <a:p>
-            <a:pPr indent="0" lvl="0" marL="0" rtl="0" algn="l">
+            <a:pPr marL="0" lvl="0" indent="0" algn="l" rtl="0">
               <a:spcBef>
                 <a:spcPts val="0"/>
               </a:spcBef>
@@ -2172,9 +2265,6 @@
               </a:spcAft>
               <a:buNone/>
             </a:pPr>
-            <a:r>
-              <a:t/>
-            </a:r>
             <a:endParaRPr/>
           </a:p>
         </p:txBody>
@@ -2188,11 +2278,11 @@
 </file>
 
 <file path=ppt/notesSlides/notesSlide8.xml><?xml version="1.0" encoding="utf-8"?>
-<p:notes xmlns:a="http://schemas.openxmlformats.org/drawingml/2006/main" xmlns:r="http://schemas.openxmlformats.org/officeDocument/2006/relationships" xmlns:mc="http://schemas.openxmlformats.org/markup-compatibility/2006" xmlns:mv="urn:schemas-microsoft-com:mac:vml" xmlns:p="http://schemas.openxmlformats.org/presentationml/2006/main" xmlns:c="http://schemas.openxmlformats.org/drawingml/2006/chart" xmlns:dgm="http://schemas.openxmlformats.org/drawingml/2006/diagram" xmlns:o="urn:schemas-microsoft-com:office:office" xmlns:v="urn:schemas-microsoft-com:vml" xmlns:pvml="urn:schemas-microsoft-com:office:powerpoint" xmlns:com="http://schemas.openxmlformats.org/drawingml/2006/compatibility" xmlns:p14="http://schemas.microsoft.com/office/powerpoint/2010/main" xmlns:p15="http://schemas.microsoft.com/office/powerpoint/2012/main" xmlns:ahyp="http://schemas.microsoft.com/office/drawing/2018/hyperlinkcolor" showMasterPhAnim="0" showMasterSp="0">
+<p:notes xmlns:a="http://schemas.openxmlformats.org/drawingml/2006/main" xmlns:r="http://schemas.openxmlformats.org/officeDocument/2006/relationships" xmlns:p="http://schemas.openxmlformats.org/presentationml/2006/main" showMasterSp="0" showMasterPhAnim="0">
   <p:cSld>
     <p:spTree>
       <p:nvGrpSpPr>
-        <p:cNvPr id="99" name="Shape 99"/>
+        <p:cNvPr id="1" name="Shape 99"/>
         <p:cNvGrpSpPr/>
         <p:nvPr/>
       </p:nvGrpSpPr>
@@ -2207,9 +2297,11 @@
       <p:sp>
         <p:nvSpPr>
           <p:cNvPr id="100" name="Google Shape;100;ga6aac7f38b_1_91:notes"/>
-          <p:cNvSpPr/>
+          <p:cNvSpPr>
+            <a:spLocks noGrp="1" noRot="1" noChangeAspect="1"/>
+          </p:cNvSpPr>
           <p:nvPr>
-            <p:ph idx="2" type="sldImg"/>
+            <p:ph type="sldImg" idx="2"/>
           </p:nvPr>
         </p:nvSpPr>
         <p:spPr>
@@ -2218,9 +2310,13 @@
             <a:ext cx="6096000" cy="3429000"/>
           </a:xfrm>
           <a:custGeom>
-            <a:rect b="b" l="l" r="r" t="t"/>
+            <a:avLst/>
+            <a:gdLst/>
+            <a:ahLst/>
+            <a:cxnLst/>
+            <a:rect l="l" t="t" r="r" b="b"/>
             <a:pathLst>
-              <a:path extrusionOk="0" h="120000" w="120000">
+              <a:path w="120000" h="120000" extrusionOk="0">
                 <a:moveTo>
                   <a:pt x="0" y="0"/>
                 </a:moveTo>
@@ -2242,9 +2338,11 @@
       <p:sp>
         <p:nvSpPr>
           <p:cNvPr id="101" name="Google Shape;101;ga6aac7f38b_1_91:notes"/>
-          <p:cNvSpPr txBox="1"/>
+          <p:cNvSpPr txBox="1">
+            <a:spLocks noGrp="1"/>
+          </p:cNvSpPr>
           <p:nvPr>
-            <p:ph idx="1" type="body"/>
+            <p:ph type="body" idx="1"/>
           </p:nvPr>
         </p:nvSpPr>
         <p:spPr>
@@ -2257,12 +2355,12 @@
           </a:prstGeom>
         </p:spPr>
         <p:txBody>
-          <a:bodyPr anchorCtr="0" anchor="t" bIns="91425" lIns="91425" spcFirstLastPara="1" rIns="91425" wrap="square" tIns="91425">
+          <a:bodyPr spcFirstLastPara="1" wrap="square" lIns="91425" tIns="91425" rIns="91425" bIns="91425" anchor="t" anchorCtr="0">
             <a:noAutofit/>
           </a:bodyPr>
           <a:lstStyle/>
           <a:p>
-            <a:pPr indent="0" lvl="0" marL="0" rtl="0" algn="l">
+            <a:pPr marL="0" lvl="0" indent="0" algn="l" rtl="0">
               <a:spcBef>
                 <a:spcPts val="0"/>
               </a:spcBef>
@@ -2271,9 +2369,6 @@
               </a:spcAft>
               <a:buNone/>
             </a:pPr>
-            <a:r>
-              <a:t/>
-            </a:r>
             <a:endParaRPr/>
           </a:p>
         </p:txBody>
@@ -2287,11 +2382,11 @@
 </file>
 
 <file path=ppt/notesSlides/notesSlide9.xml><?xml version="1.0" encoding="utf-8"?>
-<p:notes xmlns:a="http://schemas.openxmlformats.org/drawingml/2006/main" xmlns:r="http://schemas.openxmlformats.org/officeDocument/2006/relationships" xmlns:mc="http://schemas.openxmlformats.org/markup-compatibility/2006" xmlns:mv="urn:schemas-microsoft-com:mac:vml" xmlns:p="http://schemas.openxmlformats.org/presentationml/2006/main" xmlns:c="http://schemas.openxmlformats.org/drawingml/2006/chart" xmlns:dgm="http://schemas.openxmlformats.org/drawingml/2006/diagram" xmlns:o="urn:schemas-microsoft-com:office:office" xmlns:v="urn:schemas-microsoft-com:vml" xmlns:pvml="urn:schemas-microsoft-com:office:powerpoint" xmlns:com="http://schemas.openxmlformats.org/drawingml/2006/compatibility" xmlns:p14="http://schemas.microsoft.com/office/powerpoint/2010/main" xmlns:p15="http://schemas.microsoft.com/office/powerpoint/2012/main" xmlns:ahyp="http://schemas.microsoft.com/office/drawing/2018/hyperlinkcolor" showMasterPhAnim="0" showMasterSp="0">
+<p:notes xmlns:a="http://schemas.openxmlformats.org/drawingml/2006/main" xmlns:r="http://schemas.openxmlformats.org/officeDocument/2006/relationships" xmlns:p="http://schemas.openxmlformats.org/presentationml/2006/main" showMasterSp="0" showMasterPhAnim="0">
   <p:cSld>
     <p:spTree>
       <p:nvGrpSpPr>
-        <p:cNvPr id="107" name="Shape 107"/>
+        <p:cNvPr id="1" name="Shape 107"/>
         <p:cNvGrpSpPr/>
         <p:nvPr/>
       </p:nvGrpSpPr>
@@ -2306,9 +2401,11 @@
       <p:sp>
         <p:nvSpPr>
           <p:cNvPr id="108" name="Google Shape;108;ga6aac7f38b_1_98:notes"/>
-          <p:cNvSpPr/>
+          <p:cNvSpPr>
+            <a:spLocks noGrp="1" noRot="1" noChangeAspect="1"/>
+          </p:cNvSpPr>
           <p:nvPr>
-            <p:ph idx="2" type="sldImg"/>
+            <p:ph type="sldImg" idx="2"/>
           </p:nvPr>
         </p:nvSpPr>
         <p:spPr>
@@ -2317,9 +2414,13 @@
             <a:ext cx="6096000" cy="3429000"/>
           </a:xfrm>
           <a:custGeom>
-            <a:rect b="b" l="l" r="r" t="t"/>
+            <a:avLst/>
+            <a:gdLst/>
+            <a:ahLst/>
+            <a:cxnLst/>
+            <a:rect l="l" t="t" r="r" b="b"/>
             <a:pathLst>
-              <a:path extrusionOk="0" h="120000" w="120000">
+              <a:path w="120000" h="120000" extrusionOk="0">
                 <a:moveTo>
                   <a:pt x="0" y="0"/>
                 </a:moveTo>
@@ -2341,9 +2442,11 @@
       <p:sp>
         <p:nvSpPr>
           <p:cNvPr id="109" name="Google Shape;109;ga6aac7f38b_1_98:notes"/>
-          <p:cNvSpPr txBox="1"/>
+          <p:cNvSpPr txBox="1">
+            <a:spLocks noGrp="1"/>
+          </p:cNvSpPr>
           <p:nvPr>
-            <p:ph idx="1" type="body"/>
+            <p:ph type="body" idx="1"/>
           </p:nvPr>
         </p:nvSpPr>
         <p:spPr>
@@ -2356,12 +2459,12 @@
           </a:prstGeom>
         </p:spPr>
         <p:txBody>
-          <a:bodyPr anchorCtr="0" anchor="t" bIns="91425" lIns="91425" spcFirstLastPara="1" rIns="91425" wrap="square" tIns="91425">
+          <a:bodyPr spcFirstLastPara="1" wrap="square" lIns="91425" tIns="91425" rIns="91425" bIns="91425" anchor="t" anchorCtr="0">
             <a:noAutofit/>
           </a:bodyPr>
           <a:lstStyle/>
           <a:p>
-            <a:pPr indent="0" lvl="0" marL="0" rtl="0" algn="l">
+            <a:pPr marL="0" lvl="0" indent="0" algn="l" rtl="0">
               <a:spcBef>
                 <a:spcPts val="0"/>
               </a:spcBef>
@@ -2370,9 +2473,6 @@
               </a:spcAft>
               <a:buNone/>
             </a:pPr>
-            <a:r>
-              <a:t/>
-            </a:r>
             <a:endParaRPr/>
           </a:p>
         </p:txBody>
@@ -2386,11 +2486,11 @@
 </file>
 
 <file path=ppt/slideLayouts/slideLayout1.xml><?xml version="1.0" encoding="utf-8"?>
-<p:sldLayout xmlns:a="http://schemas.openxmlformats.org/drawingml/2006/main" xmlns:r="http://schemas.openxmlformats.org/officeDocument/2006/relationships" xmlns:mc="http://schemas.openxmlformats.org/markup-compatibility/2006" xmlns:mv="urn:schemas-microsoft-com:mac:vml" xmlns:p="http://schemas.openxmlformats.org/presentationml/2006/main" xmlns:c="http://schemas.openxmlformats.org/drawingml/2006/chart" xmlns:dgm="http://schemas.openxmlformats.org/drawingml/2006/diagram" xmlns:o="urn:schemas-microsoft-com:office:office" xmlns:v="urn:schemas-microsoft-com:vml" xmlns:pvml="urn:schemas-microsoft-com:office:powerpoint" xmlns:com="http://schemas.openxmlformats.org/drawingml/2006/compatibility" xmlns:p14="http://schemas.microsoft.com/office/powerpoint/2010/main" xmlns:p15="http://schemas.microsoft.com/office/powerpoint/2012/main" xmlns:ahyp="http://schemas.microsoft.com/office/drawing/2018/hyperlinkcolor" matchingName="Title slide" type="title">
+<p:sldLayout xmlns:a="http://schemas.openxmlformats.org/drawingml/2006/main" xmlns:r="http://schemas.openxmlformats.org/officeDocument/2006/relationships" xmlns:p="http://schemas.openxmlformats.org/presentationml/2006/main" matchingName="Title slide" type="title">
   <p:cSld name="TITLE">
     <p:spTree>
       <p:nvGrpSpPr>
-        <p:cNvPr id="9" name="Shape 9"/>
+        <p:cNvPr id="1" name="Shape 9"/>
         <p:cNvGrpSpPr/>
         <p:nvPr/>
       </p:nvGrpSpPr>
@@ -2405,7 +2505,9 @@
       <p:sp>
         <p:nvSpPr>
           <p:cNvPr id="10" name="Google Shape;10;p2"/>
-          <p:cNvSpPr txBox="1"/>
+          <p:cNvSpPr txBox="1">
+            <a:spLocks noGrp="1"/>
+          </p:cNvSpPr>
           <p:nvPr>
             <p:ph type="ctrTitle"/>
           </p:nvPr>
@@ -2420,7 +2522,7 @@
           </a:prstGeom>
         </p:spPr>
         <p:txBody>
-          <a:bodyPr anchorCtr="0" anchor="b" bIns="91425" lIns="91425" spcFirstLastPara="1" rIns="91425" wrap="square" tIns="91425">
+          <a:bodyPr spcFirstLastPara="1" wrap="square" lIns="91425" tIns="91425" rIns="91425" bIns="91425" anchor="b" anchorCtr="0">
             <a:noAutofit/>
           </a:bodyPr>
           <a:lstStyle>
@@ -2524,15 +2626,19 @@
               <a:defRPr sz="5200"/>
             </a:lvl9pPr>
           </a:lstStyle>
-          <a:p/>
+          <a:p>
+            <a:endParaRPr/>
+          </a:p>
         </p:txBody>
       </p:sp>
       <p:sp>
         <p:nvSpPr>
           <p:cNvPr id="11" name="Google Shape;11;p2"/>
-          <p:cNvSpPr txBox="1"/>
+          <p:cNvSpPr txBox="1">
+            <a:spLocks noGrp="1"/>
+          </p:cNvSpPr>
           <p:nvPr>
-            <p:ph idx="1" type="subTitle"/>
+            <p:ph type="subTitle" idx="1"/>
           </p:nvPr>
         </p:nvSpPr>
         <p:spPr>
@@ -2545,7 +2651,7 @@
           </a:prstGeom>
         </p:spPr>
         <p:txBody>
-          <a:bodyPr anchorCtr="0" anchor="t" bIns="91425" lIns="91425" spcFirstLastPara="1" rIns="91425" wrap="square" tIns="91425">
+          <a:bodyPr spcFirstLastPara="1" wrap="square" lIns="91425" tIns="91425" rIns="91425" bIns="91425" anchor="t" anchorCtr="0">
             <a:noAutofit/>
           </a:bodyPr>
           <a:lstStyle>
@@ -2676,15 +2782,19 @@
               <a:defRPr sz="2800"/>
             </a:lvl9pPr>
           </a:lstStyle>
-          <a:p/>
+          <a:p>
+            <a:endParaRPr/>
+          </a:p>
         </p:txBody>
       </p:sp>
       <p:sp>
         <p:nvSpPr>
           <p:cNvPr id="12" name="Google Shape;12;p2"/>
-          <p:cNvSpPr txBox="1"/>
+          <p:cNvSpPr txBox="1">
+            <a:spLocks noGrp="1"/>
+          </p:cNvSpPr>
           <p:nvPr>
-            <p:ph idx="12" type="sldNum"/>
+            <p:ph type="sldNum" idx="12"/>
           </p:nvPr>
         </p:nvSpPr>
         <p:spPr>
@@ -2697,7 +2807,7 @@
           </a:prstGeom>
         </p:spPr>
         <p:txBody>
-          <a:bodyPr anchorCtr="0" anchor="ctr" bIns="91425" lIns="91425" spcFirstLastPara="1" rIns="91425" wrap="square" tIns="91425">
+          <a:bodyPr spcFirstLastPara="1" wrap="square" lIns="91425" tIns="91425" rIns="91425" bIns="91425" anchor="ctr" anchorCtr="0">
             <a:noAutofit/>
           </a:bodyPr>
           <a:lstStyle>
@@ -2739,7 +2849,7 @@
             </a:lvl9pPr>
           </a:lstStyle>
           <a:p>
-            <a:pPr indent="0" lvl="0" marL="0" rtl="0" algn="r">
+            <a:pPr marL="0" lvl="0" indent="0" algn="r" rtl="0">
               <a:spcBef>
                 <a:spcPts val="0"/>
               </a:spcBef>
@@ -2765,11 +2875,11 @@
 </file>
 
 <file path=ppt/slideLayouts/slideLayout10.xml><?xml version="1.0" encoding="utf-8"?>
-<p:sldLayout xmlns:a="http://schemas.openxmlformats.org/drawingml/2006/main" xmlns:r="http://schemas.openxmlformats.org/officeDocument/2006/relationships" xmlns:mc="http://schemas.openxmlformats.org/markup-compatibility/2006" xmlns:mv="urn:schemas-microsoft-com:mac:vml" xmlns:p="http://schemas.openxmlformats.org/presentationml/2006/main" xmlns:c="http://schemas.openxmlformats.org/drawingml/2006/chart" xmlns:dgm="http://schemas.openxmlformats.org/drawingml/2006/diagram" xmlns:o="urn:schemas-microsoft-com:office:office" xmlns:v="urn:schemas-microsoft-com:vml" xmlns:pvml="urn:schemas-microsoft-com:office:powerpoint" xmlns:com="http://schemas.openxmlformats.org/drawingml/2006/compatibility" xmlns:p14="http://schemas.microsoft.com/office/powerpoint/2010/main" xmlns:p15="http://schemas.microsoft.com/office/powerpoint/2012/main" xmlns:ahyp="http://schemas.microsoft.com/office/drawing/2018/hyperlinkcolor" matchingName="Big number">
+<p:sldLayout xmlns:a="http://schemas.openxmlformats.org/drawingml/2006/main" xmlns:r="http://schemas.openxmlformats.org/officeDocument/2006/relationships" xmlns:p="http://schemas.openxmlformats.org/presentationml/2006/main" matchingName="Big number">
   <p:cSld name="BIG_NUMBER">
     <p:spTree>
       <p:nvGrpSpPr>
-        <p:cNvPr id="44" name="Shape 44"/>
+        <p:cNvPr id="1" name="Shape 44"/>
         <p:cNvGrpSpPr/>
         <p:nvPr/>
       </p:nvGrpSpPr>
@@ -2784,9 +2894,11 @@
       <p:sp>
         <p:nvSpPr>
           <p:cNvPr id="45" name="Google Shape;45;p11"/>
-          <p:cNvSpPr txBox="1"/>
+          <p:cNvSpPr txBox="1">
+            <a:spLocks noGrp="1"/>
+          </p:cNvSpPr>
           <p:nvPr>
-            <p:ph hasCustomPrompt="1" type="title"/>
+            <p:ph type="title" hasCustomPrompt="1"/>
           </p:nvPr>
         </p:nvSpPr>
         <p:spPr>
@@ -2799,7 +2911,7 @@
           </a:prstGeom>
         </p:spPr>
         <p:txBody>
-          <a:bodyPr anchorCtr="0" anchor="b" bIns="91425" lIns="91425" spcFirstLastPara="1" rIns="91425" wrap="square" tIns="91425">
+          <a:bodyPr spcFirstLastPara="1" wrap="square" lIns="91425" tIns="91425" rIns="91425" bIns="91425" anchor="b" anchorCtr="0">
             <a:noAutofit/>
           </a:bodyPr>
           <a:lstStyle>
@@ -2913,9 +3025,11 @@
       <p:sp>
         <p:nvSpPr>
           <p:cNvPr id="46" name="Google Shape;46;p11"/>
-          <p:cNvSpPr txBox="1"/>
+          <p:cNvSpPr txBox="1">
+            <a:spLocks noGrp="1"/>
+          </p:cNvSpPr>
           <p:nvPr>
-            <p:ph idx="1" type="body"/>
+            <p:ph type="body" idx="1"/>
           </p:nvPr>
         </p:nvSpPr>
         <p:spPr>
@@ -2928,11 +3042,11 @@
           </a:prstGeom>
         </p:spPr>
         <p:txBody>
-          <a:bodyPr anchorCtr="0" anchor="t" bIns="91425" lIns="91425" spcFirstLastPara="1" rIns="91425" wrap="square" tIns="91425">
+          <a:bodyPr spcFirstLastPara="1" wrap="square" lIns="91425" tIns="91425" rIns="91425" bIns="91425" anchor="t" anchorCtr="0">
             <a:noAutofit/>
           </a:bodyPr>
           <a:lstStyle>
-            <a:lvl1pPr indent="-342900" lvl="0" marL="457200" algn="ctr">
+            <a:lvl1pPr marL="457200" lvl="0" indent="-342900" algn="ctr">
               <a:spcBef>
                 <a:spcPts val="0"/>
               </a:spcBef>
@@ -2943,7 +3057,7 @@
               <a:buChar char="●"/>
               <a:defRPr/>
             </a:lvl1pPr>
-            <a:lvl2pPr indent="-317500" lvl="1" marL="914400" algn="ctr">
+            <a:lvl2pPr marL="914400" lvl="1" indent="-317500" algn="ctr">
               <a:spcBef>
                 <a:spcPts val="1600"/>
               </a:spcBef>
@@ -2954,7 +3068,7 @@
               <a:buChar char="○"/>
               <a:defRPr/>
             </a:lvl2pPr>
-            <a:lvl3pPr indent="-317500" lvl="2" marL="1371600" algn="ctr">
+            <a:lvl3pPr marL="1371600" lvl="2" indent="-317500" algn="ctr">
               <a:spcBef>
                 <a:spcPts val="1600"/>
               </a:spcBef>
@@ -2965,7 +3079,7 @@
               <a:buChar char="■"/>
               <a:defRPr/>
             </a:lvl3pPr>
-            <a:lvl4pPr indent="-317500" lvl="3" marL="1828800" algn="ctr">
+            <a:lvl4pPr marL="1828800" lvl="3" indent="-317500" algn="ctr">
               <a:spcBef>
                 <a:spcPts val="1600"/>
               </a:spcBef>
@@ -2976,7 +3090,7 @@
               <a:buChar char="●"/>
               <a:defRPr/>
             </a:lvl4pPr>
-            <a:lvl5pPr indent="-317500" lvl="4" marL="2286000" algn="ctr">
+            <a:lvl5pPr marL="2286000" lvl="4" indent="-317500" algn="ctr">
               <a:spcBef>
                 <a:spcPts val="1600"/>
               </a:spcBef>
@@ -2987,7 +3101,7 @@
               <a:buChar char="○"/>
               <a:defRPr/>
             </a:lvl5pPr>
-            <a:lvl6pPr indent="-317500" lvl="5" marL="2743200" algn="ctr">
+            <a:lvl6pPr marL="2743200" lvl="5" indent="-317500" algn="ctr">
               <a:spcBef>
                 <a:spcPts val="1600"/>
               </a:spcBef>
@@ -2998,7 +3112,7 @@
               <a:buChar char="■"/>
               <a:defRPr/>
             </a:lvl6pPr>
-            <a:lvl7pPr indent="-317500" lvl="6" marL="3200400" algn="ctr">
+            <a:lvl7pPr marL="3200400" lvl="6" indent="-317500" algn="ctr">
               <a:spcBef>
                 <a:spcPts val="1600"/>
               </a:spcBef>
@@ -3009,7 +3123,7 @@
               <a:buChar char="●"/>
               <a:defRPr/>
             </a:lvl7pPr>
-            <a:lvl8pPr indent="-317500" lvl="7" marL="3657600" algn="ctr">
+            <a:lvl8pPr marL="3657600" lvl="7" indent="-317500" algn="ctr">
               <a:spcBef>
                 <a:spcPts val="1600"/>
               </a:spcBef>
@@ -3020,7 +3134,7 @@
               <a:buChar char="○"/>
               <a:defRPr/>
             </a:lvl8pPr>
-            <a:lvl9pPr indent="-317500" lvl="8" marL="4114800" algn="ctr">
+            <a:lvl9pPr marL="4114800" lvl="8" indent="-317500" algn="ctr">
               <a:spcBef>
                 <a:spcPts val="1600"/>
               </a:spcBef>
@@ -3032,15 +3146,19 @@
               <a:defRPr/>
             </a:lvl9pPr>
           </a:lstStyle>
-          <a:p/>
+          <a:p>
+            <a:endParaRPr/>
+          </a:p>
         </p:txBody>
       </p:sp>
       <p:sp>
         <p:nvSpPr>
           <p:cNvPr id="47" name="Google Shape;47;p11"/>
-          <p:cNvSpPr txBox="1"/>
+          <p:cNvSpPr txBox="1">
+            <a:spLocks noGrp="1"/>
+          </p:cNvSpPr>
           <p:nvPr>
-            <p:ph idx="12" type="sldNum"/>
+            <p:ph type="sldNum" idx="12"/>
           </p:nvPr>
         </p:nvSpPr>
         <p:spPr>
@@ -3053,7 +3171,7 @@
           </a:prstGeom>
         </p:spPr>
         <p:txBody>
-          <a:bodyPr anchorCtr="0" anchor="ctr" bIns="91425" lIns="91425" spcFirstLastPara="1" rIns="91425" wrap="square" tIns="91425">
+          <a:bodyPr spcFirstLastPara="1" wrap="square" lIns="91425" tIns="91425" rIns="91425" bIns="91425" anchor="ctr" anchorCtr="0">
             <a:noAutofit/>
           </a:bodyPr>
           <a:lstStyle>
@@ -3095,7 +3213,7 @@
             </a:lvl9pPr>
           </a:lstStyle>
           <a:p>
-            <a:pPr indent="0" lvl="0" marL="0" rtl="0" algn="r">
+            <a:pPr marL="0" lvl="0" indent="0" algn="r" rtl="0">
               <a:spcBef>
                 <a:spcPts val="0"/>
               </a:spcBef>
@@ -3121,11 +3239,11 @@
 </file>
 
 <file path=ppt/slideLayouts/slideLayout11.xml><?xml version="1.0" encoding="utf-8"?>
-<p:sldLayout xmlns:a="http://schemas.openxmlformats.org/drawingml/2006/main" xmlns:r="http://schemas.openxmlformats.org/officeDocument/2006/relationships" xmlns:mc="http://schemas.openxmlformats.org/markup-compatibility/2006" xmlns:mv="urn:schemas-microsoft-com:mac:vml" xmlns:p="http://schemas.openxmlformats.org/presentationml/2006/main" xmlns:c="http://schemas.openxmlformats.org/drawingml/2006/chart" xmlns:dgm="http://schemas.openxmlformats.org/drawingml/2006/diagram" xmlns:o="urn:schemas-microsoft-com:office:office" xmlns:v="urn:schemas-microsoft-com:vml" xmlns:pvml="urn:schemas-microsoft-com:office:powerpoint" xmlns:com="http://schemas.openxmlformats.org/drawingml/2006/compatibility" xmlns:p14="http://schemas.microsoft.com/office/powerpoint/2010/main" xmlns:p15="http://schemas.microsoft.com/office/powerpoint/2012/main" xmlns:ahyp="http://schemas.microsoft.com/office/drawing/2018/hyperlinkcolor" matchingName="Blank" type="blank">
+<p:sldLayout xmlns:a="http://schemas.openxmlformats.org/drawingml/2006/main" xmlns:r="http://schemas.openxmlformats.org/officeDocument/2006/relationships" xmlns:p="http://schemas.openxmlformats.org/presentationml/2006/main" matchingName="Blank" type="blank">
   <p:cSld name="BLANK">
     <p:spTree>
       <p:nvGrpSpPr>
-        <p:cNvPr id="48" name="Shape 48"/>
+        <p:cNvPr id="1" name="Shape 48"/>
         <p:cNvGrpSpPr/>
         <p:nvPr/>
       </p:nvGrpSpPr>
@@ -3140,9 +3258,11 @@
       <p:sp>
         <p:nvSpPr>
           <p:cNvPr id="49" name="Google Shape;49;p12"/>
-          <p:cNvSpPr txBox="1"/>
+          <p:cNvSpPr txBox="1">
+            <a:spLocks noGrp="1"/>
+          </p:cNvSpPr>
           <p:nvPr>
-            <p:ph idx="12" type="sldNum"/>
+            <p:ph type="sldNum" idx="12"/>
           </p:nvPr>
         </p:nvSpPr>
         <p:spPr>
@@ -3155,7 +3275,7 @@
           </a:prstGeom>
         </p:spPr>
         <p:txBody>
-          <a:bodyPr anchorCtr="0" anchor="ctr" bIns="91425" lIns="91425" spcFirstLastPara="1" rIns="91425" wrap="square" tIns="91425">
+          <a:bodyPr spcFirstLastPara="1" wrap="square" lIns="91425" tIns="91425" rIns="91425" bIns="91425" anchor="ctr" anchorCtr="0">
             <a:noAutofit/>
           </a:bodyPr>
           <a:lstStyle>
@@ -3197,7 +3317,7 @@
             </a:lvl9pPr>
           </a:lstStyle>
           <a:p>
-            <a:pPr indent="0" lvl="0" marL="0" rtl="0" algn="r">
+            <a:pPr marL="0" lvl="0" indent="0" algn="r" rtl="0">
               <a:spcBef>
                 <a:spcPts val="0"/>
               </a:spcBef>
@@ -3223,11 +3343,11 @@
 </file>
 
 <file path=ppt/slideLayouts/slideLayout2.xml><?xml version="1.0" encoding="utf-8"?>
-<p:sldLayout xmlns:a="http://schemas.openxmlformats.org/drawingml/2006/main" xmlns:r="http://schemas.openxmlformats.org/officeDocument/2006/relationships" xmlns:mc="http://schemas.openxmlformats.org/markup-compatibility/2006" xmlns:mv="urn:schemas-microsoft-com:mac:vml" xmlns:p="http://schemas.openxmlformats.org/presentationml/2006/main" xmlns:c="http://schemas.openxmlformats.org/drawingml/2006/chart" xmlns:dgm="http://schemas.openxmlformats.org/drawingml/2006/diagram" xmlns:o="urn:schemas-microsoft-com:office:office" xmlns:v="urn:schemas-microsoft-com:vml" xmlns:pvml="urn:schemas-microsoft-com:office:powerpoint" xmlns:com="http://schemas.openxmlformats.org/drawingml/2006/compatibility" xmlns:p14="http://schemas.microsoft.com/office/powerpoint/2010/main" xmlns:p15="http://schemas.microsoft.com/office/powerpoint/2012/main" xmlns:ahyp="http://schemas.microsoft.com/office/drawing/2018/hyperlinkcolor" matchingName="Section header" type="secHead">
+<p:sldLayout xmlns:a="http://schemas.openxmlformats.org/drawingml/2006/main" xmlns:r="http://schemas.openxmlformats.org/officeDocument/2006/relationships" xmlns:p="http://schemas.openxmlformats.org/presentationml/2006/main" matchingName="Section header" type="secHead">
   <p:cSld name="SECTION_HEADER">
     <p:spTree>
       <p:nvGrpSpPr>
-        <p:cNvPr id="13" name="Shape 13"/>
+        <p:cNvPr id="1" name="Shape 13"/>
         <p:cNvGrpSpPr/>
         <p:nvPr/>
       </p:nvGrpSpPr>
@@ -3242,7 +3362,9 @@
       <p:sp>
         <p:nvSpPr>
           <p:cNvPr id="14" name="Google Shape;14;p3"/>
-          <p:cNvSpPr txBox="1"/>
+          <p:cNvSpPr txBox="1">
+            <a:spLocks noGrp="1"/>
+          </p:cNvSpPr>
           <p:nvPr>
             <p:ph type="title"/>
           </p:nvPr>
@@ -3257,7 +3379,7 @@
           </a:prstGeom>
         </p:spPr>
         <p:txBody>
-          <a:bodyPr anchorCtr="0" anchor="ctr" bIns="91425" lIns="91425" spcFirstLastPara="1" rIns="91425" wrap="square" tIns="91425">
+          <a:bodyPr spcFirstLastPara="1" wrap="square" lIns="91425" tIns="91425" rIns="91425" bIns="91425" anchor="ctr" anchorCtr="0">
             <a:noAutofit/>
           </a:bodyPr>
           <a:lstStyle>
@@ -3361,15 +3483,19 @@
               <a:defRPr sz="3600"/>
             </a:lvl9pPr>
           </a:lstStyle>
-          <a:p/>
+          <a:p>
+            <a:endParaRPr/>
+          </a:p>
         </p:txBody>
       </p:sp>
       <p:sp>
         <p:nvSpPr>
           <p:cNvPr id="15" name="Google Shape;15;p3"/>
-          <p:cNvSpPr txBox="1"/>
+          <p:cNvSpPr txBox="1">
+            <a:spLocks noGrp="1"/>
+          </p:cNvSpPr>
           <p:nvPr>
-            <p:ph idx="12" type="sldNum"/>
+            <p:ph type="sldNum" idx="12"/>
           </p:nvPr>
         </p:nvSpPr>
         <p:spPr>
@@ -3382,7 +3508,7 @@
           </a:prstGeom>
         </p:spPr>
         <p:txBody>
-          <a:bodyPr anchorCtr="0" anchor="ctr" bIns="91425" lIns="91425" spcFirstLastPara="1" rIns="91425" wrap="square" tIns="91425">
+          <a:bodyPr spcFirstLastPara="1" wrap="square" lIns="91425" tIns="91425" rIns="91425" bIns="91425" anchor="ctr" anchorCtr="0">
             <a:noAutofit/>
           </a:bodyPr>
           <a:lstStyle>
@@ -3424,7 +3550,7 @@
             </a:lvl9pPr>
           </a:lstStyle>
           <a:p>
-            <a:pPr indent="0" lvl="0" marL="0" rtl="0" algn="r">
+            <a:pPr marL="0" lvl="0" indent="0" algn="r" rtl="0">
               <a:spcBef>
                 <a:spcPts val="0"/>
               </a:spcBef>
@@ -3450,11 +3576,11 @@
 </file>
 
 <file path=ppt/slideLayouts/slideLayout3.xml><?xml version="1.0" encoding="utf-8"?>
-<p:sldLayout xmlns:a="http://schemas.openxmlformats.org/drawingml/2006/main" xmlns:r="http://schemas.openxmlformats.org/officeDocument/2006/relationships" xmlns:mc="http://schemas.openxmlformats.org/markup-compatibility/2006" xmlns:mv="urn:schemas-microsoft-com:mac:vml" xmlns:p="http://schemas.openxmlformats.org/presentationml/2006/main" xmlns:c="http://schemas.openxmlformats.org/drawingml/2006/chart" xmlns:dgm="http://schemas.openxmlformats.org/drawingml/2006/diagram" xmlns:o="urn:schemas-microsoft-com:office:office" xmlns:v="urn:schemas-microsoft-com:vml" xmlns:pvml="urn:schemas-microsoft-com:office:powerpoint" xmlns:com="http://schemas.openxmlformats.org/drawingml/2006/compatibility" xmlns:p14="http://schemas.microsoft.com/office/powerpoint/2010/main" xmlns:p15="http://schemas.microsoft.com/office/powerpoint/2012/main" xmlns:ahyp="http://schemas.microsoft.com/office/drawing/2018/hyperlinkcolor" matchingName="Title and body" type="tx">
+<p:sldLayout xmlns:a="http://schemas.openxmlformats.org/drawingml/2006/main" xmlns:r="http://schemas.openxmlformats.org/officeDocument/2006/relationships" xmlns:p="http://schemas.openxmlformats.org/presentationml/2006/main" matchingName="Title and body" type="tx">
   <p:cSld name="TITLE_AND_BODY">
     <p:spTree>
       <p:nvGrpSpPr>
-        <p:cNvPr id="16" name="Shape 16"/>
+        <p:cNvPr id="1" name="Shape 16"/>
         <p:cNvGrpSpPr/>
         <p:nvPr/>
       </p:nvGrpSpPr>
@@ -3469,7 +3595,9 @@
       <p:sp>
         <p:nvSpPr>
           <p:cNvPr id="17" name="Google Shape;17;p4"/>
-          <p:cNvSpPr txBox="1"/>
+          <p:cNvSpPr txBox="1">
+            <a:spLocks noGrp="1"/>
+          </p:cNvSpPr>
           <p:nvPr>
             <p:ph type="title"/>
           </p:nvPr>
@@ -3484,7 +3612,7 @@
           </a:prstGeom>
         </p:spPr>
         <p:txBody>
-          <a:bodyPr anchorCtr="0" anchor="t" bIns="91425" lIns="91425" spcFirstLastPara="1" rIns="91425" wrap="square" tIns="91425">
+          <a:bodyPr spcFirstLastPara="1" wrap="square" lIns="91425" tIns="91425" rIns="91425" bIns="91425" anchor="t" anchorCtr="0">
             <a:noAutofit/>
           </a:bodyPr>
           <a:lstStyle>
@@ -3588,15 +3716,19 @@
               <a:defRPr/>
             </a:lvl9pPr>
           </a:lstStyle>
-          <a:p/>
+          <a:p>
+            <a:endParaRPr/>
+          </a:p>
         </p:txBody>
       </p:sp>
       <p:sp>
         <p:nvSpPr>
           <p:cNvPr id="18" name="Google Shape;18;p4"/>
-          <p:cNvSpPr txBox="1"/>
+          <p:cNvSpPr txBox="1">
+            <a:spLocks noGrp="1"/>
+          </p:cNvSpPr>
           <p:nvPr>
-            <p:ph idx="1" type="body"/>
+            <p:ph type="body" idx="1"/>
           </p:nvPr>
         </p:nvSpPr>
         <p:spPr>
@@ -3609,11 +3741,11 @@
           </a:prstGeom>
         </p:spPr>
         <p:txBody>
-          <a:bodyPr anchorCtr="0" anchor="t" bIns="91425" lIns="91425" spcFirstLastPara="1" rIns="91425" wrap="square" tIns="91425">
+          <a:bodyPr spcFirstLastPara="1" wrap="square" lIns="91425" tIns="91425" rIns="91425" bIns="91425" anchor="t" anchorCtr="0">
             <a:noAutofit/>
           </a:bodyPr>
           <a:lstStyle>
-            <a:lvl1pPr indent="-342900" lvl="0" marL="457200">
+            <a:lvl1pPr marL="457200" lvl="0" indent="-342900">
               <a:spcBef>
                 <a:spcPts val="0"/>
               </a:spcBef>
@@ -3624,7 +3756,7 @@
               <a:buChar char="●"/>
               <a:defRPr/>
             </a:lvl1pPr>
-            <a:lvl2pPr indent="-317500" lvl="1" marL="914400">
+            <a:lvl2pPr marL="914400" lvl="1" indent="-317500">
               <a:spcBef>
                 <a:spcPts val="1600"/>
               </a:spcBef>
@@ -3635,7 +3767,7 @@
               <a:buChar char="○"/>
               <a:defRPr/>
             </a:lvl2pPr>
-            <a:lvl3pPr indent="-317500" lvl="2" marL="1371600">
+            <a:lvl3pPr marL="1371600" lvl="2" indent="-317500">
               <a:spcBef>
                 <a:spcPts val="1600"/>
               </a:spcBef>
@@ -3646,7 +3778,7 @@
               <a:buChar char="■"/>
               <a:defRPr/>
             </a:lvl3pPr>
-            <a:lvl4pPr indent="-317500" lvl="3" marL="1828800">
+            <a:lvl4pPr marL="1828800" lvl="3" indent="-317500">
               <a:spcBef>
                 <a:spcPts val="1600"/>
               </a:spcBef>
@@ -3657,7 +3789,7 @@
               <a:buChar char="●"/>
               <a:defRPr/>
             </a:lvl4pPr>
-            <a:lvl5pPr indent="-317500" lvl="4" marL="2286000">
+            <a:lvl5pPr marL="2286000" lvl="4" indent="-317500">
               <a:spcBef>
                 <a:spcPts val="1600"/>
               </a:spcBef>
@@ -3668,7 +3800,7 @@
               <a:buChar char="○"/>
               <a:defRPr/>
             </a:lvl5pPr>
-            <a:lvl6pPr indent="-317500" lvl="5" marL="2743200">
+            <a:lvl6pPr marL="2743200" lvl="5" indent="-317500">
               <a:spcBef>
                 <a:spcPts val="1600"/>
               </a:spcBef>
@@ -3679,7 +3811,7 @@
               <a:buChar char="■"/>
               <a:defRPr/>
             </a:lvl6pPr>
-            <a:lvl7pPr indent="-317500" lvl="6" marL="3200400">
+            <a:lvl7pPr marL="3200400" lvl="6" indent="-317500">
               <a:spcBef>
                 <a:spcPts val="1600"/>
               </a:spcBef>
@@ -3690,7 +3822,7 @@
               <a:buChar char="●"/>
               <a:defRPr/>
             </a:lvl7pPr>
-            <a:lvl8pPr indent="-317500" lvl="7" marL="3657600">
+            <a:lvl8pPr marL="3657600" lvl="7" indent="-317500">
               <a:spcBef>
                 <a:spcPts val="1600"/>
               </a:spcBef>
@@ -3701,7 +3833,7 @@
               <a:buChar char="○"/>
               <a:defRPr/>
             </a:lvl8pPr>
-            <a:lvl9pPr indent="-317500" lvl="8" marL="4114800">
+            <a:lvl9pPr marL="4114800" lvl="8" indent="-317500">
               <a:spcBef>
                 <a:spcPts val="1600"/>
               </a:spcBef>
@@ -3713,15 +3845,19 @@
               <a:defRPr/>
             </a:lvl9pPr>
           </a:lstStyle>
-          <a:p/>
+          <a:p>
+            <a:endParaRPr/>
+          </a:p>
         </p:txBody>
       </p:sp>
       <p:sp>
         <p:nvSpPr>
           <p:cNvPr id="19" name="Google Shape;19;p4"/>
-          <p:cNvSpPr txBox="1"/>
+          <p:cNvSpPr txBox="1">
+            <a:spLocks noGrp="1"/>
+          </p:cNvSpPr>
           <p:nvPr>
-            <p:ph idx="12" type="sldNum"/>
+            <p:ph type="sldNum" idx="12"/>
           </p:nvPr>
         </p:nvSpPr>
         <p:spPr>
@@ -3734,7 +3870,7 @@
           </a:prstGeom>
         </p:spPr>
         <p:txBody>
-          <a:bodyPr anchorCtr="0" anchor="ctr" bIns="91425" lIns="91425" spcFirstLastPara="1" rIns="91425" wrap="square" tIns="91425">
+          <a:bodyPr spcFirstLastPara="1" wrap="square" lIns="91425" tIns="91425" rIns="91425" bIns="91425" anchor="ctr" anchorCtr="0">
             <a:noAutofit/>
           </a:bodyPr>
           <a:lstStyle>
@@ -3776,7 +3912,7 @@
             </a:lvl9pPr>
           </a:lstStyle>
           <a:p>
-            <a:pPr indent="0" lvl="0" marL="0" rtl="0" algn="r">
+            <a:pPr marL="0" lvl="0" indent="0" algn="r" rtl="0">
               <a:spcBef>
                 <a:spcPts val="0"/>
               </a:spcBef>
@@ -3802,11 +3938,11 @@
 </file>
 
 <file path=ppt/slideLayouts/slideLayout4.xml><?xml version="1.0" encoding="utf-8"?>
-<p:sldLayout xmlns:a="http://schemas.openxmlformats.org/drawingml/2006/main" xmlns:r="http://schemas.openxmlformats.org/officeDocument/2006/relationships" xmlns:mc="http://schemas.openxmlformats.org/markup-compatibility/2006" xmlns:mv="urn:schemas-microsoft-com:mac:vml" xmlns:p="http://schemas.openxmlformats.org/presentationml/2006/main" xmlns:c="http://schemas.openxmlformats.org/drawingml/2006/chart" xmlns:dgm="http://schemas.openxmlformats.org/drawingml/2006/diagram" xmlns:o="urn:schemas-microsoft-com:office:office" xmlns:v="urn:schemas-microsoft-com:vml" xmlns:pvml="urn:schemas-microsoft-com:office:powerpoint" xmlns:com="http://schemas.openxmlformats.org/drawingml/2006/compatibility" xmlns:p14="http://schemas.microsoft.com/office/powerpoint/2010/main" xmlns:p15="http://schemas.microsoft.com/office/powerpoint/2012/main" xmlns:ahyp="http://schemas.microsoft.com/office/drawing/2018/hyperlinkcolor" matchingName="Title and two columns" type="twoColTx">
+<p:sldLayout xmlns:a="http://schemas.openxmlformats.org/drawingml/2006/main" xmlns:r="http://schemas.openxmlformats.org/officeDocument/2006/relationships" xmlns:p="http://schemas.openxmlformats.org/presentationml/2006/main" matchingName="Title and two columns" type="twoColTx">
   <p:cSld name="TITLE_AND_TWO_COLUMNS">
     <p:spTree>
       <p:nvGrpSpPr>
-        <p:cNvPr id="20" name="Shape 20"/>
+        <p:cNvPr id="1" name="Shape 20"/>
         <p:cNvGrpSpPr/>
         <p:nvPr/>
       </p:nvGrpSpPr>
@@ -3821,7 +3957,9 @@
       <p:sp>
         <p:nvSpPr>
           <p:cNvPr id="21" name="Google Shape;21;p5"/>
-          <p:cNvSpPr txBox="1"/>
+          <p:cNvSpPr txBox="1">
+            <a:spLocks noGrp="1"/>
+          </p:cNvSpPr>
           <p:nvPr>
             <p:ph type="title"/>
           </p:nvPr>
@@ -3836,7 +3974,7 @@
           </a:prstGeom>
         </p:spPr>
         <p:txBody>
-          <a:bodyPr anchorCtr="0" anchor="t" bIns="91425" lIns="91425" spcFirstLastPara="1" rIns="91425" wrap="square" tIns="91425">
+          <a:bodyPr spcFirstLastPara="1" wrap="square" lIns="91425" tIns="91425" rIns="91425" bIns="91425" anchor="t" anchorCtr="0">
             <a:noAutofit/>
           </a:bodyPr>
           <a:lstStyle>
@@ -3940,15 +4078,19 @@
               <a:defRPr/>
             </a:lvl9pPr>
           </a:lstStyle>
-          <a:p/>
+          <a:p>
+            <a:endParaRPr/>
+          </a:p>
         </p:txBody>
       </p:sp>
       <p:sp>
         <p:nvSpPr>
           <p:cNvPr id="22" name="Google Shape;22;p5"/>
-          <p:cNvSpPr txBox="1"/>
+          <p:cNvSpPr txBox="1">
+            <a:spLocks noGrp="1"/>
+          </p:cNvSpPr>
           <p:nvPr>
-            <p:ph idx="1" type="body"/>
+            <p:ph type="body" idx="1"/>
           </p:nvPr>
         </p:nvSpPr>
         <p:spPr>
@@ -3961,11 +4103,11 @@
           </a:prstGeom>
         </p:spPr>
         <p:txBody>
-          <a:bodyPr anchorCtr="0" anchor="t" bIns="91425" lIns="91425" spcFirstLastPara="1" rIns="91425" wrap="square" tIns="91425">
+          <a:bodyPr spcFirstLastPara="1" wrap="square" lIns="91425" tIns="91425" rIns="91425" bIns="91425" anchor="t" anchorCtr="0">
             <a:noAutofit/>
           </a:bodyPr>
           <a:lstStyle>
-            <a:lvl1pPr indent="-317500" lvl="0" marL="457200">
+            <a:lvl1pPr marL="457200" lvl="0" indent="-317500">
               <a:spcBef>
                 <a:spcPts val="0"/>
               </a:spcBef>
@@ -3976,7 +4118,7 @@
               <a:buChar char="●"/>
               <a:defRPr sz="1400"/>
             </a:lvl1pPr>
-            <a:lvl2pPr indent="-304800" lvl="1" marL="914400">
+            <a:lvl2pPr marL="914400" lvl="1" indent="-304800">
               <a:spcBef>
                 <a:spcPts val="1600"/>
               </a:spcBef>
@@ -3987,7 +4129,7 @@
               <a:buChar char="○"/>
               <a:defRPr sz="1200"/>
             </a:lvl2pPr>
-            <a:lvl3pPr indent="-304800" lvl="2" marL="1371600">
+            <a:lvl3pPr marL="1371600" lvl="2" indent="-304800">
               <a:spcBef>
                 <a:spcPts val="1600"/>
               </a:spcBef>
@@ -3998,7 +4140,7 @@
               <a:buChar char="■"/>
               <a:defRPr sz="1200"/>
             </a:lvl3pPr>
-            <a:lvl4pPr indent="-304800" lvl="3" marL="1828800">
+            <a:lvl4pPr marL="1828800" lvl="3" indent="-304800">
               <a:spcBef>
                 <a:spcPts val="1600"/>
               </a:spcBef>
@@ -4009,7 +4151,7 @@
               <a:buChar char="●"/>
               <a:defRPr sz="1200"/>
             </a:lvl4pPr>
-            <a:lvl5pPr indent="-304800" lvl="4" marL="2286000">
+            <a:lvl5pPr marL="2286000" lvl="4" indent="-304800">
               <a:spcBef>
                 <a:spcPts val="1600"/>
               </a:spcBef>
@@ -4020,7 +4162,7 @@
               <a:buChar char="○"/>
               <a:defRPr sz="1200"/>
             </a:lvl5pPr>
-            <a:lvl6pPr indent="-304800" lvl="5" marL="2743200">
+            <a:lvl6pPr marL="2743200" lvl="5" indent="-304800">
               <a:spcBef>
                 <a:spcPts val="1600"/>
               </a:spcBef>
@@ -4031,7 +4173,7 @@
               <a:buChar char="■"/>
               <a:defRPr sz="1200"/>
             </a:lvl6pPr>
-            <a:lvl7pPr indent="-304800" lvl="6" marL="3200400">
+            <a:lvl7pPr marL="3200400" lvl="6" indent="-304800">
               <a:spcBef>
                 <a:spcPts val="1600"/>
               </a:spcBef>
@@ -4042,7 +4184,7 @@
               <a:buChar char="●"/>
               <a:defRPr sz="1200"/>
             </a:lvl7pPr>
-            <a:lvl8pPr indent="-304800" lvl="7" marL="3657600">
+            <a:lvl8pPr marL="3657600" lvl="7" indent="-304800">
               <a:spcBef>
                 <a:spcPts val="1600"/>
               </a:spcBef>
@@ -4053,7 +4195,7 @@
               <a:buChar char="○"/>
               <a:defRPr sz="1200"/>
             </a:lvl8pPr>
-            <a:lvl9pPr indent="-304800" lvl="8" marL="4114800">
+            <a:lvl9pPr marL="4114800" lvl="8" indent="-304800">
               <a:spcBef>
                 <a:spcPts val="1600"/>
               </a:spcBef>
@@ -4065,15 +4207,19 @@
               <a:defRPr sz="1200"/>
             </a:lvl9pPr>
           </a:lstStyle>
-          <a:p/>
+          <a:p>
+            <a:endParaRPr/>
+          </a:p>
         </p:txBody>
       </p:sp>
       <p:sp>
         <p:nvSpPr>
           <p:cNvPr id="23" name="Google Shape;23;p5"/>
-          <p:cNvSpPr txBox="1"/>
+          <p:cNvSpPr txBox="1">
+            <a:spLocks noGrp="1"/>
+          </p:cNvSpPr>
           <p:nvPr>
-            <p:ph idx="2" type="body"/>
+            <p:ph type="body" idx="2"/>
           </p:nvPr>
         </p:nvSpPr>
         <p:spPr>
@@ -4086,11 +4232,11 @@
           </a:prstGeom>
         </p:spPr>
         <p:txBody>
-          <a:bodyPr anchorCtr="0" anchor="t" bIns="91425" lIns="91425" spcFirstLastPara="1" rIns="91425" wrap="square" tIns="91425">
+          <a:bodyPr spcFirstLastPara="1" wrap="square" lIns="91425" tIns="91425" rIns="91425" bIns="91425" anchor="t" anchorCtr="0">
             <a:noAutofit/>
           </a:bodyPr>
           <a:lstStyle>
-            <a:lvl1pPr indent="-317500" lvl="0" marL="457200">
+            <a:lvl1pPr marL="457200" lvl="0" indent="-317500">
               <a:spcBef>
                 <a:spcPts val="0"/>
               </a:spcBef>
@@ -4101,7 +4247,7 @@
               <a:buChar char="●"/>
               <a:defRPr sz="1400"/>
             </a:lvl1pPr>
-            <a:lvl2pPr indent="-304800" lvl="1" marL="914400">
+            <a:lvl2pPr marL="914400" lvl="1" indent="-304800">
               <a:spcBef>
                 <a:spcPts val="1600"/>
               </a:spcBef>
@@ -4112,7 +4258,7 @@
               <a:buChar char="○"/>
               <a:defRPr sz="1200"/>
             </a:lvl2pPr>
-            <a:lvl3pPr indent="-304800" lvl="2" marL="1371600">
+            <a:lvl3pPr marL="1371600" lvl="2" indent="-304800">
               <a:spcBef>
                 <a:spcPts val="1600"/>
               </a:spcBef>
@@ -4123,7 +4269,7 @@
               <a:buChar char="■"/>
               <a:defRPr sz="1200"/>
             </a:lvl3pPr>
-            <a:lvl4pPr indent="-304800" lvl="3" marL="1828800">
+            <a:lvl4pPr marL="1828800" lvl="3" indent="-304800">
               <a:spcBef>
                 <a:spcPts val="1600"/>
               </a:spcBef>
@@ -4134,7 +4280,7 @@
               <a:buChar char="●"/>
               <a:defRPr sz="1200"/>
             </a:lvl4pPr>
-            <a:lvl5pPr indent="-304800" lvl="4" marL="2286000">
+            <a:lvl5pPr marL="2286000" lvl="4" indent="-304800">
               <a:spcBef>
                 <a:spcPts val="1600"/>
               </a:spcBef>
@@ -4145,7 +4291,7 @@
               <a:buChar char="○"/>
               <a:defRPr sz="1200"/>
             </a:lvl5pPr>
-            <a:lvl6pPr indent="-304800" lvl="5" marL="2743200">
+            <a:lvl6pPr marL="2743200" lvl="5" indent="-304800">
               <a:spcBef>
                 <a:spcPts val="1600"/>
               </a:spcBef>
@@ -4156,7 +4302,7 @@
               <a:buChar char="■"/>
               <a:defRPr sz="1200"/>
             </a:lvl6pPr>
-            <a:lvl7pPr indent="-304800" lvl="6" marL="3200400">
+            <a:lvl7pPr marL="3200400" lvl="6" indent="-304800">
               <a:spcBef>
                 <a:spcPts val="1600"/>
               </a:spcBef>
@@ -4167,7 +4313,7 @@
               <a:buChar char="●"/>
               <a:defRPr sz="1200"/>
             </a:lvl7pPr>
-            <a:lvl8pPr indent="-304800" lvl="7" marL="3657600">
+            <a:lvl8pPr marL="3657600" lvl="7" indent="-304800">
               <a:spcBef>
                 <a:spcPts val="1600"/>
               </a:spcBef>
@@ -4178,7 +4324,7 @@
               <a:buChar char="○"/>
               <a:defRPr sz="1200"/>
             </a:lvl8pPr>
-            <a:lvl9pPr indent="-304800" lvl="8" marL="4114800">
+            <a:lvl9pPr marL="4114800" lvl="8" indent="-304800">
               <a:spcBef>
                 <a:spcPts val="1600"/>
               </a:spcBef>
@@ -4190,15 +4336,19 @@
               <a:defRPr sz="1200"/>
             </a:lvl9pPr>
           </a:lstStyle>
-          <a:p/>
+          <a:p>
+            <a:endParaRPr/>
+          </a:p>
         </p:txBody>
       </p:sp>
       <p:sp>
         <p:nvSpPr>
           <p:cNvPr id="24" name="Google Shape;24;p5"/>
-          <p:cNvSpPr txBox="1"/>
+          <p:cNvSpPr txBox="1">
+            <a:spLocks noGrp="1"/>
+          </p:cNvSpPr>
           <p:nvPr>
-            <p:ph idx="12" type="sldNum"/>
+            <p:ph type="sldNum" idx="12"/>
           </p:nvPr>
         </p:nvSpPr>
         <p:spPr>
@@ -4211,7 +4361,7 @@
           </a:prstGeom>
         </p:spPr>
         <p:txBody>
-          <a:bodyPr anchorCtr="0" anchor="ctr" bIns="91425" lIns="91425" spcFirstLastPara="1" rIns="91425" wrap="square" tIns="91425">
+          <a:bodyPr spcFirstLastPara="1" wrap="square" lIns="91425" tIns="91425" rIns="91425" bIns="91425" anchor="ctr" anchorCtr="0">
             <a:noAutofit/>
           </a:bodyPr>
           <a:lstStyle>
@@ -4253,7 +4403,7 @@
             </a:lvl9pPr>
           </a:lstStyle>
           <a:p>
-            <a:pPr indent="0" lvl="0" marL="0" rtl="0" algn="r">
+            <a:pPr marL="0" lvl="0" indent="0" algn="r" rtl="0">
               <a:spcBef>
                 <a:spcPts val="0"/>
               </a:spcBef>
@@ -4279,11 +4429,11 @@
 </file>
 
 <file path=ppt/slideLayouts/slideLayout5.xml><?xml version="1.0" encoding="utf-8"?>
-<p:sldLayout xmlns:a="http://schemas.openxmlformats.org/drawingml/2006/main" xmlns:r="http://schemas.openxmlformats.org/officeDocument/2006/relationships" xmlns:mc="http://schemas.openxmlformats.org/markup-compatibility/2006" xmlns:mv="urn:schemas-microsoft-com:mac:vml" xmlns:p="http://schemas.openxmlformats.org/presentationml/2006/main" xmlns:c="http://schemas.openxmlformats.org/drawingml/2006/chart" xmlns:dgm="http://schemas.openxmlformats.org/drawingml/2006/diagram" xmlns:o="urn:schemas-microsoft-com:office:office" xmlns:v="urn:schemas-microsoft-com:vml" xmlns:pvml="urn:schemas-microsoft-com:office:powerpoint" xmlns:com="http://schemas.openxmlformats.org/drawingml/2006/compatibility" xmlns:p14="http://schemas.microsoft.com/office/powerpoint/2010/main" xmlns:p15="http://schemas.microsoft.com/office/powerpoint/2012/main" xmlns:ahyp="http://schemas.microsoft.com/office/drawing/2018/hyperlinkcolor" matchingName="Title only" type="titleOnly">
+<p:sldLayout xmlns:a="http://schemas.openxmlformats.org/drawingml/2006/main" xmlns:r="http://schemas.openxmlformats.org/officeDocument/2006/relationships" xmlns:p="http://schemas.openxmlformats.org/presentationml/2006/main" matchingName="Title only" type="titleOnly">
   <p:cSld name="TITLE_ONLY">
     <p:spTree>
       <p:nvGrpSpPr>
-        <p:cNvPr id="25" name="Shape 25"/>
+        <p:cNvPr id="1" name="Shape 25"/>
         <p:cNvGrpSpPr/>
         <p:nvPr/>
       </p:nvGrpSpPr>
@@ -4298,7 +4448,9 @@
       <p:sp>
         <p:nvSpPr>
           <p:cNvPr id="26" name="Google Shape;26;p6"/>
-          <p:cNvSpPr txBox="1"/>
+          <p:cNvSpPr txBox="1">
+            <a:spLocks noGrp="1"/>
+          </p:cNvSpPr>
           <p:nvPr>
             <p:ph type="title"/>
           </p:nvPr>
@@ -4313,7 +4465,7 @@
           </a:prstGeom>
         </p:spPr>
         <p:txBody>
-          <a:bodyPr anchorCtr="0" anchor="t" bIns="91425" lIns="91425" spcFirstLastPara="1" rIns="91425" wrap="square" tIns="91425">
+          <a:bodyPr spcFirstLastPara="1" wrap="square" lIns="91425" tIns="91425" rIns="91425" bIns="91425" anchor="t" anchorCtr="0">
             <a:noAutofit/>
           </a:bodyPr>
           <a:lstStyle>
@@ -4417,15 +4569,19 @@
               <a:defRPr/>
             </a:lvl9pPr>
           </a:lstStyle>
-          <a:p/>
+          <a:p>
+            <a:endParaRPr/>
+          </a:p>
         </p:txBody>
       </p:sp>
       <p:sp>
         <p:nvSpPr>
           <p:cNvPr id="27" name="Google Shape;27;p6"/>
-          <p:cNvSpPr txBox="1"/>
+          <p:cNvSpPr txBox="1">
+            <a:spLocks noGrp="1"/>
+          </p:cNvSpPr>
           <p:nvPr>
-            <p:ph idx="12" type="sldNum"/>
+            <p:ph type="sldNum" idx="12"/>
           </p:nvPr>
         </p:nvSpPr>
         <p:spPr>
@@ -4438,7 +4594,7 @@
           </a:prstGeom>
         </p:spPr>
         <p:txBody>
-          <a:bodyPr anchorCtr="0" anchor="ctr" bIns="91425" lIns="91425" spcFirstLastPara="1" rIns="91425" wrap="square" tIns="91425">
+          <a:bodyPr spcFirstLastPara="1" wrap="square" lIns="91425" tIns="91425" rIns="91425" bIns="91425" anchor="ctr" anchorCtr="0">
             <a:noAutofit/>
           </a:bodyPr>
           <a:lstStyle>
@@ -4480,7 +4636,7 @@
             </a:lvl9pPr>
           </a:lstStyle>
           <a:p>
-            <a:pPr indent="0" lvl="0" marL="0" rtl="0" algn="r">
+            <a:pPr marL="0" lvl="0" indent="0" algn="r" rtl="0">
               <a:spcBef>
                 <a:spcPts val="0"/>
               </a:spcBef>
@@ -4506,11 +4662,11 @@
 </file>
 
 <file path=ppt/slideLayouts/slideLayout6.xml><?xml version="1.0" encoding="utf-8"?>
-<p:sldLayout xmlns:a="http://schemas.openxmlformats.org/drawingml/2006/main" xmlns:r="http://schemas.openxmlformats.org/officeDocument/2006/relationships" xmlns:mc="http://schemas.openxmlformats.org/markup-compatibility/2006" xmlns:mv="urn:schemas-microsoft-com:mac:vml" xmlns:p="http://schemas.openxmlformats.org/presentationml/2006/main" xmlns:c="http://schemas.openxmlformats.org/drawingml/2006/chart" xmlns:dgm="http://schemas.openxmlformats.org/drawingml/2006/diagram" xmlns:o="urn:schemas-microsoft-com:office:office" xmlns:v="urn:schemas-microsoft-com:vml" xmlns:pvml="urn:schemas-microsoft-com:office:powerpoint" xmlns:com="http://schemas.openxmlformats.org/drawingml/2006/compatibility" xmlns:p14="http://schemas.microsoft.com/office/powerpoint/2010/main" xmlns:p15="http://schemas.microsoft.com/office/powerpoint/2012/main" xmlns:ahyp="http://schemas.microsoft.com/office/drawing/2018/hyperlinkcolor" matchingName="One column text">
+<p:sldLayout xmlns:a="http://schemas.openxmlformats.org/drawingml/2006/main" xmlns:r="http://schemas.openxmlformats.org/officeDocument/2006/relationships" xmlns:p="http://schemas.openxmlformats.org/presentationml/2006/main" matchingName="One column text">
   <p:cSld name="ONE_COLUMN_TEXT">
     <p:spTree>
       <p:nvGrpSpPr>
-        <p:cNvPr id="28" name="Shape 28"/>
+        <p:cNvPr id="1" name="Shape 28"/>
         <p:cNvGrpSpPr/>
         <p:nvPr/>
       </p:nvGrpSpPr>
@@ -4525,7 +4681,9 @@
       <p:sp>
         <p:nvSpPr>
           <p:cNvPr id="29" name="Google Shape;29;p7"/>
-          <p:cNvSpPr txBox="1"/>
+          <p:cNvSpPr txBox="1">
+            <a:spLocks noGrp="1"/>
+          </p:cNvSpPr>
           <p:nvPr>
             <p:ph type="title"/>
           </p:nvPr>
@@ -4540,7 +4698,7 @@
           </a:prstGeom>
         </p:spPr>
         <p:txBody>
-          <a:bodyPr anchorCtr="0" anchor="b" bIns="91425" lIns="91425" spcFirstLastPara="1" rIns="91425" wrap="square" tIns="91425">
+          <a:bodyPr spcFirstLastPara="1" wrap="square" lIns="91425" tIns="91425" rIns="91425" bIns="91425" anchor="b" anchorCtr="0">
             <a:noAutofit/>
           </a:bodyPr>
           <a:lstStyle>
@@ -4644,15 +4802,19 @@
               <a:defRPr sz="2400"/>
             </a:lvl9pPr>
           </a:lstStyle>
-          <a:p/>
+          <a:p>
+            <a:endParaRPr/>
+          </a:p>
         </p:txBody>
       </p:sp>
       <p:sp>
         <p:nvSpPr>
           <p:cNvPr id="30" name="Google Shape;30;p7"/>
-          <p:cNvSpPr txBox="1"/>
+          <p:cNvSpPr txBox="1">
+            <a:spLocks noGrp="1"/>
+          </p:cNvSpPr>
           <p:nvPr>
-            <p:ph idx="1" type="body"/>
+            <p:ph type="body" idx="1"/>
           </p:nvPr>
         </p:nvSpPr>
         <p:spPr>
@@ -4665,11 +4827,11 @@
           </a:prstGeom>
         </p:spPr>
         <p:txBody>
-          <a:bodyPr anchorCtr="0" anchor="t" bIns="91425" lIns="91425" spcFirstLastPara="1" rIns="91425" wrap="square" tIns="91425">
+          <a:bodyPr spcFirstLastPara="1" wrap="square" lIns="91425" tIns="91425" rIns="91425" bIns="91425" anchor="t" anchorCtr="0">
             <a:noAutofit/>
           </a:bodyPr>
           <a:lstStyle>
-            <a:lvl1pPr indent="-304800" lvl="0" marL="457200">
+            <a:lvl1pPr marL="457200" lvl="0" indent="-304800">
               <a:spcBef>
                 <a:spcPts val="0"/>
               </a:spcBef>
@@ -4680,7 +4842,7 @@
               <a:buChar char="●"/>
               <a:defRPr sz="1200"/>
             </a:lvl1pPr>
-            <a:lvl2pPr indent="-304800" lvl="1" marL="914400">
+            <a:lvl2pPr marL="914400" lvl="1" indent="-304800">
               <a:spcBef>
                 <a:spcPts val="1600"/>
               </a:spcBef>
@@ -4691,7 +4853,7 @@
               <a:buChar char="○"/>
               <a:defRPr sz="1200"/>
             </a:lvl2pPr>
-            <a:lvl3pPr indent="-304800" lvl="2" marL="1371600">
+            <a:lvl3pPr marL="1371600" lvl="2" indent="-304800">
               <a:spcBef>
                 <a:spcPts val="1600"/>
               </a:spcBef>
@@ -4702,7 +4864,7 @@
               <a:buChar char="■"/>
               <a:defRPr sz="1200"/>
             </a:lvl3pPr>
-            <a:lvl4pPr indent="-304800" lvl="3" marL="1828800">
+            <a:lvl4pPr marL="1828800" lvl="3" indent="-304800">
               <a:spcBef>
                 <a:spcPts val="1600"/>
               </a:spcBef>
@@ -4713,7 +4875,7 @@
               <a:buChar char="●"/>
               <a:defRPr sz="1200"/>
             </a:lvl4pPr>
-            <a:lvl5pPr indent="-304800" lvl="4" marL="2286000">
+            <a:lvl5pPr marL="2286000" lvl="4" indent="-304800">
               <a:spcBef>
                 <a:spcPts val="1600"/>
               </a:spcBef>
@@ -4724,7 +4886,7 @@
               <a:buChar char="○"/>
               <a:defRPr sz="1200"/>
             </a:lvl5pPr>
-            <a:lvl6pPr indent="-304800" lvl="5" marL="2743200">
+            <a:lvl6pPr marL="2743200" lvl="5" indent="-304800">
               <a:spcBef>
                 <a:spcPts val="1600"/>
               </a:spcBef>
@@ -4735,7 +4897,7 @@
               <a:buChar char="■"/>
               <a:defRPr sz="1200"/>
             </a:lvl6pPr>
-            <a:lvl7pPr indent="-304800" lvl="6" marL="3200400">
+            <a:lvl7pPr marL="3200400" lvl="6" indent="-304800">
               <a:spcBef>
                 <a:spcPts val="1600"/>
               </a:spcBef>
@@ -4746,7 +4908,7 @@
               <a:buChar char="●"/>
               <a:defRPr sz="1200"/>
             </a:lvl7pPr>
-            <a:lvl8pPr indent="-304800" lvl="7" marL="3657600">
+            <a:lvl8pPr marL="3657600" lvl="7" indent="-304800">
               <a:spcBef>
                 <a:spcPts val="1600"/>
               </a:spcBef>
@@ -4757,7 +4919,7 @@
               <a:buChar char="○"/>
               <a:defRPr sz="1200"/>
             </a:lvl8pPr>
-            <a:lvl9pPr indent="-304800" lvl="8" marL="4114800">
+            <a:lvl9pPr marL="4114800" lvl="8" indent="-304800">
               <a:spcBef>
                 <a:spcPts val="1600"/>
               </a:spcBef>
@@ -4769,15 +4931,19 @@
               <a:defRPr sz="1200"/>
             </a:lvl9pPr>
           </a:lstStyle>
-          <a:p/>
+          <a:p>
+            <a:endParaRPr/>
+          </a:p>
         </p:txBody>
       </p:sp>
       <p:sp>
         <p:nvSpPr>
           <p:cNvPr id="31" name="Google Shape;31;p7"/>
-          <p:cNvSpPr txBox="1"/>
+          <p:cNvSpPr txBox="1">
+            <a:spLocks noGrp="1"/>
+          </p:cNvSpPr>
           <p:nvPr>
-            <p:ph idx="12" type="sldNum"/>
+            <p:ph type="sldNum" idx="12"/>
           </p:nvPr>
         </p:nvSpPr>
         <p:spPr>
@@ -4790,7 +4956,7 @@
           </a:prstGeom>
         </p:spPr>
         <p:txBody>
-          <a:bodyPr anchorCtr="0" anchor="ctr" bIns="91425" lIns="91425" spcFirstLastPara="1" rIns="91425" wrap="square" tIns="91425">
+          <a:bodyPr spcFirstLastPara="1" wrap="square" lIns="91425" tIns="91425" rIns="91425" bIns="91425" anchor="ctr" anchorCtr="0">
             <a:noAutofit/>
           </a:bodyPr>
           <a:lstStyle>
@@ -4832,7 +4998,7 @@
             </a:lvl9pPr>
           </a:lstStyle>
           <a:p>
-            <a:pPr indent="0" lvl="0" marL="0" rtl="0" algn="r">
+            <a:pPr marL="0" lvl="0" indent="0" algn="r" rtl="0">
               <a:spcBef>
                 <a:spcPts val="0"/>
               </a:spcBef>
@@ -4858,11 +5024,11 @@
 </file>
 
 <file path=ppt/slideLayouts/slideLayout7.xml><?xml version="1.0" encoding="utf-8"?>
-<p:sldLayout xmlns:a="http://schemas.openxmlformats.org/drawingml/2006/main" xmlns:r="http://schemas.openxmlformats.org/officeDocument/2006/relationships" xmlns:mc="http://schemas.openxmlformats.org/markup-compatibility/2006" xmlns:mv="urn:schemas-microsoft-com:mac:vml" xmlns:p="http://schemas.openxmlformats.org/presentationml/2006/main" xmlns:c="http://schemas.openxmlformats.org/drawingml/2006/chart" xmlns:dgm="http://schemas.openxmlformats.org/drawingml/2006/diagram" xmlns:o="urn:schemas-microsoft-com:office:office" xmlns:v="urn:schemas-microsoft-com:vml" xmlns:pvml="urn:schemas-microsoft-com:office:powerpoint" xmlns:com="http://schemas.openxmlformats.org/drawingml/2006/compatibility" xmlns:p14="http://schemas.microsoft.com/office/powerpoint/2010/main" xmlns:p15="http://schemas.microsoft.com/office/powerpoint/2012/main" xmlns:ahyp="http://schemas.microsoft.com/office/drawing/2018/hyperlinkcolor" matchingName="Main point">
+<p:sldLayout xmlns:a="http://schemas.openxmlformats.org/drawingml/2006/main" xmlns:r="http://schemas.openxmlformats.org/officeDocument/2006/relationships" xmlns:p="http://schemas.openxmlformats.org/presentationml/2006/main" matchingName="Main point">
   <p:cSld name="MAIN_POINT">
     <p:spTree>
       <p:nvGrpSpPr>
-        <p:cNvPr id="32" name="Shape 32"/>
+        <p:cNvPr id="1" name="Shape 32"/>
         <p:cNvGrpSpPr/>
         <p:nvPr/>
       </p:nvGrpSpPr>
@@ -4877,7 +5043,9 @@
       <p:sp>
         <p:nvSpPr>
           <p:cNvPr id="33" name="Google Shape;33;p8"/>
-          <p:cNvSpPr txBox="1"/>
+          <p:cNvSpPr txBox="1">
+            <a:spLocks noGrp="1"/>
+          </p:cNvSpPr>
           <p:nvPr>
             <p:ph type="title"/>
           </p:nvPr>
@@ -4892,7 +5060,7 @@
           </a:prstGeom>
         </p:spPr>
         <p:txBody>
-          <a:bodyPr anchorCtr="0" anchor="ctr" bIns="91425" lIns="91425" spcFirstLastPara="1" rIns="91425" wrap="square" tIns="91425">
+          <a:bodyPr spcFirstLastPara="1" wrap="square" lIns="91425" tIns="91425" rIns="91425" bIns="91425" anchor="ctr" anchorCtr="0">
             <a:noAutofit/>
           </a:bodyPr>
           <a:lstStyle>
@@ -4996,15 +5164,19 @@
               <a:defRPr sz="4800"/>
             </a:lvl9pPr>
           </a:lstStyle>
-          <a:p/>
+          <a:p>
+            <a:endParaRPr/>
+          </a:p>
         </p:txBody>
       </p:sp>
       <p:sp>
         <p:nvSpPr>
           <p:cNvPr id="34" name="Google Shape;34;p8"/>
-          <p:cNvSpPr txBox="1"/>
+          <p:cNvSpPr txBox="1">
+            <a:spLocks noGrp="1"/>
+          </p:cNvSpPr>
           <p:nvPr>
-            <p:ph idx="12" type="sldNum"/>
+            <p:ph type="sldNum" idx="12"/>
           </p:nvPr>
         </p:nvSpPr>
         <p:spPr>
@@ -5017,7 +5189,7 @@
           </a:prstGeom>
         </p:spPr>
         <p:txBody>
-          <a:bodyPr anchorCtr="0" anchor="ctr" bIns="91425" lIns="91425" spcFirstLastPara="1" rIns="91425" wrap="square" tIns="91425">
+          <a:bodyPr spcFirstLastPara="1" wrap="square" lIns="91425" tIns="91425" rIns="91425" bIns="91425" anchor="ctr" anchorCtr="0">
             <a:noAutofit/>
           </a:bodyPr>
           <a:lstStyle>
@@ -5059,7 +5231,7 @@
             </a:lvl9pPr>
           </a:lstStyle>
           <a:p>
-            <a:pPr indent="0" lvl="0" marL="0" rtl="0" algn="r">
+            <a:pPr marL="0" lvl="0" indent="0" algn="r" rtl="0">
               <a:spcBef>
                 <a:spcPts val="0"/>
               </a:spcBef>
@@ -5085,11 +5257,11 @@
 </file>
 
 <file path=ppt/slideLayouts/slideLayout8.xml><?xml version="1.0" encoding="utf-8"?>
-<p:sldLayout xmlns:a="http://schemas.openxmlformats.org/drawingml/2006/main" xmlns:r="http://schemas.openxmlformats.org/officeDocument/2006/relationships" xmlns:mc="http://schemas.openxmlformats.org/markup-compatibility/2006" xmlns:mv="urn:schemas-microsoft-com:mac:vml" xmlns:p="http://schemas.openxmlformats.org/presentationml/2006/main" xmlns:c="http://schemas.openxmlformats.org/drawingml/2006/chart" xmlns:dgm="http://schemas.openxmlformats.org/drawingml/2006/diagram" xmlns:o="urn:schemas-microsoft-com:office:office" xmlns:v="urn:schemas-microsoft-com:vml" xmlns:pvml="urn:schemas-microsoft-com:office:powerpoint" xmlns:com="http://schemas.openxmlformats.org/drawingml/2006/compatibility" xmlns:p14="http://schemas.microsoft.com/office/powerpoint/2010/main" xmlns:p15="http://schemas.microsoft.com/office/powerpoint/2012/main" xmlns:ahyp="http://schemas.microsoft.com/office/drawing/2018/hyperlinkcolor" matchingName="Section title and description">
+<p:sldLayout xmlns:a="http://schemas.openxmlformats.org/drawingml/2006/main" xmlns:r="http://schemas.openxmlformats.org/officeDocument/2006/relationships" xmlns:p="http://schemas.openxmlformats.org/presentationml/2006/main" matchingName="Section title and description">
   <p:cSld name="SECTION_TITLE_AND_DESCRIPTION">
     <p:spTree>
       <p:nvGrpSpPr>
-        <p:cNvPr id="35" name="Shape 35"/>
+        <p:cNvPr id="1" name="Shape 35"/>
         <p:cNvGrpSpPr/>
         <p:nvPr/>
       </p:nvGrpSpPr>
@@ -5123,12 +5295,12 @@
           </a:ln>
         </p:spPr>
         <p:txBody>
-          <a:bodyPr anchorCtr="0" anchor="ctr" bIns="91425" lIns="91425" spcFirstLastPara="1" rIns="91425" wrap="square" tIns="91425">
+          <a:bodyPr spcFirstLastPara="1" wrap="square" lIns="91425" tIns="91425" rIns="91425" bIns="91425" anchor="ctr" anchorCtr="0">
             <a:noAutofit/>
           </a:bodyPr>
           <a:lstStyle/>
           <a:p>
-            <a:pPr indent="0" lvl="0" marL="0" rtl="0" algn="l">
+            <a:pPr marL="0" lvl="0" indent="0" algn="l" rtl="0">
               <a:spcBef>
                 <a:spcPts val="0"/>
               </a:spcBef>
@@ -5137,9 +5309,6 @@
               </a:spcAft>
               <a:buNone/>
             </a:pPr>
-            <a:r>
-              <a:t/>
-            </a:r>
             <a:endParaRPr/>
           </a:p>
         </p:txBody>
@@ -5147,7 +5316,9 @@
       <p:sp>
         <p:nvSpPr>
           <p:cNvPr id="37" name="Google Shape;37;p9"/>
-          <p:cNvSpPr txBox="1"/>
+          <p:cNvSpPr txBox="1">
+            <a:spLocks noGrp="1"/>
+          </p:cNvSpPr>
           <p:nvPr>
             <p:ph type="title"/>
           </p:nvPr>
@@ -5162,7 +5333,7 @@
           </a:prstGeom>
         </p:spPr>
         <p:txBody>
-          <a:bodyPr anchorCtr="0" anchor="b" bIns="91425" lIns="91425" spcFirstLastPara="1" rIns="91425" wrap="square" tIns="91425">
+          <a:bodyPr spcFirstLastPara="1" wrap="square" lIns="91425" tIns="91425" rIns="91425" bIns="91425" anchor="b" anchorCtr="0">
             <a:noAutofit/>
           </a:bodyPr>
           <a:lstStyle>
@@ -5266,15 +5437,19 @@
               <a:defRPr sz="4200"/>
             </a:lvl9pPr>
           </a:lstStyle>
-          <a:p/>
+          <a:p>
+            <a:endParaRPr/>
+          </a:p>
         </p:txBody>
       </p:sp>
       <p:sp>
         <p:nvSpPr>
           <p:cNvPr id="38" name="Google Shape;38;p9"/>
-          <p:cNvSpPr txBox="1"/>
+          <p:cNvSpPr txBox="1">
+            <a:spLocks noGrp="1"/>
+          </p:cNvSpPr>
           <p:nvPr>
-            <p:ph idx="1" type="subTitle"/>
+            <p:ph type="subTitle" idx="1"/>
           </p:nvPr>
         </p:nvSpPr>
         <p:spPr>
@@ -5287,7 +5462,7 @@
           </a:prstGeom>
         </p:spPr>
         <p:txBody>
-          <a:bodyPr anchorCtr="0" anchor="t" bIns="91425" lIns="91425" spcFirstLastPara="1" rIns="91425" wrap="square" tIns="91425">
+          <a:bodyPr spcFirstLastPara="1" wrap="square" lIns="91425" tIns="91425" rIns="91425" bIns="91425" anchor="t" anchorCtr="0">
             <a:noAutofit/>
           </a:bodyPr>
           <a:lstStyle>
@@ -5418,15 +5593,19 @@
               <a:defRPr sz="2100"/>
             </a:lvl9pPr>
           </a:lstStyle>
-          <a:p/>
+          <a:p>
+            <a:endParaRPr/>
+          </a:p>
         </p:txBody>
       </p:sp>
       <p:sp>
         <p:nvSpPr>
           <p:cNvPr id="39" name="Google Shape;39;p9"/>
-          <p:cNvSpPr txBox="1"/>
+          <p:cNvSpPr txBox="1">
+            <a:spLocks noGrp="1"/>
+          </p:cNvSpPr>
           <p:nvPr>
-            <p:ph idx="2" type="body"/>
+            <p:ph type="body" idx="2"/>
           </p:nvPr>
         </p:nvSpPr>
         <p:spPr>
@@ -5439,11 +5618,11 @@
           </a:prstGeom>
         </p:spPr>
         <p:txBody>
-          <a:bodyPr anchorCtr="0" anchor="ctr" bIns="91425" lIns="91425" spcFirstLastPara="1" rIns="91425" wrap="square" tIns="91425">
+          <a:bodyPr spcFirstLastPara="1" wrap="square" lIns="91425" tIns="91425" rIns="91425" bIns="91425" anchor="ctr" anchorCtr="0">
             <a:noAutofit/>
           </a:bodyPr>
           <a:lstStyle>
-            <a:lvl1pPr indent="-342900" lvl="0" marL="457200">
+            <a:lvl1pPr marL="457200" lvl="0" indent="-342900">
               <a:spcBef>
                 <a:spcPts val="0"/>
               </a:spcBef>
@@ -5454,7 +5633,7 @@
               <a:buChar char="●"/>
               <a:defRPr/>
             </a:lvl1pPr>
-            <a:lvl2pPr indent="-317500" lvl="1" marL="914400">
+            <a:lvl2pPr marL="914400" lvl="1" indent="-317500">
               <a:spcBef>
                 <a:spcPts val="1600"/>
               </a:spcBef>
@@ -5465,7 +5644,7 @@
               <a:buChar char="○"/>
               <a:defRPr/>
             </a:lvl2pPr>
-            <a:lvl3pPr indent="-317500" lvl="2" marL="1371600">
+            <a:lvl3pPr marL="1371600" lvl="2" indent="-317500">
               <a:spcBef>
                 <a:spcPts val="1600"/>
               </a:spcBef>
@@ -5476,7 +5655,7 @@
               <a:buChar char="■"/>
               <a:defRPr/>
             </a:lvl3pPr>
-            <a:lvl4pPr indent="-317500" lvl="3" marL="1828800">
+            <a:lvl4pPr marL="1828800" lvl="3" indent="-317500">
               <a:spcBef>
                 <a:spcPts val="1600"/>
               </a:spcBef>
@@ -5487,7 +5666,7 @@
               <a:buChar char="●"/>
               <a:defRPr/>
             </a:lvl4pPr>
-            <a:lvl5pPr indent="-317500" lvl="4" marL="2286000">
+            <a:lvl5pPr marL="2286000" lvl="4" indent="-317500">
               <a:spcBef>
                 <a:spcPts val="1600"/>
               </a:spcBef>
@@ -5498,7 +5677,7 @@
               <a:buChar char="○"/>
               <a:defRPr/>
             </a:lvl5pPr>
-            <a:lvl6pPr indent="-317500" lvl="5" marL="2743200">
+            <a:lvl6pPr marL="2743200" lvl="5" indent="-317500">
               <a:spcBef>
                 <a:spcPts val="1600"/>
               </a:spcBef>
@@ -5509,7 +5688,7 @@
               <a:buChar char="■"/>
               <a:defRPr/>
             </a:lvl6pPr>
-            <a:lvl7pPr indent="-317500" lvl="6" marL="3200400">
+            <a:lvl7pPr marL="3200400" lvl="6" indent="-317500">
               <a:spcBef>
                 <a:spcPts val="1600"/>
               </a:spcBef>
@@ -5520,7 +5699,7 @@
               <a:buChar char="●"/>
               <a:defRPr/>
             </a:lvl7pPr>
-            <a:lvl8pPr indent="-317500" lvl="7" marL="3657600">
+            <a:lvl8pPr marL="3657600" lvl="7" indent="-317500">
               <a:spcBef>
                 <a:spcPts val="1600"/>
               </a:spcBef>
@@ -5531,7 +5710,7 @@
               <a:buChar char="○"/>
               <a:defRPr/>
             </a:lvl8pPr>
-            <a:lvl9pPr indent="-317500" lvl="8" marL="4114800">
+            <a:lvl9pPr marL="4114800" lvl="8" indent="-317500">
               <a:spcBef>
                 <a:spcPts val="1600"/>
               </a:spcBef>
@@ -5543,15 +5722,19 @@
               <a:defRPr/>
             </a:lvl9pPr>
           </a:lstStyle>
-          <a:p/>
+          <a:p>
+            <a:endParaRPr/>
+          </a:p>
         </p:txBody>
       </p:sp>
       <p:sp>
         <p:nvSpPr>
           <p:cNvPr id="40" name="Google Shape;40;p9"/>
-          <p:cNvSpPr txBox="1"/>
+          <p:cNvSpPr txBox="1">
+            <a:spLocks noGrp="1"/>
+          </p:cNvSpPr>
           <p:nvPr>
-            <p:ph idx="12" type="sldNum"/>
+            <p:ph type="sldNum" idx="12"/>
           </p:nvPr>
         </p:nvSpPr>
         <p:spPr>
@@ -5564,7 +5747,7 @@
           </a:prstGeom>
         </p:spPr>
         <p:txBody>
-          <a:bodyPr anchorCtr="0" anchor="ctr" bIns="91425" lIns="91425" spcFirstLastPara="1" rIns="91425" wrap="square" tIns="91425">
+          <a:bodyPr spcFirstLastPara="1" wrap="square" lIns="91425" tIns="91425" rIns="91425" bIns="91425" anchor="ctr" anchorCtr="0">
             <a:noAutofit/>
           </a:bodyPr>
           <a:lstStyle>
@@ -5606,7 +5789,7 @@
             </a:lvl9pPr>
           </a:lstStyle>
           <a:p>
-            <a:pPr indent="0" lvl="0" marL="0" rtl="0" algn="r">
+            <a:pPr marL="0" lvl="0" indent="0" algn="r" rtl="0">
               <a:spcBef>
                 <a:spcPts val="0"/>
               </a:spcBef>
@@ -5632,11 +5815,11 @@
 </file>
 
 <file path=ppt/slideLayouts/slideLayout9.xml><?xml version="1.0" encoding="utf-8"?>
-<p:sldLayout xmlns:a="http://schemas.openxmlformats.org/drawingml/2006/main" xmlns:r="http://schemas.openxmlformats.org/officeDocument/2006/relationships" xmlns:mc="http://schemas.openxmlformats.org/markup-compatibility/2006" xmlns:mv="urn:schemas-microsoft-com:mac:vml" xmlns:p="http://schemas.openxmlformats.org/presentationml/2006/main" xmlns:c="http://schemas.openxmlformats.org/drawingml/2006/chart" xmlns:dgm="http://schemas.openxmlformats.org/drawingml/2006/diagram" xmlns:o="urn:schemas-microsoft-com:office:office" xmlns:v="urn:schemas-microsoft-com:vml" xmlns:pvml="urn:schemas-microsoft-com:office:powerpoint" xmlns:com="http://schemas.openxmlformats.org/drawingml/2006/compatibility" xmlns:p14="http://schemas.microsoft.com/office/powerpoint/2010/main" xmlns:p15="http://schemas.microsoft.com/office/powerpoint/2012/main" xmlns:ahyp="http://schemas.microsoft.com/office/drawing/2018/hyperlinkcolor" matchingName="Caption">
+<p:sldLayout xmlns:a="http://schemas.openxmlformats.org/drawingml/2006/main" xmlns:r="http://schemas.openxmlformats.org/officeDocument/2006/relationships" xmlns:p="http://schemas.openxmlformats.org/presentationml/2006/main" matchingName="Caption">
   <p:cSld name="CAPTION_ONLY">
     <p:spTree>
       <p:nvGrpSpPr>
-        <p:cNvPr id="41" name="Shape 41"/>
+        <p:cNvPr id="1" name="Shape 41"/>
         <p:cNvGrpSpPr/>
         <p:nvPr/>
       </p:nvGrpSpPr>
@@ -5651,9 +5834,11 @@
       <p:sp>
         <p:nvSpPr>
           <p:cNvPr id="42" name="Google Shape;42;p10"/>
-          <p:cNvSpPr txBox="1"/>
+          <p:cNvSpPr txBox="1">
+            <a:spLocks noGrp="1"/>
+          </p:cNvSpPr>
           <p:nvPr>
-            <p:ph idx="1" type="body"/>
+            <p:ph type="body" idx="1"/>
           </p:nvPr>
         </p:nvSpPr>
         <p:spPr>
@@ -5666,11 +5851,11 @@
           </a:prstGeom>
         </p:spPr>
         <p:txBody>
-          <a:bodyPr anchorCtr="0" anchor="ctr" bIns="91425" lIns="91425" spcFirstLastPara="1" rIns="91425" wrap="square" tIns="91425">
+          <a:bodyPr spcFirstLastPara="1" wrap="square" lIns="91425" tIns="91425" rIns="91425" bIns="91425" anchor="ctr" anchorCtr="0">
             <a:noAutofit/>
           </a:bodyPr>
           <a:lstStyle>
-            <a:lvl1pPr indent="-228600" lvl="0" marL="457200">
+            <a:lvl1pPr marL="457200" lvl="0" indent="-228600">
               <a:lnSpc>
                 <a:spcPct val="100000"/>
               </a:lnSpc>
@@ -5685,15 +5870,19 @@
               <a:defRPr/>
             </a:lvl1pPr>
           </a:lstStyle>
-          <a:p/>
+          <a:p>
+            <a:endParaRPr/>
+          </a:p>
         </p:txBody>
       </p:sp>
       <p:sp>
         <p:nvSpPr>
           <p:cNvPr id="43" name="Google Shape;43;p10"/>
-          <p:cNvSpPr txBox="1"/>
+          <p:cNvSpPr txBox="1">
+            <a:spLocks noGrp="1"/>
+          </p:cNvSpPr>
           <p:nvPr>
-            <p:ph idx="12" type="sldNum"/>
+            <p:ph type="sldNum" idx="12"/>
           </p:nvPr>
         </p:nvSpPr>
         <p:spPr>
@@ -5706,7 +5895,7 @@
           </a:prstGeom>
         </p:spPr>
         <p:txBody>
-          <a:bodyPr anchorCtr="0" anchor="ctr" bIns="91425" lIns="91425" spcFirstLastPara="1" rIns="91425" wrap="square" tIns="91425">
+          <a:bodyPr spcFirstLastPara="1" wrap="square" lIns="91425" tIns="91425" rIns="91425" bIns="91425" anchor="ctr" anchorCtr="0">
             <a:noAutofit/>
           </a:bodyPr>
           <a:lstStyle>
@@ -5748,7 +5937,7 @@
             </a:lvl9pPr>
           </a:lstStyle>
           <a:p>
-            <a:pPr indent="0" lvl="0" marL="0" rtl="0" algn="r">
+            <a:pPr marL="0" lvl="0" indent="0" algn="r" rtl="0">
               <a:spcBef>
                 <a:spcPts val="0"/>
               </a:spcBef>
@@ -5774,18 +5963,19 @@
 </file>
 
 <file path=ppt/slideMasters/slideMaster1.xml><?xml version="1.0" encoding="utf-8"?>
-<p:sldMaster xmlns:a="http://schemas.openxmlformats.org/drawingml/2006/main" xmlns:r="http://schemas.openxmlformats.org/officeDocument/2006/relationships" xmlns:mc="http://schemas.openxmlformats.org/markup-compatibility/2006" xmlns:mv="urn:schemas-microsoft-com:mac:vml" xmlns:p="http://schemas.openxmlformats.org/presentationml/2006/main" xmlns:c="http://schemas.openxmlformats.org/drawingml/2006/chart" xmlns:dgm="http://schemas.openxmlformats.org/drawingml/2006/diagram" xmlns:o="urn:schemas-microsoft-com:office:office" xmlns:v="urn:schemas-microsoft-com:vml" xmlns:pvml="urn:schemas-microsoft-com:office:powerpoint" xmlns:com="http://schemas.openxmlformats.org/drawingml/2006/compatibility" xmlns:p14="http://schemas.microsoft.com/office/powerpoint/2010/main" xmlns:p15="http://schemas.microsoft.com/office/powerpoint/2012/main" xmlns:ahyp="http://schemas.microsoft.com/office/drawing/2018/hyperlinkcolor">
+<p:sldMaster xmlns:a="http://schemas.openxmlformats.org/drawingml/2006/main" xmlns:r="http://schemas.openxmlformats.org/officeDocument/2006/relationships" xmlns:p="http://schemas.openxmlformats.org/presentationml/2006/main">
   <p:cSld name="simple-light-2">
     <p:bg>
       <p:bgPr>
         <a:solidFill>
           <a:schemeClr val="lt1"/>
         </a:solidFill>
+        <a:effectLst/>
       </p:bgPr>
     </p:bg>
     <p:spTree>
       <p:nvGrpSpPr>
-        <p:cNvPr id="5" name="Shape 5"/>
+        <p:cNvPr id="1" name="Shape 5"/>
         <p:cNvGrpSpPr/>
         <p:nvPr/>
       </p:nvGrpSpPr>
@@ -5800,7 +5990,9 @@
       <p:sp>
         <p:nvSpPr>
           <p:cNvPr id="6" name="Google Shape;6;p1"/>
-          <p:cNvSpPr txBox="1"/>
+          <p:cNvSpPr txBox="1">
+            <a:spLocks noGrp="1"/>
+          </p:cNvSpPr>
           <p:nvPr>
             <p:ph type="title"/>
           </p:nvPr>
@@ -5819,7 +6011,7 @@
           </a:ln>
         </p:spPr>
         <p:txBody>
-          <a:bodyPr anchorCtr="0" anchor="t" bIns="91425" lIns="91425" spcFirstLastPara="1" rIns="91425" wrap="square" tIns="91425">
+          <a:bodyPr spcFirstLastPara="1" wrap="square" lIns="91425" tIns="91425" rIns="91425" bIns="91425" anchor="t" anchorCtr="0">
             <a:noAutofit/>
           </a:bodyPr>
           <a:lstStyle>
@@ -5986,15 +6178,19 @@
               </a:defRPr>
             </a:lvl9pPr>
           </a:lstStyle>
-          <a:p/>
+          <a:p>
+            <a:endParaRPr/>
+          </a:p>
         </p:txBody>
       </p:sp>
       <p:sp>
         <p:nvSpPr>
           <p:cNvPr id="7" name="Google Shape;7;p1"/>
-          <p:cNvSpPr txBox="1"/>
+          <p:cNvSpPr txBox="1">
+            <a:spLocks noGrp="1"/>
+          </p:cNvSpPr>
           <p:nvPr>
-            <p:ph idx="1" type="body"/>
+            <p:ph type="body" idx="1"/>
           </p:nvPr>
         </p:nvSpPr>
         <p:spPr>
@@ -6011,11 +6207,11 @@
           </a:ln>
         </p:spPr>
         <p:txBody>
-          <a:bodyPr anchorCtr="0" anchor="t" bIns="91425" lIns="91425" spcFirstLastPara="1" rIns="91425" wrap="square" tIns="91425">
+          <a:bodyPr spcFirstLastPara="1" wrap="square" lIns="91425" tIns="91425" rIns="91425" bIns="91425" anchor="t" anchorCtr="0">
             <a:noAutofit/>
           </a:bodyPr>
           <a:lstStyle>
-            <a:lvl1pPr indent="-342900" lvl="0" marL="457200">
+            <a:lvl1pPr marL="457200" lvl="0" indent="-342900">
               <a:lnSpc>
                 <a:spcPct val="115000"/>
               </a:lnSpc>
@@ -6036,7 +6232,7 @@
                 </a:solidFill>
               </a:defRPr>
             </a:lvl1pPr>
-            <a:lvl2pPr indent="-317500" lvl="1" marL="914400">
+            <a:lvl2pPr marL="914400" lvl="1" indent="-317500">
               <a:lnSpc>
                 <a:spcPct val="115000"/>
               </a:lnSpc>
@@ -6057,7 +6253,7 @@
                 </a:solidFill>
               </a:defRPr>
             </a:lvl2pPr>
-            <a:lvl3pPr indent="-317500" lvl="2" marL="1371600">
+            <a:lvl3pPr marL="1371600" lvl="2" indent="-317500">
               <a:lnSpc>
                 <a:spcPct val="115000"/>
               </a:lnSpc>
@@ -6078,7 +6274,7 @@
                 </a:solidFill>
               </a:defRPr>
             </a:lvl3pPr>
-            <a:lvl4pPr indent="-317500" lvl="3" marL="1828800">
+            <a:lvl4pPr marL="1828800" lvl="3" indent="-317500">
               <a:lnSpc>
                 <a:spcPct val="115000"/>
               </a:lnSpc>
@@ -6099,7 +6295,7 @@
                 </a:solidFill>
               </a:defRPr>
             </a:lvl4pPr>
-            <a:lvl5pPr indent="-317500" lvl="4" marL="2286000">
+            <a:lvl5pPr marL="2286000" lvl="4" indent="-317500">
               <a:lnSpc>
                 <a:spcPct val="115000"/>
               </a:lnSpc>
@@ -6120,7 +6316,7 @@
                 </a:solidFill>
               </a:defRPr>
             </a:lvl5pPr>
-            <a:lvl6pPr indent="-317500" lvl="5" marL="2743200">
+            <a:lvl6pPr marL="2743200" lvl="5" indent="-317500">
               <a:lnSpc>
                 <a:spcPct val="115000"/>
               </a:lnSpc>
@@ -6141,7 +6337,7 @@
                 </a:solidFill>
               </a:defRPr>
             </a:lvl6pPr>
-            <a:lvl7pPr indent="-317500" lvl="6" marL="3200400">
+            <a:lvl7pPr marL="3200400" lvl="6" indent="-317500">
               <a:lnSpc>
                 <a:spcPct val="115000"/>
               </a:lnSpc>
@@ -6162,7 +6358,7 @@
                 </a:solidFill>
               </a:defRPr>
             </a:lvl7pPr>
-            <a:lvl8pPr indent="-317500" lvl="7" marL="3657600">
+            <a:lvl8pPr marL="3657600" lvl="7" indent="-317500">
               <a:lnSpc>
                 <a:spcPct val="115000"/>
               </a:lnSpc>
@@ -6183,7 +6379,7 @@
                 </a:solidFill>
               </a:defRPr>
             </a:lvl8pPr>
-            <a:lvl9pPr indent="-317500" lvl="8" marL="4114800">
+            <a:lvl9pPr marL="4114800" lvl="8" indent="-317500">
               <a:lnSpc>
                 <a:spcPct val="115000"/>
               </a:lnSpc>
@@ -6205,15 +6401,19 @@
               </a:defRPr>
             </a:lvl9pPr>
           </a:lstStyle>
-          <a:p/>
+          <a:p>
+            <a:endParaRPr/>
+          </a:p>
         </p:txBody>
       </p:sp>
       <p:sp>
         <p:nvSpPr>
           <p:cNvPr id="8" name="Google Shape;8;p1"/>
-          <p:cNvSpPr txBox="1"/>
+          <p:cNvSpPr txBox="1">
+            <a:spLocks noGrp="1"/>
+          </p:cNvSpPr>
           <p:nvPr>
-            <p:ph idx="12" type="sldNum"/>
+            <p:ph type="sldNum" idx="12"/>
           </p:nvPr>
         </p:nvSpPr>
         <p:spPr>
@@ -6230,7 +6430,7 @@
           </a:ln>
         </p:spPr>
         <p:txBody>
-          <a:bodyPr anchorCtr="0" anchor="ctr" bIns="91425" lIns="91425" spcFirstLastPara="1" rIns="91425" wrap="square" tIns="91425">
+          <a:bodyPr spcFirstLastPara="1" wrap="square" lIns="91425" tIns="91425" rIns="91425" bIns="91425" anchor="ctr" anchorCtr="0">
             <a:noAutofit/>
           </a:bodyPr>
           <a:lstStyle>
@@ -6308,7 +6508,7 @@
             </a:lvl9pPr>
           </a:lstStyle>
           <a:p>
-            <a:pPr indent="0" lvl="0" marL="0" rtl="0" algn="r">
+            <a:pPr marL="0" lvl="0" indent="0" algn="r" rtl="0">
               <a:spcBef>
                 <a:spcPts val="0"/>
               </a:spcBef>
@@ -6327,7 +6527,7 @@
       </p:sp>
     </p:spTree>
   </p:cSld>
-  <p:clrMap accent1="accent1" accent2="accent2" accent3="accent3" accent4="accent4" accent5="accent5" accent6="accent6" bg1="lt1" bg2="dk2" tx1="dk1" tx2="lt2" folHlink="folHlink" hlink="hlink"/>
+  <p:clrMap bg1="lt1" tx1="dk1" bg2="dk2" tx2="lt2" accent1="accent1" accent2="accent2" accent3="accent3" accent4="accent4" accent5="accent5" accent6="accent6" hlink="hlink" folHlink="folHlink"/>
   <p:sldLayoutIdLst>
     <p:sldLayoutId id="2147483648" r:id="rId1"/>
     <p:sldLayoutId id="2147483649" r:id="rId2"/>
@@ -6341,10 +6541,10 @@
     <p:sldLayoutId id="2147483657" r:id="rId10"/>
     <p:sldLayoutId id="2147483658" r:id="rId11"/>
   </p:sldLayoutIdLst>
-  <p:hf dt="0" ftr="0" hdr="0" sldNum="0"/>
+  <p:hf sldNum="0" hdr="0" ftr="0" dt="0"/>
   <p:txStyles>
     <p:titleStyle>
-      <a:defPPr lvl="0" marR="0" rtl="0" algn="l">
+      <a:defPPr marR="0" lvl="0" algn="l" rtl="0">
         <a:lnSpc>
           <a:spcPct val="100000"/>
         </a:lnSpc>
@@ -6355,7 +6555,7 @@
           <a:spcPts val="0"/>
         </a:spcAft>
       </a:defPPr>
-      <a:lvl1pPr lvl="0" marR="0" rtl="0" algn="l">
+      <a:lvl1pPr marR="0" lvl="0" algn="l" rtl="0">
         <a:lnSpc>
           <a:spcPct val="100000"/>
         </a:lnSpc>
@@ -6369,7 +6569,7 @@
           <a:srgbClr val="000000"/>
         </a:buClr>
         <a:buFont typeface="Arial"/>
-        <a:defRPr b="0" i="0" sz="1400" u="none" cap="none" strike="noStrike">
+        <a:defRPr sz="1400" b="0" i="0" u="none" strike="noStrike" cap="none">
           <a:solidFill>
             <a:srgbClr val="000000"/>
           </a:solidFill>
@@ -6379,7 +6579,7 @@
           <a:sym typeface="Arial"/>
         </a:defRPr>
       </a:lvl1pPr>
-      <a:lvl2pPr lvl="1" marR="0" rtl="0" algn="l">
+      <a:lvl2pPr marR="0" lvl="1" algn="l" rtl="0">
         <a:lnSpc>
           <a:spcPct val="100000"/>
         </a:lnSpc>
@@ -6393,7 +6593,7 @@
           <a:srgbClr val="000000"/>
         </a:buClr>
         <a:buFont typeface="Arial"/>
-        <a:defRPr b="0" i="0" sz="1400" u="none" cap="none" strike="noStrike">
+        <a:defRPr sz="1400" b="0" i="0" u="none" strike="noStrike" cap="none">
           <a:solidFill>
             <a:srgbClr val="000000"/>
           </a:solidFill>
@@ -6403,7 +6603,7 @@
           <a:sym typeface="Arial"/>
         </a:defRPr>
       </a:lvl2pPr>
-      <a:lvl3pPr lvl="2" marR="0" rtl="0" algn="l">
+      <a:lvl3pPr marR="0" lvl="2" algn="l" rtl="0">
         <a:lnSpc>
           <a:spcPct val="100000"/>
         </a:lnSpc>
@@ -6417,7 +6617,7 @@
           <a:srgbClr val="000000"/>
         </a:buClr>
         <a:buFont typeface="Arial"/>
-        <a:defRPr b="0" i="0" sz="1400" u="none" cap="none" strike="noStrike">
+        <a:defRPr sz="1400" b="0" i="0" u="none" strike="noStrike" cap="none">
           <a:solidFill>
             <a:srgbClr val="000000"/>
           </a:solidFill>
@@ -6427,7 +6627,7 @@
           <a:sym typeface="Arial"/>
         </a:defRPr>
       </a:lvl3pPr>
-      <a:lvl4pPr lvl="3" marR="0" rtl="0" algn="l">
+      <a:lvl4pPr marR="0" lvl="3" algn="l" rtl="0">
         <a:lnSpc>
           <a:spcPct val="100000"/>
         </a:lnSpc>
@@ -6441,7 +6641,7 @@
           <a:srgbClr val="000000"/>
         </a:buClr>
         <a:buFont typeface="Arial"/>
-        <a:defRPr b="0" i="0" sz="1400" u="none" cap="none" strike="noStrike">
+        <a:defRPr sz="1400" b="0" i="0" u="none" strike="noStrike" cap="none">
           <a:solidFill>
             <a:srgbClr val="000000"/>
           </a:solidFill>
@@ -6451,7 +6651,7 @@
           <a:sym typeface="Arial"/>
         </a:defRPr>
       </a:lvl4pPr>
-      <a:lvl5pPr lvl="4" marR="0" rtl="0" algn="l">
+      <a:lvl5pPr marR="0" lvl="4" algn="l" rtl="0">
         <a:lnSpc>
           <a:spcPct val="100000"/>
         </a:lnSpc>
@@ -6465,7 +6665,7 @@
           <a:srgbClr val="000000"/>
         </a:buClr>
         <a:buFont typeface="Arial"/>
-        <a:defRPr b="0" i="0" sz="1400" u="none" cap="none" strike="noStrike">
+        <a:defRPr sz="1400" b="0" i="0" u="none" strike="noStrike" cap="none">
           <a:solidFill>
             <a:srgbClr val="000000"/>
           </a:solidFill>
@@ -6475,7 +6675,7 @@
           <a:sym typeface="Arial"/>
         </a:defRPr>
       </a:lvl5pPr>
-      <a:lvl6pPr lvl="5" marR="0" rtl="0" algn="l">
+      <a:lvl6pPr marR="0" lvl="5" algn="l" rtl="0">
         <a:lnSpc>
           <a:spcPct val="100000"/>
         </a:lnSpc>
@@ -6489,7 +6689,7 @@
           <a:srgbClr val="000000"/>
         </a:buClr>
         <a:buFont typeface="Arial"/>
-        <a:defRPr b="0" i="0" sz="1400" u="none" cap="none" strike="noStrike">
+        <a:defRPr sz="1400" b="0" i="0" u="none" strike="noStrike" cap="none">
           <a:solidFill>
             <a:srgbClr val="000000"/>
           </a:solidFill>
@@ -6499,7 +6699,7 @@
           <a:sym typeface="Arial"/>
         </a:defRPr>
       </a:lvl6pPr>
-      <a:lvl7pPr lvl="6" marR="0" rtl="0" algn="l">
+      <a:lvl7pPr marR="0" lvl="6" algn="l" rtl="0">
         <a:lnSpc>
           <a:spcPct val="100000"/>
         </a:lnSpc>
@@ -6513,7 +6713,7 @@
           <a:srgbClr val="000000"/>
         </a:buClr>
         <a:buFont typeface="Arial"/>
-        <a:defRPr b="0" i="0" sz="1400" u="none" cap="none" strike="noStrike">
+        <a:defRPr sz="1400" b="0" i="0" u="none" strike="noStrike" cap="none">
           <a:solidFill>
             <a:srgbClr val="000000"/>
           </a:solidFill>
@@ -6523,7 +6723,7 @@
           <a:sym typeface="Arial"/>
         </a:defRPr>
       </a:lvl7pPr>
-      <a:lvl8pPr lvl="7" marR="0" rtl="0" algn="l">
+      <a:lvl8pPr marR="0" lvl="7" algn="l" rtl="0">
         <a:lnSpc>
           <a:spcPct val="100000"/>
         </a:lnSpc>
@@ -6537,7 +6737,7 @@
           <a:srgbClr val="000000"/>
         </a:buClr>
         <a:buFont typeface="Arial"/>
-        <a:defRPr b="0" i="0" sz="1400" u="none" cap="none" strike="noStrike">
+        <a:defRPr sz="1400" b="0" i="0" u="none" strike="noStrike" cap="none">
           <a:solidFill>
             <a:srgbClr val="000000"/>
           </a:solidFill>
@@ -6547,7 +6747,7 @@
           <a:sym typeface="Arial"/>
         </a:defRPr>
       </a:lvl8pPr>
-      <a:lvl9pPr lvl="8" marR="0" rtl="0" algn="l">
+      <a:lvl9pPr marR="0" lvl="8" algn="l" rtl="0">
         <a:lnSpc>
           <a:spcPct val="100000"/>
         </a:lnSpc>
@@ -6561,7 +6761,7 @@
           <a:srgbClr val="000000"/>
         </a:buClr>
         <a:buFont typeface="Arial"/>
-        <a:defRPr b="0" i="0" sz="1400" u="none" cap="none" strike="noStrike">
+        <a:defRPr sz="1400" b="0" i="0" u="none" strike="noStrike" cap="none">
           <a:solidFill>
             <a:srgbClr val="000000"/>
           </a:solidFill>
@@ -6573,7 +6773,7 @@
       </a:lvl9pPr>
     </p:titleStyle>
     <p:bodyStyle>
-      <a:defPPr lvl="0" marR="0" rtl="0" algn="l">
+      <a:defPPr marR="0" lvl="0" algn="l" rtl="0">
         <a:lnSpc>
           <a:spcPct val="100000"/>
         </a:lnSpc>
@@ -6584,7 +6784,7 @@
           <a:spcPts val="0"/>
         </a:spcAft>
       </a:defPPr>
-      <a:lvl1pPr lvl="0" marR="0" rtl="0" algn="l">
+      <a:lvl1pPr marR="0" lvl="0" algn="l" rtl="0">
         <a:lnSpc>
           <a:spcPct val="100000"/>
         </a:lnSpc>
@@ -6598,7 +6798,7 @@
           <a:srgbClr val="000000"/>
         </a:buClr>
         <a:buFont typeface="Arial"/>
-        <a:defRPr b="0" i="0" sz="1400" u="none" cap="none" strike="noStrike">
+        <a:defRPr sz="1400" b="0" i="0" u="none" strike="noStrike" cap="none">
           <a:solidFill>
             <a:srgbClr val="000000"/>
           </a:solidFill>
@@ -6608,7 +6808,7 @@
           <a:sym typeface="Arial"/>
         </a:defRPr>
       </a:lvl1pPr>
-      <a:lvl2pPr lvl="1" marR="0" rtl="0" algn="l">
+      <a:lvl2pPr marR="0" lvl="1" algn="l" rtl="0">
         <a:lnSpc>
           <a:spcPct val="100000"/>
         </a:lnSpc>
@@ -6622,7 +6822,7 @@
           <a:srgbClr val="000000"/>
         </a:buClr>
         <a:buFont typeface="Arial"/>
-        <a:defRPr b="0" i="0" sz="1400" u="none" cap="none" strike="noStrike">
+        <a:defRPr sz="1400" b="0" i="0" u="none" strike="noStrike" cap="none">
           <a:solidFill>
             <a:srgbClr val="000000"/>
           </a:solidFill>
@@ -6632,7 +6832,7 @@
           <a:sym typeface="Arial"/>
         </a:defRPr>
       </a:lvl2pPr>
-      <a:lvl3pPr lvl="2" marR="0" rtl="0" algn="l">
+      <a:lvl3pPr marR="0" lvl="2" algn="l" rtl="0">
         <a:lnSpc>
           <a:spcPct val="100000"/>
         </a:lnSpc>
@@ -6646,7 +6846,7 @@
           <a:srgbClr val="000000"/>
         </a:buClr>
         <a:buFont typeface="Arial"/>
-        <a:defRPr b="0" i="0" sz="1400" u="none" cap="none" strike="noStrike">
+        <a:defRPr sz="1400" b="0" i="0" u="none" strike="noStrike" cap="none">
           <a:solidFill>
             <a:srgbClr val="000000"/>
           </a:solidFill>
@@ -6656,7 +6856,7 @@
           <a:sym typeface="Arial"/>
         </a:defRPr>
       </a:lvl3pPr>
-      <a:lvl4pPr lvl="3" marR="0" rtl="0" algn="l">
+      <a:lvl4pPr marR="0" lvl="3" algn="l" rtl="0">
         <a:lnSpc>
           <a:spcPct val="100000"/>
         </a:lnSpc>
@@ -6670,7 +6870,7 @@
           <a:srgbClr val="000000"/>
         </a:buClr>
         <a:buFont typeface="Arial"/>
-        <a:defRPr b="0" i="0" sz="1400" u="none" cap="none" strike="noStrike">
+        <a:defRPr sz="1400" b="0" i="0" u="none" strike="noStrike" cap="none">
           <a:solidFill>
             <a:srgbClr val="000000"/>
           </a:solidFill>
@@ -6680,7 +6880,7 @@
           <a:sym typeface="Arial"/>
         </a:defRPr>
       </a:lvl4pPr>
-      <a:lvl5pPr lvl="4" marR="0" rtl="0" algn="l">
+      <a:lvl5pPr marR="0" lvl="4" algn="l" rtl="0">
         <a:lnSpc>
           <a:spcPct val="100000"/>
         </a:lnSpc>
@@ -6694,7 +6894,7 @@
           <a:srgbClr val="000000"/>
         </a:buClr>
         <a:buFont typeface="Arial"/>
-        <a:defRPr b="0" i="0" sz="1400" u="none" cap="none" strike="noStrike">
+        <a:defRPr sz="1400" b="0" i="0" u="none" strike="noStrike" cap="none">
           <a:solidFill>
             <a:srgbClr val="000000"/>
           </a:solidFill>
@@ -6704,7 +6904,7 @@
           <a:sym typeface="Arial"/>
         </a:defRPr>
       </a:lvl5pPr>
-      <a:lvl6pPr lvl="5" marR="0" rtl="0" algn="l">
+      <a:lvl6pPr marR="0" lvl="5" algn="l" rtl="0">
         <a:lnSpc>
           <a:spcPct val="100000"/>
         </a:lnSpc>
@@ -6718,7 +6918,7 @@
           <a:srgbClr val="000000"/>
         </a:buClr>
         <a:buFont typeface="Arial"/>
-        <a:defRPr b="0" i="0" sz="1400" u="none" cap="none" strike="noStrike">
+        <a:defRPr sz="1400" b="0" i="0" u="none" strike="noStrike" cap="none">
           <a:solidFill>
             <a:srgbClr val="000000"/>
           </a:solidFill>
@@ -6728,7 +6928,7 @@
           <a:sym typeface="Arial"/>
         </a:defRPr>
       </a:lvl6pPr>
-      <a:lvl7pPr lvl="6" marR="0" rtl="0" algn="l">
+      <a:lvl7pPr marR="0" lvl="6" algn="l" rtl="0">
         <a:lnSpc>
           <a:spcPct val="100000"/>
         </a:lnSpc>
@@ -6742,7 +6942,7 @@
           <a:srgbClr val="000000"/>
         </a:buClr>
         <a:buFont typeface="Arial"/>
-        <a:defRPr b="0" i="0" sz="1400" u="none" cap="none" strike="noStrike">
+        <a:defRPr sz="1400" b="0" i="0" u="none" strike="noStrike" cap="none">
           <a:solidFill>
             <a:srgbClr val="000000"/>
           </a:solidFill>
@@ -6752,7 +6952,7 @@
           <a:sym typeface="Arial"/>
         </a:defRPr>
       </a:lvl7pPr>
-      <a:lvl8pPr lvl="7" marR="0" rtl="0" algn="l">
+      <a:lvl8pPr marR="0" lvl="7" algn="l" rtl="0">
         <a:lnSpc>
           <a:spcPct val="100000"/>
         </a:lnSpc>
@@ -6766,7 +6966,7 @@
           <a:srgbClr val="000000"/>
         </a:buClr>
         <a:buFont typeface="Arial"/>
-        <a:defRPr b="0" i="0" sz="1400" u="none" cap="none" strike="noStrike">
+        <a:defRPr sz="1400" b="0" i="0" u="none" strike="noStrike" cap="none">
           <a:solidFill>
             <a:srgbClr val="000000"/>
           </a:solidFill>
@@ -6776,7 +6976,7 @@
           <a:sym typeface="Arial"/>
         </a:defRPr>
       </a:lvl8pPr>
-      <a:lvl9pPr lvl="8" marR="0" rtl="0" algn="l">
+      <a:lvl9pPr marR="0" lvl="8" algn="l" rtl="0">
         <a:lnSpc>
           <a:spcPct val="100000"/>
         </a:lnSpc>
@@ -6790,7 +6990,7 @@
           <a:srgbClr val="000000"/>
         </a:buClr>
         <a:buFont typeface="Arial"/>
-        <a:defRPr b="0" i="0" sz="1400" u="none" cap="none" strike="noStrike">
+        <a:defRPr sz="1400" b="0" i="0" u="none" strike="noStrike" cap="none">
           <a:solidFill>
             <a:srgbClr val="000000"/>
           </a:solidFill>
@@ -6802,7 +7002,7 @@
       </a:lvl9pPr>
     </p:bodyStyle>
     <p:otherStyle>
-      <a:defPPr lvl="0" marR="0" rtl="0" algn="l">
+      <a:defPPr marR="0" lvl="0" algn="l" rtl="0">
         <a:lnSpc>
           <a:spcPct val="100000"/>
         </a:lnSpc>
@@ -6813,7 +7013,7 @@
           <a:spcPts val="0"/>
         </a:spcAft>
       </a:defPPr>
-      <a:lvl1pPr lvl="0" marR="0" rtl="0" algn="l">
+      <a:lvl1pPr marR="0" lvl="0" algn="l" rtl="0">
         <a:lnSpc>
           <a:spcPct val="100000"/>
         </a:lnSpc>
@@ -6827,7 +7027,7 @@
           <a:srgbClr val="000000"/>
         </a:buClr>
         <a:buFont typeface="Arial"/>
-        <a:defRPr b="0" i="0" sz="1400" u="none" cap="none" strike="noStrike">
+        <a:defRPr sz="1400" b="0" i="0" u="none" strike="noStrike" cap="none">
           <a:solidFill>
             <a:srgbClr val="000000"/>
           </a:solidFill>
@@ -6837,7 +7037,7 @@
           <a:sym typeface="Arial"/>
         </a:defRPr>
       </a:lvl1pPr>
-      <a:lvl2pPr lvl="1" marR="0" rtl="0" algn="l">
+      <a:lvl2pPr marR="0" lvl="1" algn="l" rtl="0">
         <a:lnSpc>
           <a:spcPct val="100000"/>
         </a:lnSpc>
@@ -6851,7 +7051,7 @@
           <a:srgbClr val="000000"/>
         </a:buClr>
         <a:buFont typeface="Arial"/>
-        <a:defRPr b="0" i="0" sz="1400" u="none" cap="none" strike="noStrike">
+        <a:defRPr sz="1400" b="0" i="0" u="none" strike="noStrike" cap="none">
           <a:solidFill>
             <a:srgbClr val="000000"/>
           </a:solidFill>
@@ -6861,7 +7061,7 @@
           <a:sym typeface="Arial"/>
         </a:defRPr>
       </a:lvl2pPr>
-      <a:lvl3pPr lvl="2" marR="0" rtl="0" algn="l">
+      <a:lvl3pPr marR="0" lvl="2" algn="l" rtl="0">
         <a:lnSpc>
           <a:spcPct val="100000"/>
         </a:lnSpc>
@@ -6875,7 +7075,7 @@
           <a:srgbClr val="000000"/>
         </a:buClr>
         <a:buFont typeface="Arial"/>
-        <a:defRPr b="0" i="0" sz="1400" u="none" cap="none" strike="noStrike">
+        <a:defRPr sz="1400" b="0" i="0" u="none" strike="noStrike" cap="none">
           <a:solidFill>
             <a:srgbClr val="000000"/>
           </a:solidFill>
@@ -6885,7 +7085,7 @@
           <a:sym typeface="Arial"/>
         </a:defRPr>
       </a:lvl3pPr>
-      <a:lvl4pPr lvl="3" marR="0" rtl="0" algn="l">
+      <a:lvl4pPr marR="0" lvl="3" algn="l" rtl="0">
         <a:lnSpc>
           <a:spcPct val="100000"/>
         </a:lnSpc>
@@ -6899,7 +7099,7 @@
           <a:srgbClr val="000000"/>
         </a:buClr>
         <a:buFont typeface="Arial"/>
-        <a:defRPr b="0" i="0" sz="1400" u="none" cap="none" strike="noStrike">
+        <a:defRPr sz="1400" b="0" i="0" u="none" strike="noStrike" cap="none">
           <a:solidFill>
             <a:srgbClr val="000000"/>
           </a:solidFill>
@@ -6909,7 +7109,7 @@
           <a:sym typeface="Arial"/>
         </a:defRPr>
       </a:lvl4pPr>
-      <a:lvl5pPr lvl="4" marR="0" rtl="0" algn="l">
+      <a:lvl5pPr marR="0" lvl="4" algn="l" rtl="0">
         <a:lnSpc>
           <a:spcPct val="100000"/>
         </a:lnSpc>
@@ -6923,7 +7123,7 @@
           <a:srgbClr val="000000"/>
         </a:buClr>
         <a:buFont typeface="Arial"/>
-        <a:defRPr b="0" i="0" sz="1400" u="none" cap="none" strike="noStrike">
+        <a:defRPr sz="1400" b="0" i="0" u="none" strike="noStrike" cap="none">
           <a:solidFill>
             <a:srgbClr val="000000"/>
           </a:solidFill>
@@ -6933,7 +7133,7 @@
           <a:sym typeface="Arial"/>
         </a:defRPr>
       </a:lvl5pPr>
-      <a:lvl6pPr lvl="5" marR="0" rtl="0" algn="l">
+      <a:lvl6pPr marR="0" lvl="5" algn="l" rtl="0">
         <a:lnSpc>
           <a:spcPct val="100000"/>
         </a:lnSpc>
@@ -6947,7 +7147,7 @@
           <a:srgbClr val="000000"/>
         </a:buClr>
         <a:buFont typeface="Arial"/>
-        <a:defRPr b="0" i="0" sz="1400" u="none" cap="none" strike="noStrike">
+        <a:defRPr sz="1400" b="0" i="0" u="none" strike="noStrike" cap="none">
           <a:solidFill>
             <a:srgbClr val="000000"/>
           </a:solidFill>
@@ -6957,7 +7157,7 @@
           <a:sym typeface="Arial"/>
         </a:defRPr>
       </a:lvl6pPr>
-      <a:lvl7pPr lvl="6" marR="0" rtl="0" algn="l">
+      <a:lvl7pPr marR="0" lvl="6" algn="l" rtl="0">
         <a:lnSpc>
           <a:spcPct val="100000"/>
         </a:lnSpc>
@@ -6971,7 +7171,7 @@
           <a:srgbClr val="000000"/>
         </a:buClr>
         <a:buFont typeface="Arial"/>
-        <a:defRPr b="0" i="0" sz="1400" u="none" cap="none" strike="noStrike">
+        <a:defRPr sz="1400" b="0" i="0" u="none" strike="noStrike" cap="none">
           <a:solidFill>
             <a:srgbClr val="000000"/>
           </a:solidFill>
@@ -6981,7 +7181,7 @@
           <a:sym typeface="Arial"/>
         </a:defRPr>
       </a:lvl7pPr>
-      <a:lvl8pPr lvl="7" marR="0" rtl="0" algn="l">
+      <a:lvl8pPr marR="0" lvl="7" algn="l" rtl="0">
         <a:lnSpc>
           <a:spcPct val="100000"/>
         </a:lnSpc>
@@ -6995,7 +7195,7 @@
           <a:srgbClr val="000000"/>
         </a:buClr>
         <a:buFont typeface="Arial"/>
-        <a:defRPr b="0" i="0" sz="1400" u="none" cap="none" strike="noStrike">
+        <a:defRPr sz="1400" b="0" i="0" u="none" strike="noStrike" cap="none">
           <a:solidFill>
             <a:srgbClr val="000000"/>
           </a:solidFill>
@@ -7005,7 +7205,7 @@
           <a:sym typeface="Arial"/>
         </a:defRPr>
       </a:lvl8pPr>
-      <a:lvl9pPr lvl="8" marR="0" rtl="0" algn="l">
+      <a:lvl9pPr marR="0" lvl="8" algn="l" rtl="0">
         <a:lnSpc>
           <a:spcPct val="100000"/>
         </a:lnSpc>
@@ -7019,7 +7219,7 @@
           <a:srgbClr val="000000"/>
         </a:buClr>
         <a:buFont typeface="Arial"/>
-        <a:defRPr b="0" i="0" sz="1400" u="none" cap="none" strike="noStrike">
+        <a:defRPr sz="1400" b="0" i="0" u="none" strike="noStrike" cap="none">
           <a:solidFill>
             <a:srgbClr val="000000"/>
           </a:solidFill>
@@ -7035,11 +7235,11 @@
 </file>
 
 <file path=ppt/slides/slide1.xml><?xml version="1.0" encoding="utf-8"?>
-<p:sld xmlns:a="http://schemas.openxmlformats.org/drawingml/2006/main" xmlns:r="http://schemas.openxmlformats.org/officeDocument/2006/relationships" xmlns:mc="http://schemas.openxmlformats.org/markup-compatibility/2006" xmlns:mv="urn:schemas-microsoft-com:mac:vml" xmlns:p="http://schemas.openxmlformats.org/presentationml/2006/main" xmlns:c="http://schemas.openxmlformats.org/drawingml/2006/chart" xmlns:dgm="http://schemas.openxmlformats.org/drawingml/2006/diagram" xmlns:o="urn:schemas-microsoft-com:office:office" xmlns:v="urn:schemas-microsoft-com:vml" xmlns:pvml="urn:schemas-microsoft-com:office:powerpoint" xmlns:com="http://schemas.openxmlformats.org/drawingml/2006/compatibility" xmlns:p14="http://schemas.microsoft.com/office/powerpoint/2010/main" xmlns:p15="http://schemas.microsoft.com/office/powerpoint/2012/main" xmlns:ahyp="http://schemas.microsoft.com/office/drawing/2018/hyperlinkcolor">
+<p:sld xmlns:a="http://schemas.openxmlformats.org/drawingml/2006/main" xmlns:r="http://schemas.openxmlformats.org/officeDocument/2006/relationships" xmlns:p="http://schemas.openxmlformats.org/presentationml/2006/main">
   <p:cSld>
     <p:spTree>
       <p:nvGrpSpPr>
-        <p:cNvPr id="53" name="Shape 53"/>
+        <p:cNvPr id="1" name="Shape 53"/>
         <p:cNvGrpSpPr/>
         <p:nvPr/>
       </p:nvGrpSpPr>
@@ -7054,7 +7254,9 @@
       <p:sp>
         <p:nvSpPr>
           <p:cNvPr id="54" name="Google Shape;54;p13"/>
-          <p:cNvSpPr txBox="1"/>
+          <p:cNvSpPr txBox="1">
+            <a:spLocks noGrp="1"/>
+          </p:cNvSpPr>
           <p:nvPr>
             <p:ph type="ctrTitle"/>
           </p:nvPr>
@@ -7069,12 +7271,12 @@
           </a:prstGeom>
         </p:spPr>
         <p:txBody>
-          <a:bodyPr anchorCtr="0" anchor="b" bIns="91425" lIns="91425" spcFirstLastPara="1" rIns="91425" wrap="square" tIns="91425">
+          <a:bodyPr spcFirstLastPara="1" wrap="square" lIns="91425" tIns="91425" rIns="91425" bIns="91425" anchor="b" anchorCtr="0">
             <a:noAutofit/>
           </a:bodyPr>
           <a:lstStyle/>
           <a:p>
-            <a:pPr indent="0" lvl="0" marL="0" rtl="0" algn="ctr">
+            <a:pPr marL="0" lvl="0" indent="0" algn="ctr" rtl="0">
               <a:spcBef>
                 <a:spcPts val="0"/>
               </a:spcBef>
@@ -7098,7 +7300,7 @@
             </a:endParaRPr>
           </a:p>
           <a:p>
-            <a:pPr indent="0" lvl="0" marL="0" rtl="0" algn="ctr">
+            <a:pPr marL="0" lvl="0" indent="0" algn="ctr" rtl="0">
               <a:spcBef>
                 <a:spcPts val="0"/>
               </a:spcBef>
@@ -7126,9 +7328,11 @@
       <p:sp>
         <p:nvSpPr>
           <p:cNvPr id="55" name="Google Shape;55;p13"/>
-          <p:cNvSpPr txBox="1"/>
+          <p:cNvSpPr txBox="1">
+            <a:spLocks noGrp="1"/>
+          </p:cNvSpPr>
           <p:nvPr>
-            <p:ph idx="1" type="subTitle"/>
+            <p:ph type="subTitle" idx="1"/>
           </p:nvPr>
         </p:nvSpPr>
         <p:spPr>
@@ -7141,12 +7345,12 @@
           </a:prstGeom>
         </p:spPr>
         <p:txBody>
-          <a:bodyPr anchorCtr="0" anchor="t" bIns="91425" lIns="91425" spcFirstLastPara="1" rIns="91425" wrap="square" tIns="91425">
+          <a:bodyPr spcFirstLastPara="1" wrap="square" lIns="91425" tIns="91425" rIns="91425" bIns="91425" anchor="t" anchorCtr="0">
             <a:noAutofit/>
           </a:bodyPr>
           <a:lstStyle/>
           <a:p>
-            <a:pPr indent="0" lvl="0" marL="0" rtl="0" algn="ctr">
+            <a:pPr marL="0" lvl="0" indent="0" algn="ctr" rtl="0">
               <a:spcBef>
                 <a:spcPts val="0"/>
               </a:spcBef>
@@ -7200,11 +7404,11 @@
 </file>
 
 <file path=ppt/slides/slide10.xml><?xml version="1.0" encoding="utf-8"?>
-<p:sld xmlns:a="http://schemas.openxmlformats.org/drawingml/2006/main" xmlns:r="http://schemas.openxmlformats.org/officeDocument/2006/relationships" xmlns:mc="http://schemas.openxmlformats.org/markup-compatibility/2006" xmlns:mv="urn:schemas-microsoft-com:mac:vml" xmlns:p="http://schemas.openxmlformats.org/presentationml/2006/main" xmlns:c="http://schemas.openxmlformats.org/drawingml/2006/chart" xmlns:dgm="http://schemas.openxmlformats.org/drawingml/2006/diagram" xmlns:o="urn:schemas-microsoft-com:office:office" xmlns:v="urn:schemas-microsoft-com:vml" xmlns:pvml="urn:schemas-microsoft-com:office:powerpoint" xmlns:com="http://schemas.openxmlformats.org/drawingml/2006/compatibility" xmlns:p14="http://schemas.microsoft.com/office/powerpoint/2010/main" xmlns:p15="http://schemas.microsoft.com/office/powerpoint/2012/main" xmlns:ahyp="http://schemas.microsoft.com/office/drawing/2018/hyperlinkcolor">
+<p:sld xmlns:a="http://schemas.openxmlformats.org/drawingml/2006/main" xmlns:r="http://schemas.openxmlformats.org/officeDocument/2006/relationships" xmlns:p="http://schemas.openxmlformats.org/presentationml/2006/main">
   <p:cSld>
     <p:spTree>
       <p:nvGrpSpPr>
-        <p:cNvPr id="117" name="Shape 117"/>
+        <p:cNvPr id="1" name="Shape 117"/>
         <p:cNvGrpSpPr/>
         <p:nvPr/>
       </p:nvGrpSpPr>
@@ -7219,7 +7423,9 @@
       <p:sp>
         <p:nvSpPr>
           <p:cNvPr id="118" name="Google Shape;118;p22"/>
-          <p:cNvSpPr txBox="1"/>
+          <p:cNvSpPr txBox="1">
+            <a:spLocks noGrp="1"/>
+          </p:cNvSpPr>
           <p:nvPr>
             <p:ph type="title"/>
           </p:nvPr>
@@ -7234,12 +7440,12 @@
           </a:prstGeom>
         </p:spPr>
         <p:txBody>
-          <a:bodyPr anchorCtr="0" anchor="t" bIns="91425" lIns="91425" spcFirstLastPara="1" rIns="91425" wrap="square" tIns="91425">
+          <a:bodyPr spcFirstLastPara="1" wrap="square" lIns="91425" tIns="91425" rIns="91425" bIns="91425" anchor="t" anchorCtr="0">
             <a:noAutofit/>
           </a:bodyPr>
           <a:lstStyle/>
           <a:p>
-            <a:pPr indent="0" lvl="0" marL="0" rtl="0" algn="l">
+            <a:pPr marL="0" lvl="0" indent="0" algn="l" rtl="0">
               <a:spcBef>
                 <a:spcPts val="0"/>
               </a:spcBef>
@@ -7259,9 +7465,11 @@
       <p:sp>
         <p:nvSpPr>
           <p:cNvPr id="119" name="Google Shape;119;p22"/>
-          <p:cNvSpPr txBox="1"/>
+          <p:cNvSpPr txBox="1">
+            <a:spLocks noGrp="1"/>
+          </p:cNvSpPr>
           <p:nvPr>
-            <p:ph idx="1" type="body"/>
+            <p:ph type="body" idx="1"/>
           </p:nvPr>
         </p:nvSpPr>
         <p:spPr>
@@ -7274,12 +7482,12 @@
           </a:prstGeom>
         </p:spPr>
         <p:txBody>
-          <a:bodyPr anchorCtr="0" anchor="t" bIns="91425" lIns="91425" spcFirstLastPara="1" rIns="91425" wrap="square" tIns="91425">
+          <a:bodyPr spcFirstLastPara="1" wrap="square" lIns="91425" tIns="91425" rIns="91425" bIns="91425" anchor="t" anchorCtr="0">
             <a:noAutofit/>
           </a:bodyPr>
           <a:lstStyle/>
           <a:p>
-            <a:pPr indent="0" lvl="0" marL="0" rtl="0" algn="l">
+            <a:pPr marL="0" lvl="0" indent="0" algn="l" rtl="0">
               <a:spcBef>
                 <a:spcPts val="0"/>
               </a:spcBef>
@@ -7295,7 +7503,7 @@
             <a:endParaRPr/>
           </a:p>
           <a:p>
-            <a:pPr indent="0" lvl="0" marL="0" rtl="0" algn="l">
+            <a:pPr marL="0" lvl="0" indent="0" algn="l" rtl="0">
               <a:spcBef>
                 <a:spcPts val="1600"/>
               </a:spcBef>
@@ -7304,13 +7512,10 @@
               </a:spcAft>
               <a:buNone/>
             </a:pPr>
-            <a:r>
-              <a:t/>
-            </a:r>
             <a:endParaRPr/>
           </a:p>
           <a:p>
-            <a:pPr indent="0" lvl="0" marL="0" rtl="0" algn="l">
+            <a:pPr marL="0" lvl="0" indent="0" algn="l" rtl="0">
               <a:spcBef>
                 <a:spcPts val="1600"/>
               </a:spcBef>
@@ -7326,7 +7531,7 @@
             <a:endParaRPr/>
           </a:p>
           <a:p>
-            <a:pPr indent="0" lvl="0" marL="0" rtl="0" algn="l">
+            <a:pPr marL="0" lvl="0" indent="0" algn="l" rtl="0">
               <a:spcBef>
                 <a:spcPts val="1600"/>
               </a:spcBef>
@@ -7380,11 +7585,11 @@
 </file>
 
 <file path=ppt/slides/slide11.xml><?xml version="1.0" encoding="utf-8"?>
-<p:sld xmlns:a="http://schemas.openxmlformats.org/drawingml/2006/main" xmlns:r="http://schemas.openxmlformats.org/officeDocument/2006/relationships" xmlns:mc="http://schemas.openxmlformats.org/markup-compatibility/2006" xmlns:mv="urn:schemas-microsoft-com:mac:vml" xmlns:p="http://schemas.openxmlformats.org/presentationml/2006/main" xmlns:c="http://schemas.openxmlformats.org/drawingml/2006/chart" xmlns:dgm="http://schemas.openxmlformats.org/drawingml/2006/diagram" xmlns:o="urn:schemas-microsoft-com:office:office" xmlns:v="urn:schemas-microsoft-com:vml" xmlns:pvml="urn:schemas-microsoft-com:office:powerpoint" xmlns:com="http://schemas.openxmlformats.org/drawingml/2006/compatibility" xmlns:p14="http://schemas.microsoft.com/office/powerpoint/2010/main" xmlns:p15="http://schemas.microsoft.com/office/powerpoint/2012/main" xmlns:ahyp="http://schemas.microsoft.com/office/drawing/2018/hyperlinkcolor">
+<p:sld xmlns:a="http://schemas.openxmlformats.org/drawingml/2006/main" xmlns:r="http://schemas.openxmlformats.org/officeDocument/2006/relationships" xmlns:p="http://schemas.openxmlformats.org/presentationml/2006/main">
   <p:cSld>
     <p:spTree>
       <p:nvGrpSpPr>
-        <p:cNvPr id="124" name="Shape 124"/>
+        <p:cNvPr id="1" name="Shape 124"/>
         <p:cNvGrpSpPr/>
         <p:nvPr/>
       </p:nvGrpSpPr>
@@ -7399,7 +7604,9 @@
       <p:sp>
         <p:nvSpPr>
           <p:cNvPr id="125" name="Google Shape;125;p23"/>
-          <p:cNvSpPr txBox="1"/>
+          <p:cNvSpPr txBox="1">
+            <a:spLocks noGrp="1"/>
+          </p:cNvSpPr>
           <p:nvPr>
             <p:ph type="title"/>
           </p:nvPr>
@@ -7414,12 +7621,12 @@
           </a:prstGeom>
         </p:spPr>
         <p:txBody>
-          <a:bodyPr anchorCtr="0" anchor="t" bIns="91425" lIns="91425" spcFirstLastPara="1" rIns="91425" wrap="square" tIns="91425">
+          <a:bodyPr spcFirstLastPara="1" wrap="square" lIns="91425" tIns="91425" rIns="91425" bIns="91425" anchor="t" anchorCtr="0">
             <a:noAutofit/>
           </a:bodyPr>
           <a:lstStyle/>
           <a:p>
-            <a:pPr indent="0" lvl="0" marL="0" rtl="0" algn="l">
+            <a:pPr marL="0" lvl="0" indent="0" algn="l" rtl="0">
               <a:spcBef>
                 <a:spcPts val="0"/>
               </a:spcBef>
@@ -7429,7 +7636,7 @@
               <a:buNone/>
             </a:pPr>
             <a:r>
-              <a:rPr b="1" lang="en">
+              <a:rPr lang="en" b="1">
                 <a:solidFill>
                   <a:srgbClr val="0000FF"/>
                 </a:solidFill>
@@ -7447,9 +7654,11 @@
       <p:sp>
         <p:nvSpPr>
           <p:cNvPr id="126" name="Google Shape;126;p23"/>
-          <p:cNvSpPr txBox="1"/>
+          <p:cNvSpPr txBox="1">
+            <a:spLocks noGrp="1"/>
+          </p:cNvSpPr>
           <p:nvPr>
-            <p:ph idx="1" type="body"/>
+            <p:ph type="body" idx="1"/>
           </p:nvPr>
         </p:nvSpPr>
         <p:spPr>
@@ -7462,12 +7671,12 @@
           </a:prstGeom>
         </p:spPr>
         <p:txBody>
-          <a:bodyPr anchorCtr="0" anchor="t" bIns="91425" lIns="91425" spcFirstLastPara="1" rIns="91425" wrap="square" tIns="91425">
+          <a:bodyPr spcFirstLastPara="1" wrap="square" lIns="91425" tIns="91425" rIns="91425" bIns="91425" anchor="t" anchorCtr="0">
             <a:noAutofit/>
           </a:bodyPr>
           <a:lstStyle/>
           <a:p>
-            <a:pPr indent="0" lvl="0" marL="0" rtl="0" algn="l">
+            <a:pPr marL="0" lvl="0" indent="0" algn="l" rtl="0">
               <a:spcBef>
                 <a:spcPts val="0"/>
               </a:spcBef>
@@ -7483,7 +7692,7 @@
             <a:endParaRPr/>
           </a:p>
           <a:p>
-            <a:pPr indent="0" lvl="0" marL="0" rtl="0" algn="l">
+            <a:pPr marL="0" lvl="0" indent="0" algn="l" rtl="0">
               <a:spcBef>
                 <a:spcPts val="1600"/>
               </a:spcBef>
@@ -7499,7 +7708,7 @@
             <a:endParaRPr/>
           </a:p>
           <a:p>
-            <a:pPr indent="0" lvl="0" marL="0" rtl="0" algn="l">
+            <a:pPr marL="0" lvl="0" indent="0" algn="l" rtl="0">
               <a:spcBef>
                 <a:spcPts val="1600"/>
               </a:spcBef>
@@ -7508,13 +7717,10 @@
               </a:spcAft>
               <a:buNone/>
             </a:pPr>
-            <a:r>
-              <a:t/>
-            </a:r>
             <a:endParaRPr/>
           </a:p>
           <a:p>
-            <a:pPr indent="0" lvl="0" marL="0" rtl="0" algn="l">
+            <a:pPr marL="0" lvl="0" indent="0" algn="l" rtl="0">
               <a:spcBef>
                 <a:spcPts val="1600"/>
               </a:spcBef>
@@ -7530,7 +7736,7 @@
             <a:endParaRPr/>
           </a:p>
           <a:p>
-            <a:pPr indent="0" lvl="0" marL="0" rtl="0" algn="l">
+            <a:pPr marL="0" lvl="0" indent="0" algn="l" rtl="0">
               <a:spcBef>
                 <a:spcPts val="1600"/>
               </a:spcBef>
@@ -7584,11 +7790,11 @@
 </file>
 
 <file path=ppt/slides/slide12.xml><?xml version="1.0" encoding="utf-8"?>
-<p:sld xmlns:a="http://schemas.openxmlformats.org/drawingml/2006/main" xmlns:r="http://schemas.openxmlformats.org/officeDocument/2006/relationships" xmlns:mc="http://schemas.openxmlformats.org/markup-compatibility/2006" xmlns:mv="urn:schemas-microsoft-com:mac:vml" xmlns:p="http://schemas.openxmlformats.org/presentationml/2006/main" xmlns:c="http://schemas.openxmlformats.org/drawingml/2006/chart" xmlns:dgm="http://schemas.openxmlformats.org/drawingml/2006/diagram" xmlns:o="urn:schemas-microsoft-com:office:office" xmlns:v="urn:schemas-microsoft-com:vml" xmlns:pvml="urn:schemas-microsoft-com:office:powerpoint" xmlns:com="http://schemas.openxmlformats.org/drawingml/2006/compatibility" xmlns:p14="http://schemas.microsoft.com/office/powerpoint/2010/main" xmlns:p15="http://schemas.microsoft.com/office/powerpoint/2012/main" xmlns:ahyp="http://schemas.microsoft.com/office/drawing/2018/hyperlinkcolor">
+<p:sld xmlns:a="http://schemas.openxmlformats.org/drawingml/2006/main" xmlns:r="http://schemas.openxmlformats.org/officeDocument/2006/relationships" xmlns:p="http://schemas.openxmlformats.org/presentationml/2006/main">
   <p:cSld>
     <p:spTree>
       <p:nvGrpSpPr>
-        <p:cNvPr id="131" name="Shape 131"/>
+        <p:cNvPr id="1" name="Shape 131"/>
         <p:cNvGrpSpPr/>
         <p:nvPr/>
       </p:nvGrpSpPr>
@@ -7603,7 +7809,9 @@
       <p:sp>
         <p:nvSpPr>
           <p:cNvPr id="132" name="Google Shape;132;p24"/>
-          <p:cNvSpPr txBox="1"/>
+          <p:cNvSpPr txBox="1">
+            <a:spLocks noGrp="1"/>
+          </p:cNvSpPr>
           <p:nvPr>
             <p:ph type="title"/>
           </p:nvPr>
@@ -7618,12 +7826,12 @@
           </a:prstGeom>
         </p:spPr>
         <p:txBody>
-          <a:bodyPr anchorCtr="0" anchor="t" bIns="91425" lIns="91425" spcFirstLastPara="1" rIns="91425" wrap="square" tIns="91425">
+          <a:bodyPr spcFirstLastPara="1" wrap="square" lIns="91425" tIns="91425" rIns="91425" bIns="91425" anchor="t" anchorCtr="0">
             <a:noAutofit/>
           </a:bodyPr>
           <a:lstStyle/>
           <a:p>
-            <a:pPr indent="0" lvl="0" marL="0" rtl="0" algn="l">
+            <a:pPr marL="0" lvl="0" indent="0" algn="l" rtl="0">
               <a:spcBef>
                 <a:spcPts val="0"/>
               </a:spcBef>
@@ -7633,7 +7841,7 @@
               <a:buNone/>
             </a:pPr>
             <a:r>
-              <a:rPr b="1" lang="en">
+              <a:rPr lang="en" b="1">
                 <a:solidFill>
                   <a:srgbClr val="0000FF"/>
                 </a:solidFill>
@@ -7651,9 +7859,11 @@
       <p:sp>
         <p:nvSpPr>
           <p:cNvPr id="133" name="Google Shape;133;p24"/>
-          <p:cNvSpPr txBox="1"/>
+          <p:cNvSpPr txBox="1">
+            <a:spLocks noGrp="1"/>
+          </p:cNvSpPr>
           <p:nvPr>
-            <p:ph idx="1" type="body"/>
+            <p:ph type="body" idx="1"/>
           </p:nvPr>
         </p:nvSpPr>
         <p:spPr>
@@ -7666,12 +7876,12 @@
           </a:prstGeom>
         </p:spPr>
         <p:txBody>
-          <a:bodyPr anchorCtr="0" anchor="t" bIns="91425" lIns="91425" spcFirstLastPara="1" rIns="91425" wrap="square" tIns="91425">
+          <a:bodyPr spcFirstLastPara="1" wrap="square" lIns="91425" tIns="91425" rIns="91425" bIns="91425" anchor="t" anchorCtr="0">
             <a:noAutofit/>
           </a:bodyPr>
           <a:lstStyle/>
           <a:p>
-            <a:pPr indent="0" lvl="0" marL="0" rtl="0" algn="l">
+            <a:pPr marL="0" lvl="0" indent="0" algn="l" rtl="0">
               <a:spcBef>
                 <a:spcPts val="0"/>
               </a:spcBef>
@@ -7725,11 +7935,11 @@
 </file>
 
 <file path=ppt/slides/slide13.xml><?xml version="1.0" encoding="utf-8"?>
-<p:sld xmlns:a="http://schemas.openxmlformats.org/drawingml/2006/main" xmlns:r="http://schemas.openxmlformats.org/officeDocument/2006/relationships" xmlns:mc="http://schemas.openxmlformats.org/markup-compatibility/2006" xmlns:mv="urn:schemas-microsoft-com:mac:vml" xmlns:p="http://schemas.openxmlformats.org/presentationml/2006/main" xmlns:c="http://schemas.openxmlformats.org/drawingml/2006/chart" xmlns:dgm="http://schemas.openxmlformats.org/drawingml/2006/diagram" xmlns:o="urn:schemas-microsoft-com:office:office" xmlns:v="urn:schemas-microsoft-com:vml" xmlns:pvml="urn:schemas-microsoft-com:office:powerpoint" xmlns:com="http://schemas.openxmlformats.org/drawingml/2006/compatibility" xmlns:p14="http://schemas.microsoft.com/office/powerpoint/2010/main" xmlns:p15="http://schemas.microsoft.com/office/powerpoint/2012/main" xmlns:ahyp="http://schemas.microsoft.com/office/drawing/2018/hyperlinkcolor">
+<p:sld xmlns:a="http://schemas.openxmlformats.org/drawingml/2006/main" xmlns:r="http://schemas.openxmlformats.org/officeDocument/2006/relationships" xmlns:p="http://schemas.openxmlformats.org/presentationml/2006/main">
   <p:cSld>
     <p:spTree>
       <p:nvGrpSpPr>
-        <p:cNvPr id="138" name="Shape 138"/>
+        <p:cNvPr id="1" name="Shape 138"/>
         <p:cNvGrpSpPr/>
         <p:nvPr/>
       </p:nvGrpSpPr>
@@ -7744,7 +7954,9 @@
       <p:sp>
         <p:nvSpPr>
           <p:cNvPr id="139" name="Google Shape;139;p25"/>
-          <p:cNvSpPr txBox="1"/>
+          <p:cNvSpPr txBox="1">
+            <a:spLocks noGrp="1"/>
+          </p:cNvSpPr>
           <p:nvPr>
             <p:ph type="title"/>
           </p:nvPr>
@@ -7759,12 +7971,12 @@
           </a:prstGeom>
         </p:spPr>
         <p:txBody>
-          <a:bodyPr anchorCtr="0" anchor="t" bIns="91425" lIns="91425" spcFirstLastPara="1" rIns="91425" wrap="square" tIns="91425">
+          <a:bodyPr spcFirstLastPara="1" wrap="square" lIns="91425" tIns="91425" rIns="91425" bIns="91425" anchor="t" anchorCtr="0">
             <a:noAutofit/>
           </a:bodyPr>
           <a:lstStyle/>
           <a:p>
-            <a:pPr indent="0" lvl="0" marL="0" rtl="0" algn="l">
+            <a:pPr marL="0" lvl="0" indent="0" algn="l" rtl="0">
               <a:spcBef>
                 <a:spcPts val="0"/>
               </a:spcBef>
@@ -7774,7 +7986,7 @@
               <a:buNone/>
             </a:pPr>
             <a:r>
-              <a:rPr b="1" lang="en">
+              <a:rPr lang="en" b="1">
                 <a:solidFill>
                   <a:srgbClr val="0000FF"/>
                 </a:solidFill>
@@ -7792,9 +8004,11 @@
       <p:sp>
         <p:nvSpPr>
           <p:cNvPr id="140" name="Google Shape;140;p25"/>
-          <p:cNvSpPr txBox="1"/>
+          <p:cNvSpPr txBox="1">
+            <a:spLocks noGrp="1"/>
+          </p:cNvSpPr>
           <p:nvPr>
-            <p:ph idx="1" type="body"/>
+            <p:ph type="body" idx="1"/>
           </p:nvPr>
         </p:nvSpPr>
         <p:spPr>
@@ -7807,12 +8021,12 @@
           </a:prstGeom>
         </p:spPr>
         <p:txBody>
-          <a:bodyPr anchorCtr="0" anchor="t" bIns="91425" lIns="91425" spcFirstLastPara="1" rIns="91425" wrap="square" tIns="91425">
+          <a:bodyPr spcFirstLastPara="1" wrap="square" lIns="91425" tIns="91425" rIns="91425" bIns="91425" anchor="t" anchorCtr="0">
             <a:noAutofit/>
           </a:bodyPr>
           <a:lstStyle/>
           <a:p>
-            <a:pPr indent="-342900" lvl="0" marL="457200" rtl="0" algn="l">
+            <a:pPr marL="457200" lvl="0" indent="-342900" algn="l" rtl="0">
               <a:spcBef>
                 <a:spcPts val="0"/>
               </a:spcBef>
@@ -7829,7 +8043,7 @@
             <a:endParaRPr/>
           </a:p>
           <a:p>
-            <a:pPr indent="-342900" lvl="0" marL="457200" rtl="0" algn="l">
+            <a:pPr marL="457200" lvl="0" indent="-342900" algn="l" rtl="0">
               <a:spcBef>
                 <a:spcPts val="0"/>
               </a:spcBef>
@@ -7846,7 +8060,7 @@
             <a:endParaRPr/>
           </a:p>
           <a:p>
-            <a:pPr indent="-342900" lvl="0" marL="457200" rtl="0" algn="l">
+            <a:pPr marL="457200" lvl="0" indent="-342900" algn="l" rtl="0">
               <a:spcBef>
                 <a:spcPts val="0"/>
               </a:spcBef>
@@ -7863,7 +8077,7 @@
             <a:endParaRPr/>
           </a:p>
           <a:p>
-            <a:pPr indent="-342900" lvl="0" marL="457200" rtl="0" algn="l">
+            <a:pPr marL="457200" lvl="0" indent="-342900" algn="l" rtl="0">
               <a:spcBef>
                 <a:spcPts val="0"/>
               </a:spcBef>
@@ -7880,7 +8094,7 @@
             <a:endParaRPr/>
           </a:p>
           <a:p>
-            <a:pPr indent="0" lvl="0" marL="0" rtl="0" algn="l">
+            <a:pPr marL="0" lvl="0" indent="0" algn="l" rtl="0">
               <a:spcBef>
                 <a:spcPts val="1600"/>
               </a:spcBef>
@@ -7889,13 +8103,10 @@
               </a:spcAft>
               <a:buNone/>
             </a:pPr>
-            <a:r>
-              <a:t/>
-            </a:r>
             <a:endParaRPr/>
           </a:p>
           <a:p>
-            <a:pPr indent="0" lvl="0" marL="0" rtl="0" algn="l">
+            <a:pPr marL="0" lvl="0" indent="0" algn="l" rtl="0">
               <a:spcBef>
                 <a:spcPts val="1600"/>
               </a:spcBef>
@@ -7949,11 +8160,11 @@
 </file>
 
 <file path=ppt/slides/slide14.xml><?xml version="1.0" encoding="utf-8"?>
-<p:sld xmlns:a="http://schemas.openxmlformats.org/drawingml/2006/main" xmlns:r="http://schemas.openxmlformats.org/officeDocument/2006/relationships" xmlns:mc="http://schemas.openxmlformats.org/markup-compatibility/2006" xmlns:mv="urn:schemas-microsoft-com:mac:vml" xmlns:p="http://schemas.openxmlformats.org/presentationml/2006/main" xmlns:c="http://schemas.openxmlformats.org/drawingml/2006/chart" xmlns:dgm="http://schemas.openxmlformats.org/drawingml/2006/diagram" xmlns:o="urn:schemas-microsoft-com:office:office" xmlns:v="urn:schemas-microsoft-com:vml" xmlns:pvml="urn:schemas-microsoft-com:office:powerpoint" xmlns:com="http://schemas.openxmlformats.org/drawingml/2006/compatibility" xmlns:p14="http://schemas.microsoft.com/office/powerpoint/2010/main" xmlns:p15="http://schemas.microsoft.com/office/powerpoint/2012/main" xmlns:ahyp="http://schemas.microsoft.com/office/drawing/2018/hyperlinkcolor">
+<p:sld xmlns:a="http://schemas.openxmlformats.org/drawingml/2006/main" xmlns:r="http://schemas.openxmlformats.org/officeDocument/2006/relationships" xmlns:p="http://schemas.openxmlformats.org/presentationml/2006/main">
   <p:cSld>
     <p:spTree>
       <p:nvGrpSpPr>
-        <p:cNvPr id="145" name="Shape 145"/>
+        <p:cNvPr id="1" name="Shape 145"/>
         <p:cNvGrpSpPr/>
         <p:nvPr/>
       </p:nvGrpSpPr>
@@ -7968,14 +8179,16 @@
       <p:sp>
         <p:nvSpPr>
           <p:cNvPr id="146" name="Google Shape;146;p26"/>
-          <p:cNvSpPr txBox="1"/>
+          <p:cNvSpPr txBox="1">
+            <a:spLocks noGrp="1"/>
+          </p:cNvSpPr>
           <p:nvPr>
             <p:ph type="title"/>
           </p:nvPr>
         </p:nvSpPr>
         <p:spPr>
           <a:xfrm>
-            <a:off x="311700" y="445025"/>
+            <a:off x="311700" y="451331"/>
             <a:ext cx="8520600" cy="572700"/>
           </a:xfrm>
           <a:prstGeom prst="rect">
@@ -7983,12 +8196,12 @@
           </a:prstGeom>
         </p:spPr>
         <p:txBody>
-          <a:bodyPr anchorCtr="0" anchor="t" bIns="91425" lIns="91425" spcFirstLastPara="1" rIns="91425" wrap="square" tIns="91425">
+          <a:bodyPr spcFirstLastPara="1" wrap="square" lIns="91425" tIns="91425" rIns="91425" bIns="91425" anchor="t" anchorCtr="0">
             <a:noAutofit/>
           </a:bodyPr>
           <a:lstStyle/>
           <a:p>
-            <a:pPr indent="0" lvl="0" marL="0" rtl="0" algn="l">
+            <a:pPr marL="0" lvl="0" indent="0" algn="l" rtl="0">
               <a:spcBef>
                 <a:spcPts val="0"/>
               </a:spcBef>
@@ -7998,7 +8211,7 @@
               <a:buNone/>
             </a:pPr>
             <a:r>
-              <a:rPr b="1" lang="en">
+              <a:rPr lang="en" b="1">
                 <a:solidFill>
                   <a:srgbClr val="0000FF"/>
                 </a:solidFill>
@@ -8016,9 +8229,11 @@
       <p:sp>
         <p:nvSpPr>
           <p:cNvPr id="147" name="Google Shape;147;p26"/>
-          <p:cNvSpPr txBox="1"/>
+          <p:cNvSpPr txBox="1">
+            <a:spLocks noGrp="1"/>
+          </p:cNvSpPr>
           <p:nvPr>
-            <p:ph idx="1" type="body"/>
+            <p:ph type="body" idx="1"/>
           </p:nvPr>
         </p:nvSpPr>
         <p:spPr>
@@ -8031,12 +8246,12 @@
           </a:prstGeom>
         </p:spPr>
         <p:txBody>
-          <a:bodyPr anchorCtr="0" anchor="t" bIns="91425" lIns="91425" spcFirstLastPara="1" rIns="91425" wrap="square" tIns="91425">
+          <a:bodyPr spcFirstLastPara="1" wrap="square" lIns="91425" tIns="91425" rIns="91425" bIns="91425" anchor="t" anchorCtr="0">
             <a:noAutofit/>
           </a:bodyPr>
           <a:lstStyle/>
           <a:p>
-            <a:pPr indent="-342900" lvl="0" marL="457200" rtl="0" algn="l">
+            <a:pPr marL="457200" lvl="0" indent="-342900" algn="l" rtl="0">
               <a:spcBef>
                 <a:spcPts val="0"/>
               </a:spcBef>
@@ -8047,13 +8262,13 @@
               <a:buChar char="●"/>
             </a:pPr>
             <a:r>
-              <a:rPr lang="en"/>
+              <a:rPr lang="en" dirty="0"/>
               <a:t>In Java, throw key word is known by which user can throw an exception of their own instead of automatic exception object generated by Java run time. </a:t>
             </a:r>
-            <a:endParaRPr/>
-          </a:p>
-          <a:p>
-            <a:pPr indent="-342900" lvl="0" marL="457200" rtl="0" algn="l">
+            <a:endParaRPr dirty="0"/>
+          </a:p>
+          <a:p>
+            <a:pPr marL="457200" lvl="0" indent="-342900" algn="l" rtl="0">
               <a:spcBef>
                 <a:spcPts val="0"/>
               </a:spcBef>
@@ -8064,13 +8279,13 @@
               <a:buChar char="●"/>
             </a:pPr>
             <a:r>
-              <a:rPr lang="en"/>
+              <a:rPr lang="en" dirty="0"/>
               <a:t>To use this, we have to create an instance of Throwable object. </a:t>
             </a:r>
-            <a:endParaRPr/>
-          </a:p>
-          <a:p>
-            <a:pPr indent="-342900" lvl="0" marL="457200" rtl="0" algn="l">
+            <a:endParaRPr dirty="0"/>
+          </a:p>
+          <a:p>
+            <a:pPr marL="457200" lvl="0" indent="-342900" algn="l" rtl="0">
               <a:spcBef>
                 <a:spcPts val="0"/>
               </a:spcBef>
@@ -8081,13 +8296,13 @@
               <a:buChar char="●"/>
             </a:pPr>
             <a:r>
-              <a:rPr lang="en"/>
+              <a:rPr lang="en" dirty="0"/>
               <a:t>Then the throw key word can be used to throw this exception.</a:t>
             </a:r>
-            <a:endParaRPr/>
-          </a:p>
-          <a:p>
-            <a:pPr indent="-342900" lvl="0" marL="457200" rtl="0" algn="l">
+            <a:endParaRPr dirty="0"/>
+          </a:p>
+          <a:p>
+            <a:pPr marL="457200" lvl="0" indent="-342900" algn="l" rtl="0">
               <a:spcBef>
                 <a:spcPts val="0"/>
               </a:spcBef>
@@ -8098,13 +8313,13 @@
               <a:buChar char="●"/>
             </a:pPr>
             <a:r>
-              <a:rPr lang="en"/>
+              <a:rPr lang="en" dirty="0"/>
               <a:t>2 ways of doing it</a:t>
             </a:r>
-            <a:endParaRPr/>
-          </a:p>
-          <a:p>
-            <a:pPr indent="-317500" lvl="1" marL="914400" rtl="0" algn="l">
+            <a:endParaRPr dirty="0"/>
+          </a:p>
+          <a:p>
+            <a:pPr marL="914400" lvl="1" indent="-317500" algn="l" rtl="0">
               <a:spcBef>
                 <a:spcPts val="0"/>
               </a:spcBef>
@@ -8115,13 +8330,13 @@
               <a:buChar char="○"/>
             </a:pPr>
             <a:r>
-              <a:rPr lang="en"/>
+              <a:rPr lang="en" dirty="0"/>
               <a:t>Using a parameter in a catch</a:t>
             </a:r>
-            <a:endParaRPr/>
-          </a:p>
-          <a:p>
-            <a:pPr indent="-317500" lvl="1" marL="914400" rtl="0" algn="l">
+            <a:endParaRPr dirty="0"/>
+          </a:p>
+          <a:p>
+            <a:pPr marL="914400" lvl="1" indent="-317500" algn="l" rtl="0">
               <a:spcBef>
                 <a:spcPts val="0"/>
               </a:spcBef>
@@ -8132,56 +8347,50 @@
               <a:buChar char="○"/>
             </a:pPr>
             <a:r>
-              <a:rPr lang="en"/>
+              <a:rPr lang="en" dirty="0"/>
               <a:t>Creating with new operator</a:t>
             </a:r>
-            <a:endParaRPr/>
-          </a:p>
-          <a:p>
-            <a:pPr indent="0" lvl="0" marL="0" rtl="0" algn="l">
+            <a:endParaRPr dirty="0"/>
+          </a:p>
+          <a:p>
+            <a:pPr marL="0" lvl="0" indent="0" algn="l" rtl="0">
               <a:spcBef>
                 <a:spcPts val="1600"/>
               </a:spcBef>
               <a:spcAft>
                 <a:spcPts val="0"/>
+              </a:spcAft>
+              <a:buNone/>
+            </a:pPr>
+            <a:endParaRPr dirty="0"/>
+          </a:p>
+          <a:p>
+            <a:pPr marL="0" lvl="0" indent="0" algn="l" rtl="0">
+              <a:spcBef>
+                <a:spcPts val="1600"/>
+              </a:spcBef>
+              <a:spcAft>
+                <a:spcPts val="0"/>
+              </a:spcAft>
+              <a:buNone/>
+            </a:pPr>
+            <a:endParaRPr dirty="0"/>
+          </a:p>
+          <a:p>
+            <a:pPr marL="0" lvl="0" indent="0" algn="l" rtl="0">
+              <a:spcBef>
+                <a:spcPts val="1600"/>
+              </a:spcBef>
+              <a:spcAft>
+                <a:spcPts val="1600"/>
               </a:spcAft>
               <a:buNone/>
             </a:pPr>
             <a:r>
-              <a:t/>
-            </a:r>
-            <a:endParaRPr/>
-          </a:p>
-          <a:p>
-            <a:pPr indent="0" lvl="0" marL="0" rtl="0" algn="l">
-              <a:spcBef>
-                <a:spcPts val="1600"/>
-              </a:spcBef>
-              <a:spcAft>
-                <a:spcPts val="0"/>
-              </a:spcAft>
-              <a:buNone/>
-            </a:pPr>
-            <a:r>
-              <a:t/>
-            </a:r>
-            <a:endParaRPr/>
-          </a:p>
-          <a:p>
-            <a:pPr indent="0" lvl="0" marL="0" rtl="0" algn="l">
-              <a:spcBef>
-                <a:spcPts val="1600"/>
-              </a:spcBef>
-              <a:spcAft>
-                <a:spcPts val="1600"/>
-              </a:spcAft>
-              <a:buNone/>
-            </a:pPr>
-            <a:r>
-              <a:rPr lang="en"/>
+              <a:rPr lang="en" dirty="0"/>
               <a:t>Demo3310</a:t>
             </a:r>
-            <a:endParaRPr/>
+            <a:endParaRPr dirty="0"/>
           </a:p>
         </p:txBody>
       </p:sp>
@@ -8222,11 +8431,11 @@
 </file>
 
 <file path=ppt/slides/slide15.xml><?xml version="1.0" encoding="utf-8"?>
-<p:sld xmlns:a="http://schemas.openxmlformats.org/drawingml/2006/main" xmlns:r="http://schemas.openxmlformats.org/officeDocument/2006/relationships" xmlns:mc="http://schemas.openxmlformats.org/markup-compatibility/2006" xmlns:mv="urn:schemas-microsoft-com:mac:vml" xmlns:p="http://schemas.openxmlformats.org/presentationml/2006/main" xmlns:c="http://schemas.openxmlformats.org/drawingml/2006/chart" xmlns:dgm="http://schemas.openxmlformats.org/drawingml/2006/diagram" xmlns:o="urn:schemas-microsoft-com:office:office" xmlns:v="urn:schemas-microsoft-com:vml" xmlns:pvml="urn:schemas-microsoft-com:office:powerpoint" xmlns:com="http://schemas.openxmlformats.org/drawingml/2006/compatibility" xmlns:p14="http://schemas.microsoft.com/office/powerpoint/2010/main" xmlns:p15="http://schemas.microsoft.com/office/powerpoint/2012/main" xmlns:ahyp="http://schemas.microsoft.com/office/drawing/2018/hyperlinkcolor">
+<p:sld xmlns:a="http://schemas.openxmlformats.org/drawingml/2006/main" xmlns:r="http://schemas.openxmlformats.org/officeDocument/2006/relationships" xmlns:p="http://schemas.openxmlformats.org/presentationml/2006/main">
   <p:cSld>
     <p:spTree>
       <p:nvGrpSpPr>
-        <p:cNvPr id="152" name="Shape 152"/>
+        <p:cNvPr id="1" name="Shape 152"/>
         <p:cNvGrpSpPr/>
         <p:nvPr/>
       </p:nvGrpSpPr>
@@ -8241,7 +8450,9 @@
       <p:sp>
         <p:nvSpPr>
           <p:cNvPr id="153" name="Google Shape;153;p27"/>
-          <p:cNvSpPr txBox="1"/>
+          <p:cNvSpPr txBox="1">
+            <a:spLocks noGrp="1"/>
+          </p:cNvSpPr>
           <p:nvPr>
             <p:ph type="title"/>
           </p:nvPr>
@@ -8256,12 +8467,12 @@
           </a:prstGeom>
         </p:spPr>
         <p:txBody>
-          <a:bodyPr anchorCtr="0" anchor="t" bIns="91425" lIns="91425" spcFirstLastPara="1" rIns="91425" wrap="square" tIns="91425">
+          <a:bodyPr spcFirstLastPara="1" wrap="square" lIns="91425" tIns="91425" rIns="91425" bIns="91425" anchor="t" anchorCtr="0">
             <a:noAutofit/>
           </a:bodyPr>
           <a:lstStyle/>
           <a:p>
-            <a:pPr indent="0" lvl="0" marL="0" rtl="0" algn="l">
+            <a:pPr marL="0" lvl="0" indent="0" algn="l" rtl="0">
               <a:spcBef>
                 <a:spcPts val="0"/>
               </a:spcBef>
@@ -8271,7 +8482,7 @@
               <a:buNone/>
             </a:pPr>
             <a:r>
-              <a:rPr b="1" lang="en">
+              <a:rPr lang="en" b="1">
                 <a:solidFill>
                   <a:srgbClr val="0000FF"/>
                 </a:solidFill>
@@ -8289,9 +8500,11 @@
       <p:sp>
         <p:nvSpPr>
           <p:cNvPr id="154" name="Google Shape;154;p27"/>
-          <p:cNvSpPr txBox="1"/>
+          <p:cNvSpPr txBox="1">
+            <a:spLocks noGrp="1"/>
+          </p:cNvSpPr>
           <p:nvPr>
-            <p:ph idx="1" type="body"/>
+            <p:ph type="body" idx="1"/>
           </p:nvPr>
         </p:nvSpPr>
         <p:spPr>
@@ -8304,12 +8517,12 @@
           </a:prstGeom>
         </p:spPr>
         <p:txBody>
-          <a:bodyPr anchorCtr="0" anchor="t" bIns="91425" lIns="91425" spcFirstLastPara="1" rIns="91425" wrap="square" tIns="91425">
+          <a:bodyPr spcFirstLastPara="1" wrap="square" lIns="91425" tIns="91425" rIns="91425" bIns="91425" anchor="t" anchorCtr="0">
             <a:noAutofit/>
           </a:bodyPr>
           <a:lstStyle/>
           <a:p>
-            <a:pPr indent="-342900" lvl="0" marL="457200" rtl="0" algn="l">
+            <a:pPr marL="457200" lvl="0" indent="-342900" algn="l" rtl="0">
               <a:spcBef>
                 <a:spcPts val="0"/>
               </a:spcBef>
@@ -8320,13 +8533,13 @@
               <a:buChar char="●"/>
             </a:pPr>
             <a:r>
-              <a:rPr lang="en"/>
+              <a:rPr lang="en" dirty="0"/>
               <a:t>throws is a keyword in Java which is used in the signature of method to indicate that this method might throw one of the listed type exceptions.</a:t>
             </a:r>
-            <a:endParaRPr/>
-          </a:p>
-          <a:p>
-            <a:pPr indent="-342900" lvl="0" marL="457200" rtl="0" algn="l">
+            <a:endParaRPr dirty="0"/>
+          </a:p>
+          <a:p>
+            <a:pPr marL="457200" lvl="0" indent="-342900" algn="l" rtl="0">
               <a:spcBef>
                 <a:spcPts val="0"/>
               </a:spcBef>
@@ -8337,13 +8550,13 @@
               <a:buChar char="●"/>
             </a:pPr>
             <a:r>
-              <a:rPr lang="en"/>
+              <a:rPr lang="en" dirty="0"/>
               <a:t> The caller to these methods has to handle the exception using a try-catch block.</a:t>
             </a:r>
-            <a:endParaRPr/>
-          </a:p>
-          <a:p>
-            <a:pPr indent="0" lvl="0" marL="0" rtl="0" algn="l">
+            <a:endParaRPr dirty="0"/>
+          </a:p>
+          <a:p>
+            <a:pPr marL="0" lvl="0" indent="0" algn="l" rtl="0">
               <a:spcBef>
                 <a:spcPts val="1600"/>
               </a:spcBef>
@@ -8353,13 +8566,13 @@
               <a:buNone/>
             </a:pPr>
             <a:r>
-              <a:rPr lang="en"/>
+              <a:rPr lang="en" dirty="0"/>
               <a:t>Syntax:</a:t>
             </a:r>
-            <a:endParaRPr/>
-          </a:p>
-          <a:p>
-            <a:pPr indent="0" lvl="0" marL="0" rtl="0" algn="l">
+            <a:endParaRPr dirty="0"/>
+          </a:p>
+          <a:p>
+            <a:pPr marL="0" lvl="0" indent="0" algn="l" rtl="0">
               <a:spcBef>
                 <a:spcPts val="1600"/>
               </a:spcBef>
@@ -8374,11 +8587,11 @@
               <a:buNone/>
             </a:pPr>
             <a:r>
-              <a:rPr lang="en"/>
+              <a:rPr lang="en" dirty="0"/>
               <a:t>type method_name(parameters) </a:t>
             </a:r>
             <a:r>
-              <a:rPr b="1" lang="en">
+              <a:rPr lang="en" b="1" dirty="0">
                 <a:solidFill>
                   <a:srgbClr val="0000FF"/>
                 </a:solidFill>
@@ -8386,13 +8599,13 @@
               <a:t>throws</a:t>
             </a:r>
             <a:r>
-              <a:rPr lang="en"/>
+              <a:rPr lang="en" dirty="0"/>
               <a:t> exception_list</a:t>
             </a:r>
-            <a:endParaRPr/>
-          </a:p>
-          <a:p>
-            <a:pPr indent="0" lvl="0" marL="0" rtl="0" algn="l">
+            <a:endParaRPr dirty="0"/>
+          </a:p>
+          <a:p>
+            <a:pPr marL="0" lvl="0" indent="0" algn="l" rtl="0">
               <a:spcBef>
                 <a:spcPts val="1600"/>
               </a:spcBef>
@@ -8407,13 +8620,13 @@
               <a:buNone/>
             </a:pPr>
             <a:r>
-              <a:rPr lang="en"/>
+              <a:rPr lang="en" dirty="0"/>
               <a:t>exception_list is a comma separated list of all the </a:t>
             </a:r>
-            <a:endParaRPr/>
-          </a:p>
-          <a:p>
-            <a:pPr indent="0" lvl="0" marL="0" rtl="0" algn="l">
+            <a:endParaRPr dirty="0"/>
+          </a:p>
+          <a:p>
+            <a:pPr marL="0" lvl="0" indent="0" algn="l" rtl="0">
               <a:spcBef>
                 <a:spcPts val="1600"/>
               </a:spcBef>
@@ -8428,13 +8641,13 @@
               <a:buNone/>
             </a:pPr>
             <a:r>
-              <a:rPr lang="en"/>
+              <a:rPr lang="en" dirty="0"/>
               <a:t>exceptions which a method might throw.</a:t>
             </a:r>
-            <a:endParaRPr/>
-          </a:p>
-          <a:p>
-            <a:pPr indent="0" lvl="0" marL="0" rtl="0" algn="l">
+            <a:endParaRPr dirty="0"/>
+          </a:p>
+          <a:p>
+            <a:pPr marL="0" lvl="0" indent="0" algn="l" rtl="0">
               <a:spcBef>
                 <a:spcPts val="1600"/>
               </a:spcBef>
@@ -8444,10 +8657,10 @@
               <a:buNone/>
             </a:pPr>
             <a:r>
-              <a:rPr lang="en"/>
+              <a:rPr lang="en" dirty="0"/>
               <a:t>Demo339</a:t>
             </a:r>
-            <a:endParaRPr/>
+            <a:endParaRPr dirty="0"/>
           </a:p>
         </p:txBody>
       </p:sp>
@@ -8488,11 +8701,11 @@
 </file>
 
 <file path=ppt/slides/slide16.xml><?xml version="1.0" encoding="utf-8"?>
-<p:sld xmlns:a="http://schemas.openxmlformats.org/drawingml/2006/main" xmlns:r="http://schemas.openxmlformats.org/officeDocument/2006/relationships" xmlns:mc="http://schemas.openxmlformats.org/markup-compatibility/2006" xmlns:mv="urn:schemas-microsoft-com:mac:vml" xmlns:p="http://schemas.openxmlformats.org/presentationml/2006/main" xmlns:c="http://schemas.openxmlformats.org/drawingml/2006/chart" xmlns:dgm="http://schemas.openxmlformats.org/drawingml/2006/diagram" xmlns:o="urn:schemas-microsoft-com:office:office" xmlns:v="urn:schemas-microsoft-com:vml" xmlns:pvml="urn:schemas-microsoft-com:office:powerpoint" xmlns:com="http://schemas.openxmlformats.org/drawingml/2006/compatibility" xmlns:p14="http://schemas.microsoft.com/office/powerpoint/2010/main" xmlns:p15="http://schemas.microsoft.com/office/powerpoint/2012/main" xmlns:ahyp="http://schemas.microsoft.com/office/drawing/2018/hyperlinkcolor">
+<p:sld xmlns:a="http://schemas.openxmlformats.org/drawingml/2006/main" xmlns:r="http://schemas.openxmlformats.org/officeDocument/2006/relationships" xmlns:p="http://schemas.openxmlformats.org/presentationml/2006/main">
   <p:cSld>
     <p:spTree>
       <p:nvGrpSpPr>
-        <p:cNvPr id="159" name="Shape 159"/>
+        <p:cNvPr id="1" name="Shape 159"/>
         <p:cNvGrpSpPr/>
         <p:nvPr/>
       </p:nvGrpSpPr>
@@ -8507,7 +8720,9 @@
       <p:sp>
         <p:nvSpPr>
           <p:cNvPr id="160" name="Google Shape;160;p28"/>
-          <p:cNvSpPr txBox="1"/>
+          <p:cNvSpPr txBox="1">
+            <a:spLocks noGrp="1"/>
+          </p:cNvSpPr>
           <p:nvPr>
             <p:ph type="title"/>
           </p:nvPr>
@@ -8522,12 +8737,12 @@
           </a:prstGeom>
         </p:spPr>
         <p:txBody>
-          <a:bodyPr anchorCtr="0" anchor="t" bIns="91425" lIns="91425" spcFirstLastPara="1" rIns="91425" wrap="square" tIns="91425">
+          <a:bodyPr spcFirstLastPara="1" wrap="square" lIns="91425" tIns="91425" rIns="91425" bIns="91425" anchor="t" anchorCtr="0">
             <a:noAutofit/>
           </a:bodyPr>
           <a:lstStyle/>
           <a:p>
-            <a:pPr indent="0" lvl="0" marL="0" rtl="0" algn="l">
+            <a:pPr marL="0" lvl="0" indent="0" algn="l" rtl="0">
               <a:spcBef>
                 <a:spcPts val="0"/>
               </a:spcBef>
@@ -8537,7 +8752,7 @@
               <a:buNone/>
             </a:pPr>
             <a:r>
-              <a:rPr b="1" lang="en">
+              <a:rPr lang="en" b="1">
                 <a:solidFill>
                   <a:srgbClr val="0000FF"/>
                 </a:solidFill>
@@ -8560,7 +8775,7 @@
         </p:nvGraphicFramePr>
         <p:xfrm>
           <a:off x="952500" y="1238250"/>
-          <a:ext cx="3000000" cy="3000000"/>
+          <a:ext cx="7239000" cy="3444060"/>
         </p:xfrm>
         <a:graphic>
           <a:graphicData uri="http://schemas.openxmlformats.org/drawingml/2006/table">
@@ -8570,8 +8785,20 @@
                 <a:tableStyleId>{330C88A5-5315-49B3-A761-37341B2EF0BD}</a:tableStyleId>
               </a:tblPr>
               <a:tblGrid>
-                <a:gridCol w="3619500"/>
-                <a:gridCol w="3619500"/>
+                <a:gridCol w="3619500">
+                  <a:extLst>
+                    <a:ext uri="{9D8B030D-6E8A-4147-A177-3AD203B41FA5}">
+                      <a16:colId xmlns:a16="http://schemas.microsoft.com/office/drawing/2014/main" val="20000"/>
+                    </a:ext>
+                  </a:extLst>
+                </a:gridCol>
+                <a:gridCol w="3619500">
+                  <a:extLst>
+                    <a:ext uri="{9D8B030D-6E8A-4147-A177-3AD203B41FA5}">
+                      <a16:colId xmlns:a16="http://schemas.microsoft.com/office/drawing/2014/main" val="20001"/>
+                    </a:ext>
+                  </a:extLst>
+                </a:gridCol>
               </a:tblGrid>
               <a:tr h="381000">
                 <a:tc>
@@ -8579,7 +8806,7 @@
                     <a:bodyPr/>
                     <a:lstStyle/>
                     <a:p>
-                      <a:pPr indent="0" lvl="0" marL="0" rtl="0" algn="ctr">
+                      <a:pPr marL="0" lvl="0" indent="0" algn="ctr" rtl="0">
                         <a:spcBef>
                           <a:spcPts val="0"/>
                         </a:spcBef>
@@ -8589,20 +8816,20 @@
                         <a:buNone/>
                       </a:pPr>
                       <a:r>
-                        <a:rPr b="1" lang="en"/>
+                        <a:rPr lang="en" b="1"/>
                         <a:t>throw</a:t>
                       </a:r>
                       <a:endParaRPr b="1"/>
                     </a:p>
                   </a:txBody>
-                  <a:tcPr marT="91425" marB="91425" marR="91425" marL="91425"/>
+                  <a:tcPr marL="91425" marR="91425" marT="91425" marB="91425"/>
                 </a:tc>
                 <a:tc>
                   <a:txBody>
                     <a:bodyPr/>
                     <a:lstStyle/>
                     <a:p>
-                      <a:pPr indent="0" lvl="0" marL="0" rtl="0" algn="ctr">
+                      <a:pPr marL="0" lvl="0" indent="0" algn="ctr" rtl="0">
                         <a:spcBef>
                           <a:spcPts val="0"/>
                         </a:spcBef>
@@ -8612,14 +8839,19 @@
                         <a:buNone/>
                       </a:pPr>
                       <a:r>
-                        <a:rPr b="1" lang="en"/>
+                        <a:rPr lang="en" b="1"/>
                         <a:t>Throws</a:t>
                       </a:r>
                       <a:endParaRPr b="1"/>
                     </a:p>
                   </a:txBody>
-                  <a:tcPr marT="91425" marB="91425" marR="91425" marL="91425"/>
+                  <a:tcPr marL="91425" marR="91425" marT="91425" marB="91425"/>
                 </a:tc>
+                <a:extLst>
+                  <a:ext uri="{0D108BD9-81ED-4DB2-BD59-A6C34878D82A}">
+                    <a16:rowId xmlns:a16="http://schemas.microsoft.com/office/drawing/2014/main" val="10000"/>
+                  </a:ext>
+                </a:extLst>
               </a:tr>
               <a:tr h="381000">
                 <a:tc>
@@ -8627,7 +8859,7 @@
                     <a:bodyPr/>
                     <a:lstStyle/>
                     <a:p>
-                      <a:pPr indent="0" lvl="0" marL="0" rtl="0" algn="ctr">
+                      <a:pPr marL="0" lvl="0" indent="0" algn="ctr" rtl="0">
                         <a:spcBef>
                           <a:spcPts val="0"/>
                         </a:spcBef>
@@ -8651,14 +8883,14 @@
                       </a:endParaRPr>
                     </a:p>
                   </a:txBody>
-                  <a:tcPr marT="91425" marB="91425" marR="91425" marL="91425"/>
+                  <a:tcPr marL="91425" marR="91425" marT="91425" marB="91425"/>
                 </a:tc>
                 <a:tc>
                   <a:txBody>
                     <a:bodyPr/>
                     <a:lstStyle/>
                     <a:p>
-                      <a:pPr indent="0" lvl="0" marL="0" rtl="0" algn="ctr">
+                      <a:pPr marL="0" lvl="0" indent="0" algn="ctr" rtl="0">
                         <a:spcBef>
                           <a:spcPts val="0"/>
                         </a:spcBef>
@@ -8682,8 +8914,13 @@
                       </a:endParaRPr>
                     </a:p>
                   </a:txBody>
-                  <a:tcPr marT="91425" marB="91425" marR="91425" marL="91425"/>
+                  <a:tcPr marL="91425" marR="91425" marT="91425" marB="91425"/>
                 </a:tc>
+                <a:extLst>
+                  <a:ext uri="{0D108BD9-81ED-4DB2-BD59-A6C34878D82A}">
+                    <a16:rowId xmlns:a16="http://schemas.microsoft.com/office/drawing/2014/main" val="10001"/>
+                  </a:ext>
+                </a:extLst>
               </a:tr>
               <a:tr h="381000">
                 <a:tc>
@@ -8691,7 +8928,7 @@
                     <a:bodyPr/>
                     <a:lstStyle/>
                     <a:p>
-                      <a:pPr indent="0" lvl="0" marL="0" rtl="0" algn="ctr">
+                      <a:pPr marL="0" lvl="0" indent="0" algn="ctr" rtl="0">
                         <a:spcBef>
                           <a:spcPts val="0"/>
                         </a:spcBef>
@@ -8715,14 +8952,14 @@
                       </a:endParaRPr>
                     </a:p>
                   </a:txBody>
-                  <a:tcPr marT="91425" marB="91425" marR="91425" marL="91425"/>
+                  <a:tcPr marL="91425" marR="91425" marT="91425" marB="91425"/>
                 </a:tc>
                 <a:tc>
                   <a:txBody>
                     <a:bodyPr/>
                     <a:lstStyle/>
                     <a:p>
-                      <a:pPr indent="0" lvl="0" marL="0" rtl="0" algn="ctr">
+                      <a:pPr marL="0" lvl="0" indent="0" algn="ctr" rtl="0">
                         <a:spcBef>
                           <a:spcPts val="0"/>
                         </a:spcBef>
@@ -8746,8 +8983,13 @@
                       </a:endParaRPr>
                     </a:p>
                   </a:txBody>
-                  <a:tcPr marT="91425" marB="91425" marR="91425" marL="91425"/>
+                  <a:tcPr marL="91425" marR="91425" marT="91425" marB="91425"/>
                 </a:tc>
+                <a:extLst>
+                  <a:ext uri="{0D108BD9-81ED-4DB2-BD59-A6C34878D82A}">
+                    <a16:rowId xmlns:a16="http://schemas.microsoft.com/office/drawing/2014/main" val="10002"/>
+                  </a:ext>
+                </a:extLst>
               </a:tr>
               <a:tr h="381000">
                 <a:tc>
@@ -8755,7 +8997,7 @@
                     <a:bodyPr/>
                     <a:lstStyle/>
                     <a:p>
-                      <a:pPr indent="0" lvl="0" marL="0" rtl="0" algn="ctr">
+                      <a:pPr marL="0" lvl="0" indent="0" algn="ctr" rtl="0">
                         <a:spcBef>
                           <a:spcPts val="0"/>
                         </a:spcBef>
@@ -8779,14 +9021,14 @@
                       </a:endParaRPr>
                     </a:p>
                   </a:txBody>
-                  <a:tcPr marT="91425" marB="91425" marR="91425" marL="91425"/>
+                  <a:tcPr marL="91425" marR="91425" marT="91425" marB="91425"/>
                 </a:tc>
                 <a:tc>
                   <a:txBody>
                     <a:bodyPr/>
                     <a:lstStyle/>
                     <a:p>
-                      <a:pPr indent="0" lvl="0" marL="0" rtl="0" algn="ctr">
+                      <a:pPr marL="0" lvl="0" indent="0" algn="ctr" rtl="0">
                         <a:spcBef>
                           <a:spcPts val="0"/>
                         </a:spcBef>
@@ -8810,8 +9052,13 @@
                       </a:endParaRPr>
                     </a:p>
                   </a:txBody>
-                  <a:tcPr marT="91425" marB="91425" marR="91425" marL="91425"/>
+                  <a:tcPr marL="91425" marR="91425" marT="91425" marB="91425"/>
                 </a:tc>
+                <a:extLst>
+                  <a:ext uri="{0D108BD9-81ED-4DB2-BD59-A6C34878D82A}">
+                    <a16:rowId xmlns:a16="http://schemas.microsoft.com/office/drawing/2014/main" val="10003"/>
+                  </a:ext>
+                </a:extLst>
               </a:tr>
               <a:tr h="381000">
                 <a:tc>
@@ -8819,7 +9066,7 @@
                     <a:bodyPr/>
                     <a:lstStyle/>
                     <a:p>
-                      <a:pPr indent="0" lvl="0" marL="0" rtl="0" algn="ctr">
+                      <a:pPr marL="0" lvl="0" indent="0" algn="ctr" rtl="0">
                         <a:spcBef>
                           <a:spcPts val="0"/>
                         </a:spcBef>
@@ -8843,14 +9090,14 @@
                       </a:endParaRPr>
                     </a:p>
                   </a:txBody>
-                  <a:tcPr marT="91425" marB="91425" marR="91425" marL="91425"/>
+                  <a:tcPr marL="91425" marR="91425" marT="91425" marB="91425"/>
                 </a:tc>
                 <a:tc>
                   <a:txBody>
                     <a:bodyPr/>
                     <a:lstStyle/>
                     <a:p>
-                      <a:pPr indent="0" lvl="0" marL="0" rtl="0" algn="ctr">
+                      <a:pPr marL="0" lvl="0" indent="0" algn="ctr" rtl="0">
                         <a:spcBef>
                           <a:spcPts val="0"/>
                         </a:spcBef>
@@ -8874,8 +9121,13 @@
                       </a:endParaRPr>
                     </a:p>
                   </a:txBody>
-                  <a:tcPr marT="91425" marB="91425" marR="91425" marL="91425"/>
+                  <a:tcPr marL="91425" marR="91425" marT="91425" marB="91425"/>
                 </a:tc>
+                <a:extLst>
+                  <a:ext uri="{0D108BD9-81ED-4DB2-BD59-A6C34878D82A}">
+                    <a16:rowId xmlns:a16="http://schemas.microsoft.com/office/drawing/2014/main" val="10004"/>
+                  </a:ext>
+                </a:extLst>
               </a:tr>
               <a:tr h="381000">
                 <a:tc>
@@ -8883,7 +9135,7 @@
                     <a:bodyPr/>
                     <a:lstStyle/>
                     <a:p>
-                      <a:pPr indent="0" lvl="0" marL="0" rtl="0" algn="ctr">
+                      <a:pPr marL="0" lvl="0" indent="0" algn="ctr" rtl="0">
                         <a:spcBef>
                           <a:spcPts val="0"/>
                         </a:spcBef>
@@ -8907,14 +9159,14 @@
                       </a:endParaRPr>
                     </a:p>
                   </a:txBody>
-                  <a:tcPr marT="91425" marB="91425" marR="91425" marL="91425"/>
+                  <a:tcPr marL="91425" marR="91425" marT="91425" marB="91425"/>
                 </a:tc>
                 <a:tc>
                   <a:txBody>
                     <a:bodyPr/>
                     <a:lstStyle/>
                     <a:p>
-                      <a:pPr indent="0" lvl="0" marL="0" rtl="0" algn="ctr">
+                      <a:pPr marL="0" lvl="0" indent="0" algn="ctr" rtl="0">
                         <a:spcBef>
                           <a:spcPts val="0"/>
                         </a:spcBef>
@@ -8943,7 +9195,7 @@
                       </a:endParaRPr>
                     </a:p>
                     <a:p>
-                      <a:pPr indent="0" lvl="0" marL="0" rtl="0" algn="ctr">
+                      <a:pPr marL="0" lvl="0" indent="0" algn="ctr" rtl="0">
                         <a:spcBef>
                           <a:spcPts val="0"/>
                         </a:spcBef>
@@ -8972,7 +9224,7 @@
                       </a:endParaRPr>
                     </a:p>
                     <a:p>
-                      <a:pPr indent="0" lvl="0" marL="0" rtl="0" algn="ctr">
+                      <a:pPr marL="0" lvl="0" indent="0" algn="ctr" rtl="0">
                         <a:spcBef>
                           <a:spcPts val="0"/>
                         </a:spcBef>
@@ -8981,9 +9233,6 @@
                         </a:spcAft>
                         <a:buNone/>
                       </a:pPr>
-                      <a:r>
-                        <a:t/>
-                      </a:r>
                       <a:endParaRPr>
                         <a:solidFill>
                           <a:srgbClr val="434343"/>
@@ -8991,8 +9240,13 @@
                       </a:endParaRPr>
                     </a:p>
                   </a:txBody>
-                  <a:tcPr marT="91425" marB="91425" marR="91425" marL="91425"/>
+                  <a:tcPr marL="91425" marR="91425" marT="91425" marB="91425"/>
                 </a:tc>
+                <a:extLst>
+                  <a:ext uri="{0D108BD9-81ED-4DB2-BD59-A6C34878D82A}">
+                    <a16:rowId xmlns:a16="http://schemas.microsoft.com/office/drawing/2014/main" val="10005"/>
+                  </a:ext>
+                </a:extLst>
               </a:tr>
             </a:tbl>
           </a:graphicData>
@@ -9035,11 +9289,11 @@
 </file>
 
 <file path=ppt/slides/slide17.xml><?xml version="1.0" encoding="utf-8"?>
-<p:sld xmlns:a="http://schemas.openxmlformats.org/drawingml/2006/main" xmlns:r="http://schemas.openxmlformats.org/officeDocument/2006/relationships" xmlns:mc="http://schemas.openxmlformats.org/markup-compatibility/2006" xmlns:mv="urn:schemas-microsoft-com:mac:vml" xmlns:p="http://schemas.openxmlformats.org/presentationml/2006/main" xmlns:c="http://schemas.openxmlformats.org/drawingml/2006/chart" xmlns:dgm="http://schemas.openxmlformats.org/drawingml/2006/diagram" xmlns:o="urn:schemas-microsoft-com:office:office" xmlns:v="urn:schemas-microsoft-com:vml" xmlns:pvml="urn:schemas-microsoft-com:office:powerpoint" xmlns:com="http://schemas.openxmlformats.org/drawingml/2006/compatibility" xmlns:p14="http://schemas.microsoft.com/office/powerpoint/2010/main" xmlns:p15="http://schemas.microsoft.com/office/powerpoint/2012/main" xmlns:ahyp="http://schemas.microsoft.com/office/drawing/2018/hyperlinkcolor">
+<p:sld xmlns:a="http://schemas.openxmlformats.org/drawingml/2006/main" xmlns:r="http://schemas.openxmlformats.org/officeDocument/2006/relationships" xmlns:p="http://schemas.openxmlformats.org/presentationml/2006/main">
   <p:cSld>
     <p:spTree>
       <p:nvGrpSpPr>
-        <p:cNvPr id="166" name="Shape 166"/>
+        <p:cNvPr id="1" name="Shape 166"/>
         <p:cNvGrpSpPr/>
         <p:nvPr/>
       </p:nvGrpSpPr>
@@ -9054,7 +9308,9 @@
       <p:sp>
         <p:nvSpPr>
           <p:cNvPr id="167" name="Google Shape;167;p29"/>
-          <p:cNvSpPr txBox="1"/>
+          <p:cNvSpPr txBox="1">
+            <a:spLocks noGrp="1"/>
+          </p:cNvSpPr>
           <p:nvPr>
             <p:ph type="title"/>
           </p:nvPr>
@@ -9069,12 +9325,12 @@
           </a:prstGeom>
         </p:spPr>
         <p:txBody>
-          <a:bodyPr anchorCtr="0" anchor="ctr" bIns="91425" lIns="91425" spcFirstLastPara="1" rIns="91425" wrap="square" tIns="91425">
+          <a:bodyPr spcFirstLastPara="1" wrap="square" lIns="91425" tIns="91425" rIns="91425" bIns="91425" anchor="ctr" anchorCtr="0">
             <a:noAutofit/>
           </a:bodyPr>
           <a:lstStyle/>
           <a:p>
-            <a:pPr indent="0" lvl="0" marL="0" rtl="0" algn="ctr">
+            <a:pPr marL="0" lvl="0" indent="0" algn="ctr" rtl="0">
               <a:spcBef>
                 <a:spcPts val="0"/>
               </a:spcBef>
@@ -9084,7 +9340,7 @@
               <a:buNone/>
             </a:pPr>
             <a:r>
-              <a:rPr b="1" lang="en">
+              <a:rPr lang="en" b="1">
                 <a:solidFill>
                   <a:srgbClr val="0000FF"/>
                 </a:solidFill>
@@ -9098,7 +9354,7 @@
             </a:endParaRPr>
           </a:p>
           <a:p>
-            <a:pPr indent="0" lvl="0" marL="0" rtl="0" algn="ctr">
+            <a:pPr marL="0" lvl="0" indent="0" algn="ctr" rtl="0">
               <a:spcBef>
                 <a:spcPts val="0"/>
               </a:spcBef>
@@ -9108,7 +9364,7 @@
               <a:buNone/>
             </a:pPr>
             <a:r>
-              <a:rPr b="1" lang="en">
+              <a:rPr lang="en" b="1">
                 <a:solidFill>
                   <a:srgbClr val="0000FF"/>
                 </a:solidFill>
@@ -9160,11 +9416,11 @@
 </file>
 
 <file path=ppt/slides/slide2.xml><?xml version="1.0" encoding="utf-8"?>
-<p:sld xmlns:a="http://schemas.openxmlformats.org/drawingml/2006/main" xmlns:r="http://schemas.openxmlformats.org/officeDocument/2006/relationships" xmlns:mc="http://schemas.openxmlformats.org/markup-compatibility/2006" xmlns:mv="urn:schemas-microsoft-com:mac:vml" xmlns:p="http://schemas.openxmlformats.org/presentationml/2006/main" xmlns:c="http://schemas.openxmlformats.org/drawingml/2006/chart" xmlns:dgm="http://schemas.openxmlformats.org/drawingml/2006/diagram" xmlns:o="urn:schemas-microsoft-com:office:office" xmlns:v="urn:schemas-microsoft-com:vml" xmlns:pvml="urn:schemas-microsoft-com:office:powerpoint" xmlns:com="http://schemas.openxmlformats.org/drawingml/2006/compatibility" xmlns:p14="http://schemas.microsoft.com/office/powerpoint/2010/main" xmlns:p15="http://schemas.microsoft.com/office/powerpoint/2012/main" xmlns:ahyp="http://schemas.microsoft.com/office/drawing/2018/hyperlinkcolor">
+<p:sld xmlns:a="http://schemas.openxmlformats.org/drawingml/2006/main" xmlns:r="http://schemas.openxmlformats.org/officeDocument/2006/relationships" xmlns:p="http://schemas.openxmlformats.org/presentationml/2006/main">
   <p:cSld>
     <p:spTree>
       <p:nvGrpSpPr>
-        <p:cNvPr id="60" name="Shape 60"/>
+        <p:cNvPr id="1" name="Shape 60"/>
         <p:cNvGrpSpPr/>
         <p:nvPr/>
       </p:nvGrpSpPr>
@@ -9179,7 +9435,9 @@
       <p:sp>
         <p:nvSpPr>
           <p:cNvPr id="61" name="Google Shape;61;p14"/>
-          <p:cNvSpPr txBox="1"/>
+          <p:cNvSpPr txBox="1">
+            <a:spLocks noGrp="1"/>
+          </p:cNvSpPr>
           <p:nvPr>
             <p:ph type="title"/>
           </p:nvPr>
@@ -9194,12 +9452,12 @@
           </a:prstGeom>
         </p:spPr>
         <p:txBody>
-          <a:bodyPr anchorCtr="0" anchor="t" bIns="91425" lIns="91425" spcFirstLastPara="1" rIns="91425" wrap="square" tIns="91425">
+          <a:bodyPr spcFirstLastPara="1" wrap="square" lIns="91425" tIns="91425" rIns="91425" bIns="91425" anchor="t" anchorCtr="0">
             <a:noAutofit/>
           </a:bodyPr>
           <a:lstStyle/>
           <a:p>
-            <a:pPr indent="0" lvl="0" marL="0" rtl="0" algn="l">
+            <a:pPr marL="0" lvl="0" indent="0" algn="l" rtl="0">
               <a:spcBef>
                 <a:spcPts val="0"/>
               </a:spcBef>
@@ -9209,14 +9467,14 @@
               <a:buNone/>
             </a:pPr>
             <a:r>
-              <a:rPr b="1" lang="en" sz="3200">
+              <a:rPr lang="en" sz="3200" b="1">
                 <a:solidFill>
                   <a:srgbClr val="0000FF"/>
                 </a:solidFill>
               </a:rPr>
               <a:t>Contents : </a:t>
             </a:r>
-            <a:endParaRPr b="1" sz="3200">
+            <a:endParaRPr sz="3200" b="1">
               <a:solidFill>
                 <a:srgbClr val="0000FF"/>
               </a:solidFill>
@@ -9227,9 +9485,11 @@
       <p:sp>
         <p:nvSpPr>
           <p:cNvPr id="62" name="Google Shape;62;p14"/>
-          <p:cNvSpPr txBox="1"/>
+          <p:cNvSpPr txBox="1">
+            <a:spLocks noGrp="1"/>
+          </p:cNvSpPr>
           <p:nvPr>
-            <p:ph idx="1" type="body"/>
+            <p:ph type="body" idx="1"/>
           </p:nvPr>
         </p:nvSpPr>
         <p:spPr>
@@ -9242,12 +9502,12 @@
           </a:prstGeom>
         </p:spPr>
         <p:txBody>
-          <a:bodyPr anchorCtr="0" anchor="t" bIns="91425" lIns="91425" spcFirstLastPara="1" rIns="91425" wrap="square" tIns="91425">
+          <a:bodyPr spcFirstLastPara="1" wrap="square" lIns="91425" tIns="91425" rIns="91425" bIns="91425" anchor="t" anchorCtr="0">
             <a:noAutofit/>
           </a:bodyPr>
           <a:lstStyle/>
           <a:p>
-            <a:pPr indent="-406400" lvl="0" marL="457200" rtl="0" algn="l">
+            <a:pPr marL="457200" lvl="0" indent="-406400" algn="l" rtl="0">
               <a:spcBef>
                 <a:spcPts val="0"/>
               </a:spcBef>
@@ -9302,11 +9562,11 @@
 </file>
 
 <file path=ppt/slides/slide3.xml><?xml version="1.0" encoding="utf-8"?>
-<p:sld xmlns:a="http://schemas.openxmlformats.org/drawingml/2006/main" xmlns:r="http://schemas.openxmlformats.org/officeDocument/2006/relationships" xmlns:mc="http://schemas.openxmlformats.org/markup-compatibility/2006" xmlns:mv="urn:schemas-microsoft-com:mac:vml" xmlns:p="http://schemas.openxmlformats.org/presentationml/2006/main" xmlns:c="http://schemas.openxmlformats.org/drawingml/2006/chart" xmlns:dgm="http://schemas.openxmlformats.org/drawingml/2006/diagram" xmlns:o="urn:schemas-microsoft-com:office:office" xmlns:v="urn:schemas-microsoft-com:vml" xmlns:pvml="urn:schemas-microsoft-com:office:powerpoint" xmlns:com="http://schemas.openxmlformats.org/drawingml/2006/compatibility" xmlns:p14="http://schemas.microsoft.com/office/powerpoint/2010/main" xmlns:p15="http://schemas.microsoft.com/office/powerpoint/2012/main" xmlns:ahyp="http://schemas.microsoft.com/office/drawing/2018/hyperlinkcolor">
+<p:sld xmlns:a="http://schemas.openxmlformats.org/drawingml/2006/main" xmlns:r="http://schemas.openxmlformats.org/officeDocument/2006/relationships" xmlns:p="http://schemas.openxmlformats.org/presentationml/2006/main">
   <p:cSld>
     <p:spTree>
       <p:nvGrpSpPr>
-        <p:cNvPr id="67" name="Shape 67"/>
+        <p:cNvPr id="1" name="Shape 67"/>
         <p:cNvGrpSpPr/>
         <p:nvPr/>
       </p:nvGrpSpPr>
@@ -9321,7 +9581,9 @@
       <p:sp>
         <p:nvSpPr>
           <p:cNvPr id="68" name="Google Shape;68;p15"/>
-          <p:cNvSpPr txBox="1"/>
+          <p:cNvSpPr txBox="1">
+            <a:spLocks noGrp="1"/>
+          </p:cNvSpPr>
           <p:nvPr>
             <p:ph type="title"/>
           </p:nvPr>
@@ -9336,12 +9598,12 @@
           </a:prstGeom>
         </p:spPr>
         <p:txBody>
-          <a:bodyPr anchorCtr="0" anchor="t" bIns="91425" lIns="91425" spcFirstLastPara="1" rIns="91425" wrap="square" tIns="91425">
+          <a:bodyPr spcFirstLastPara="1" wrap="square" lIns="91425" tIns="91425" rIns="91425" bIns="91425" anchor="t" anchorCtr="0">
             <a:noAutofit/>
           </a:bodyPr>
           <a:lstStyle/>
           <a:p>
-            <a:pPr indent="0" lvl="0" marL="0" rtl="0" algn="l">
+            <a:pPr marL="0" lvl="0" indent="0" algn="l" rtl="0">
               <a:spcBef>
                 <a:spcPts val="0"/>
               </a:spcBef>
@@ -9351,7 +9613,7 @@
               <a:buNone/>
             </a:pPr>
             <a:r>
-              <a:rPr b="1" lang="en">
+              <a:rPr lang="en" b="1">
                 <a:solidFill>
                   <a:srgbClr val="0000FF"/>
                 </a:solidFill>
@@ -9369,9 +9631,11 @@
       <p:sp>
         <p:nvSpPr>
           <p:cNvPr id="69" name="Google Shape;69;p15"/>
-          <p:cNvSpPr txBox="1"/>
+          <p:cNvSpPr txBox="1">
+            <a:spLocks noGrp="1"/>
+          </p:cNvSpPr>
           <p:nvPr>
-            <p:ph idx="1" type="body"/>
+            <p:ph type="body" idx="1"/>
           </p:nvPr>
         </p:nvSpPr>
         <p:spPr>
@@ -9384,12 +9648,12 @@
           </a:prstGeom>
         </p:spPr>
         <p:txBody>
-          <a:bodyPr anchorCtr="0" anchor="t" bIns="91425" lIns="91425" spcFirstLastPara="1" rIns="91425" wrap="square" tIns="91425">
+          <a:bodyPr spcFirstLastPara="1" wrap="square" lIns="91425" tIns="91425" rIns="91425" bIns="91425" anchor="t" anchorCtr="0">
             <a:noAutofit/>
           </a:bodyPr>
           <a:lstStyle/>
           <a:p>
-            <a:pPr indent="-342900" lvl="0" marL="457200" rtl="0" algn="l">
+            <a:pPr marL="457200" lvl="0" indent="-342900" algn="l" rtl="0">
               <a:spcBef>
                 <a:spcPts val="0"/>
               </a:spcBef>
@@ -9406,7 +9670,7 @@
             <a:endParaRPr/>
           </a:p>
           <a:p>
-            <a:pPr indent="-342900" lvl="0" marL="457200" rtl="0" algn="l">
+            <a:pPr marL="457200" lvl="0" indent="-342900" algn="l" rtl="0">
               <a:spcBef>
                 <a:spcPts val="0"/>
               </a:spcBef>
@@ -9423,7 +9687,7 @@
             <a:endParaRPr/>
           </a:p>
           <a:p>
-            <a:pPr indent="-342900" lvl="0" marL="457200" rtl="0" algn="l">
+            <a:pPr marL="457200" lvl="0" indent="-342900" algn="l" rtl="0">
               <a:spcBef>
                 <a:spcPts val="0"/>
               </a:spcBef>
@@ -9435,20 +9699,12 @@
             </a:pPr>
             <a:r>
               <a:rPr lang="en"/>
-              <a:t>Misspelling of </a:t>
-            </a:r>
-            <a:r>
-              <a:rPr lang="en"/>
-              <a:t>identifiers</a:t>
-            </a:r>
-            <a:r>
-              <a:rPr lang="en"/>
-              <a:t> or keyword</a:t>
+              <a:t>Misspelling of identifiers or keyword</a:t>
             </a:r>
             <a:endParaRPr/>
           </a:p>
           <a:p>
-            <a:pPr indent="-342900" lvl="0" marL="457200" rtl="0" algn="l">
+            <a:pPr marL="457200" lvl="0" indent="-342900" algn="l" rtl="0">
               <a:spcBef>
                 <a:spcPts val="0"/>
               </a:spcBef>
@@ -9465,7 +9721,7 @@
             <a:endParaRPr/>
           </a:p>
           <a:p>
-            <a:pPr indent="-342900" lvl="0" marL="457200" rtl="0" algn="l">
+            <a:pPr marL="457200" lvl="0" indent="-342900" algn="l" rtl="0">
               <a:spcBef>
                 <a:spcPts val="0"/>
               </a:spcBef>
@@ -9477,16 +9733,12 @@
             </a:pPr>
             <a:r>
               <a:rPr lang="en"/>
-              <a:t>Use of undeclared </a:t>
-            </a:r>
-            <a:r>
-              <a:rPr lang="en"/>
-              <a:t>variables</a:t>
+              <a:t>Use of undeclared variables</a:t>
             </a:r>
             <a:endParaRPr/>
           </a:p>
           <a:p>
-            <a:pPr indent="-342900" lvl="0" marL="457200" rtl="0" algn="l">
+            <a:pPr marL="457200" lvl="0" indent="-342900" algn="l" rtl="0">
               <a:spcBef>
                 <a:spcPts val="0"/>
               </a:spcBef>
@@ -9498,24 +9750,12 @@
             </a:pPr>
             <a:r>
               <a:rPr lang="en"/>
-              <a:t>Incomplete types in </a:t>
-            </a:r>
-            <a:r>
-              <a:rPr lang="en"/>
-              <a:t>assignment</a:t>
-            </a:r>
-            <a:r>
-              <a:rPr lang="en"/>
-              <a:t>/ </a:t>
-            </a:r>
-            <a:r>
-              <a:rPr lang="en"/>
-              <a:t>initialization</a:t>
+              <a:t>Incomplete types in assignment/ initialization</a:t>
             </a:r>
             <a:endParaRPr/>
           </a:p>
           <a:p>
-            <a:pPr indent="-342900" lvl="0" marL="457200" rtl="0" algn="l">
+            <a:pPr marL="457200" lvl="0" indent="-342900" algn="l" rtl="0">
               <a:spcBef>
                 <a:spcPts val="0"/>
               </a:spcBef>
@@ -9532,7 +9772,7 @@
             <a:endParaRPr/>
           </a:p>
           <a:p>
-            <a:pPr indent="0" lvl="0" marL="457200" rtl="0" algn="l">
+            <a:pPr marL="457200" lvl="0" indent="0" algn="l" rtl="0">
               <a:spcBef>
                 <a:spcPts val="1600"/>
               </a:spcBef>
@@ -9586,11 +9826,11 @@
 </file>
 
 <file path=ppt/slides/slide4.xml><?xml version="1.0" encoding="utf-8"?>
-<p:sld xmlns:a="http://schemas.openxmlformats.org/drawingml/2006/main" xmlns:r="http://schemas.openxmlformats.org/officeDocument/2006/relationships" xmlns:mc="http://schemas.openxmlformats.org/markup-compatibility/2006" xmlns:mv="urn:schemas-microsoft-com:mac:vml" xmlns:p="http://schemas.openxmlformats.org/presentationml/2006/main" xmlns:c="http://schemas.openxmlformats.org/drawingml/2006/chart" xmlns:dgm="http://schemas.openxmlformats.org/drawingml/2006/diagram" xmlns:o="urn:schemas-microsoft-com:office:office" xmlns:v="urn:schemas-microsoft-com:vml" xmlns:pvml="urn:schemas-microsoft-com:office:powerpoint" xmlns:com="http://schemas.openxmlformats.org/drawingml/2006/compatibility" xmlns:p14="http://schemas.microsoft.com/office/powerpoint/2010/main" xmlns:p15="http://schemas.microsoft.com/office/powerpoint/2012/main" xmlns:ahyp="http://schemas.microsoft.com/office/drawing/2018/hyperlinkcolor">
+<p:sld xmlns:a="http://schemas.openxmlformats.org/drawingml/2006/main" xmlns:r="http://schemas.openxmlformats.org/officeDocument/2006/relationships" xmlns:p="http://schemas.openxmlformats.org/presentationml/2006/main">
   <p:cSld>
     <p:spTree>
       <p:nvGrpSpPr>
-        <p:cNvPr id="74" name="Shape 74"/>
+        <p:cNvPr id="1" name="Shape 74"/>
         <p:cNvGrpSpPr/>
         <p:nvPr/>
       </p:nvGrpSpPr>
@@ -9605,7 +9845,9 @@
       <p:sp>
         <p:nvSpPr>
           <p:cNvPr id="75" name="Google Shape;75;p16"/>
-          <p:cNvSpPr txBox="1"/>
+          <p:cNvSpPr txBox="1">
+            <a:spLocks noGrp="1"/>
+          </p:cNvSpPr>
           <p:nvPr>
             <p:ph type="title"/>
           </p:nvPr>
@@ -9620,12 +9862,12 @@
           </a:prstGeom>
         </p:spPr>
         <p:txBody>
-          <a:bodyPr anchorCtr="0" anchor="t" bIns="91425" lIns="91425" spcFirstLastPara="1" rIns="91425" wrap="square" tIns="91425">
+          <a:bodyPr spcFirstLastPara="1" wrap="square" lIns="91425" tIns="91425" rIns="91425" bIns="91425" anchor="t" anchorCtr="0">
             <a:noAutofit/>
           </a:bodyPr>
           <a:lstStyle/>
           <a:p>
-            <a:pPr indent="0" lvl="0" marL="0" rtl="0" algn="l">
+            <a:pPr marL="0" lvl="0" indent="0" algn="l" rtl="0">
               <a:spcBef>
                 <a:spcPts val="0"/>
               </a:spcBef>
@@ -9635,7 +9877,7 @@
               <a:buNone/>
             </a:pPr>
             <a:r>
-              <a:rPr b="1" lang="en">
+              <a:rPr lang="en" b="1">
                 <a:solidFill>
                   <a:srgbClr val="0000FF"/>
                 </a:solidFill>
@@ -9653,9 +9895,11 @@
       <p:sp>
         <p:nvSpPr>
           <p:cNvPr id="76" name="Google Shape;76;p16"/>
-          <p:cNvSpPr txBox="1"/>
+          <p:cNvSpPr txBox="1">
+            <a:spLocks noGrp="1"/>
+          </p:cNvSpPr>
           <p:nvPr>
-            <p:ph idx="1" type="body"/>
+            <p:ph type="body" idx="1"/>
           </p:nvPr>
         </p:nvSpPr>
         <p:spPr>
@@ -9668,12 +9912,12 @@
           </a:prstGeom>
         </p:spPr>
         <p:txBody>
-          <a:bodyPr anchorCtr="0" anchor="t" bIns="91425" lIns="91425" spcFirstLastPara="1" rIns="91425" wrap="square" tIns="91425">
+          <a:bodyPr spcFirstLastPara="1" wrap="square" lIns="91425" tIns="91425" rIns="91425" bIns="91425" anchor="t" anchorCtr="0">
             <a:noAutofit/>
           </a:bodyPr>
           <a:lstStyle/>
           <a:p>
-            <a:pPr indent="-342900" lvl="0" marL="457200" rtl="0" algn="l">
+            <a:pPr marL="457200" lvl="0" indent="-342900" algn="l" rtl="0">
               <a:spcBef>
                 <a:spcPts val="0"/>
               </a:spcBef>
@@ -9690,7 +9934,7 @@
             <a:endParaRPr/>
           </a:p>
           <a:p>
-            <a:pPr indent="-342900" lvl="0" marL="457200" rtl="0" algn="l">
+            <a:pPr marL="457200" lvl="0" indent="-342900" algn="l" rtl="0">
               <a:spcBef>
                 <a:spcPts val="0"/>
               </a:spcBef>
@@ -9707,7 +9951,7 @@
             <a:endParaRPr/>
           </a:p>
           <a:p>
-            <a:pPr indent="-342900" lvl="0" marL="457200" rtl="0" algn="l">
+            <a:pPr marL="457200" lvl="0" indent="-342900" algn="l" rtl="0">
               <a:spcBef>
                 <a:spcPts val="0"/>
               </a:spcBef>
@@ -9724,7 +9968,7 @@
             <a:endParaRPr/>
           </a:p>
           <a:p>
-            <a:pPr indent="-342900" lvl="0" marL="457200" rtl="0" algn="l">
+            <a:pPr marL="457200" lvl="0" indent="-342900" algn="l" rtl="0">
               <a:spcBef>
                 <a:spcPts val="0"/>
               </a:spcBef>
@@ -9741,7 +9985,7 @@
             <a:endParaRPr/>
           </a:p>
           <a:p>
-            <a:pPr indent="-342900" lvl="0" marL="457200" rtl="0" algn="l">
+            <a:pPr marL="457200" lvl="0" indent="-342900" algn="l" rtl="0">
               <a:spcBef>
                 <a:spcPts val="0"/>
               </a:spcBef>
@@ -9758,7 +10002,7 @@
             <a:endParaRPr/>
           </a:p>
           <a:p>
-            <a:pPr indent="-342900" lvl="0" marL="457200" rtl="0" algn="l">
+            <a:pPr marL="457200" lvl="0" indent="-342900" algn="l" rtl="0">
               <a:spcBef>
                 <a:spcPts val="0"/>
               </a:spcBef>
@@ -9775,7 +10019,7 @@
             <a:endParaRPr/>
           </a:p>
           <a:p>
-            <a:pPr indent="-342900" lvl="0" marL="457200" rtl="0" algn="l">
+            <a:pPr marL="457200" lvl="0" indent="-342900" algn="l" rtl="0">
               <a:spcBef>
                 <a:spcPts val="0"/>
               </a:spcBef>
@@ -9787,16 +10031,12 @@
             </a:pPr>
             <a:r>
               <a:rPr lang="en"/>
-              <a:t>Attempting</a:t>
-            </a:r>
-            <a:r>
-              <a:rPr lang="en"/>
-              <a:t> use a negative size for an array</a:t>
+              <a:t>Attempting use a negative size for an array</a:t>
             </a:r>
             <a:endParaRPr/>
           </a:p>
           <a:p>
-            <a:pPr indent="-342900" lvl="0" marL="457200" rtl="0" algn="l">
+            <a:pPr marL="457200" lvl="0" indent="-342900" algn="l" rtl="0">
               <a:spcBef>
                 <a:spcPts val="0"/>
               </a:spcBef>
@@ -9813,7 +10053,7 @@
             <a:endParaRPr/>
           </a:p>
           <a:p>
-            <a:pPr indent="-342900" lvl="0" marL="457200" rtl="0" algn="l">
+            <a:pPr marL="457200" lvl="0" indent="-342900" algn="l" rtl="0">
               <a:spcBef>
                 <a:spcPts val="0"/>
               </a:spcBef>
@@ -9830,7 +10070,7 @@
             <a:endParaRPr/>
           </a:p>
           <a:p>
-            <a:pPr indent="-342900" lvl="0" marL="457200" rtl="0" algn="l">
+            <a:pPr marL="457200" lvl="0" indent="-342900" algn="l" rtl="0">
               <a:spcBef>
                 <a:spcPts val="0"/>
               </a:spcBef>
@@ -9885,11 +10125,11 @@
 </file>
 
 <file path=ppt/slides/slide5.xml><?xml version="1.0" encoding="utf-8"?>
-<p:sld xmlns:a="http://schemas.openxmlformats.org/drawingml/2006/main" xmlns:r="http://schemas.openxmlformats.org/officeDocument/2006/relationships" xmlns:mc="http://schemas.openxmlformats.org/markup-compatibility/2006" xmlns:mv="urn:schemas-microsoft-com:mac:vml" xmlns:p="http://schemas.openxmlformats.org/presentationml/2006/main" xmlns:c="http://schemas.openxmlformats.org/drawingml/2006/chart" xmlns:dgm="http://schemas.openxmlformats.org/drawingml/2006/diagram" xmlns:o="urn:schemas-microsoft-com:office:office" xmlns:v="urn:schemas-microsoft-com:vml" xmlns:pvml="urn:schemas-microsoft-com:office:powerpoint" xmlns:com="http://schemas.openxmlformats.org/drawingml/2006/compatibility" xmlns:p14="http://schemas.microsoft.com/office/powerpoint/2010/main" xmlns:p15="http://schemas.microsoft.com/office/powerpoint/2012/main" xmlns:ahyp="http://schemas.microsoft.com/office/drawing/2018/hyperlinkcolor">
+<p:sld xmlns:a="http://schemas.openxmlformats.org/drawingml/2006/main" xmlns:r="http://schemas.openxmlformats.org/officeDocument/2006/relationships" xmlns:p="http://schemas.openxmlformats.org/presentationml/2006/main">
   <p:cSld>
     <p:spTree>
       <p:nvGrpSpPr>
-        <p:cNvPr id="81" name="Shape 81"/>
+        <p:cNvPr id="1" name="Shape 81"/>
         <p:cNvGrpSpPr/>
         <p:nvPr/>
       </p:nvGrpSpPr>
@@ -9904,7 +10144,9 @@
       <p:sp>
         <p:nvSpPr>
           <p:cNvPr id="82" name="Google Shape;82;p17"/>
-          <p:cNvSpPr txBox="1"/>
+          <p:cNvSpPr txBox="1">
+            <a:spLocks noGrp="1"/>
+          </p:cNvSpPr>
           <p:nvPr>
             <p:ph type="title"/>
           </p:nvPr>
@@ -9919,12 +10161,12 @@
           </a:prstGeom>
         </p:spPr>
         <p:txBody>
-          <a:bodyPr anchorCtr="0" anchor="t" bIns="91425" lIns="91425" spcFirstLastPara="1" rIns="91425" wrap="square" tIns="91425">
+          <a:bodyPr spcFirstLastPara="1" wrap="square" lIns="91425" tIns="91425" rIns="91425" bIns="91425" anchor="t" anchorCtr="0">
             <a:noAutofit/>
           </a:bodyPr>
           <a:lstStyle/>
           <a:p>
-            <a:pPr indent="0" lvl="0" marL="0" rtl="0" algn="l">
+            <a:pPr marL="0" lvl="0" indent="0" algn="l" rtl="0">
               <a:spcBef>
                 <a:spcPts val="0"/>
               </a:spcBef>
@@ -9939,7 +10181,7 @@
               <a:buNone/>
             </a:pPr>
             <a:r>
-              <a:rPr b="1" lang="en">
+              <a:rPr lang="en" b="1">
                 <a:solidFill>
                   <a:srgbClr val="0000FF"/>
                 </a:solidFill>
@@ -9953,9 +10195,11 @@
       <p:sp>
         <p:nvSpPr>
           <p:cNvPr id="83" name="Google Shape;83;p17"/>
-          <p:cNvSpPr txBox="1"/>
+          <p:cNvSpPr txBox="1">
+            <a:spLocks noGrp="1"/>
+          </p:cNvSpPr>
           <p:nvPr>
-            <p:ph idx="1" type="body"/>
+            <p:ph type="body" idx="1"/>
           </p:nvPr>
         </p:nvSpPr>
         <p:spPr>
@@ -9968,12 +10212,12 @@
           </a:prstGeom>
         </p:spPr>
         <p:txBody>
-          <a:bodyPr anchorCtr="0" anchor="t" bIns="91425" lIns="91425" spcFirstLastPara="1" rIns="91425" wrap="square" tIns="91425">
+          <a:bodyPr spcFirstLastPara="1" wrap="square" lIns="91425" tIns="91425" rIns="91425" bIns="91425" anchor="t" anchorCtr="0">
             <a:noAutofit/>
           </a:bodyPr>
           <a:lstStyle/>
           <a:p>
-            <a:pPr indent="-342900" lvl="0" marL="457200" rtl="0" algn="l">
+            <a:pPr marL="457200" lvl="0" indent="-342900" algn="l" rtl="0">
               <a:spcBef>
                 <a:spcPts val="0"/>
               </a:spcBef>
@@ -9990,7 +10234,7 @@
             <a:endParaRPr/>
           </a:p>
           <a:p>
-            <a:pPr indent="0" lvl="0" marL="457200" rtl="0" algn="l">
+            <a:pPr marL="457200" lvl="0" indent="0" algn="l" rtl="0">
               <a:spcBef>
                 <a:spcPts val="1600"/>
               </a:spcBef>
@@ -10006,7 +10250,7 @@
             <a:endParaRPr/>
           </a:p>
           <a:p>
-            <a:pPr indent="0" lvl="0" marL="457200" rtl="0" algn="l">
+            <a:pPr marL="457200" lvl="0" indent="0" algn="l" rtl="0">
               <a:spcBef>
                 <a:spcPts val="1600"/>
               </a:spcBef>
@@ -10022,7 +10266,7 @@
             <a:endParaRPr/>
           </a:p>
           <a:p>
-            <a:pPr indent="0" lvl="0" marL="457200" rtl="0" algn="l">
+            <a:pPr marL="457200" lvl="0" indent="0" algn="l" rtl="0">
               <a:spcBef>
                 <a:spcPts val="1600"/>
               </a:spcBef>
@@ -10038,7 +10282,7 @@
             <a:endParaRPr/>
           </a:p>
           <a:p>
-            <a:pPr indent="0" lvl="0" marL="457200" rtl="0" algn="l">
+            <a:pPr marL="457200" lvl="0" indent="0" algn="l" rtl="0">
               <a:spcBef>
                 <a:spcPts val="1600"/>
               </a:spcBef>
@@ -10054,7 +10298,7 @@
             <a:endParaRPr/>
           </a:p>
           <a:p>
-            <a:pPr indent="0" lvl="0" marL="457200" rtl="0" algn="l">
+            <a:pPr marL="457200" lvl="0" indent="0" algn="l" rtl="0">
               <a:spcBef>
                 <a:spcPts val="1600"/>
               </a:spcBef>
@@ -10113,11 +10357,11 @@
 </file>
 
 <file path=ppt/slides/slide6.xml><?xml version="1.0" encoding="utf-8"?>
-<p:sld xmlns:a="http://schemas.openxmlformats.org/drawingml/2006/main" xmlns:r="http://schemas.openxmlformats.org/officeDocument/2006/relationships" xmlns:mc="http://schemas.openxmlformats.org/markup-compatibility/2006" xmlns:mv="urn:schemas-microsoft-com:mac:vml" xmlns:p="http://schemas.openxmlformats.org/presentationml/2006/main" xmlns:c="http://schemas.openxmlformats.org/drawingml/2006/chart" xmlns:dgm="http://schemas.openxmlformats.org/drawingml/2006/diagram" xmlns:o="urn:schemas-microsoft-com:office:office" xmlns:v="urn:schemas-microsoft-com:vml" xmlns:pvml="urn:schemas-microsoft-com:office:powerpoint" xmlns:com="http://schemas.openxmlformats.org/drawingml/2006/compatibility" xmlns:p14="http://schemas.microsoft.com/office/powerpoint/2010/main" xmlns:p15="http://schemas.microsoft.com/office/powerpoint/2012/main" xmlns:ahyp="http://schemas.microsoft.com/office/drawing/2018/hyperlinkcolor">
+<p:sld xmlns:a="http://schemas.openxmlformats.org/drawingml/2006/main" xmlns:r="http://schemas.openxmlformats.org/officeDocument/2006/relationships" xmlns:p="http://schemas.openxmlformats.org/presentationml/2006/main">
   <p:cSld>
     <p:spTree>
       <p:nvGrpSpPr>
-        <p:cNvPr id="88" name="Shape 88"/>
+        <p:cNvPr id="1" name="Shape 88"/>
         <p:cNvGrpSpPr/>
         <p:nvPr/>
       </p:nvGrpSpPr>
@@ -10132,7 +10376,9 @@
       <p:sp>
         <p:nvSpPr>
           <p:cNvPr id="89" name="Google Shape;89;p18"/>
-          <p:cNvSpPr txBox="1"/>
+          <p:cNvSpPr txBox="1">
+            <a:spLocks noGrp="1"/>
+          </p:cNvSpPr>
           <p:nvPr>
             <p:ph type="title"/>
           </p:nvPr>
@@ -10147,12 +10393,12 @@
           </a:prstGeom>
         </p:spPr>
         <p:txBody>
-          <a:bodyPr anchorCtr="0" anchor="t" bIns="91425" lIns="91425" spcFirstLastPara="1" rIns="91425" wrap="square" tIns="91425">
+          <a:bodyPr spcFirstLastPara="1" wrap="square" lIns="91425" tIns="91425" rIns="91425" bIns="91425" anchor="t" anchorCtr="0">
             <a:noAutofit/>
           </a:bodyPr>
           <a:lstStyle/>
           <a:p>
-            <a:pPr indent="0" lvl="0" marL="0" rtl="0" algn="l">
+            <a:pPr marL="0" lvl="0" indent="0" algn="l" rtl="0">
               <a:spcBef>
                 <a:spcPts val="0"/>
               </a:spcBef>
@@ -10167,7 +10413,7 @@
               <a:buNone/>
             </a:pPr>
             <a:r>
-              <a:rPr b="1" lang="en">
+              <a:rPr lang="en" b="1">
                 <a:solidFill>
                   <a:srgbClr val="0000FF"/>
                 </a:solidFill>
@@ -10243,11 +10489,11 @@
 </file>
 
 <file path=ppt/slides/slide7.xml><?xml version="1.0" encoding="utf-8"?>
-<p:sld xmlns:a="http://schemas.openxmlformats.org/drawingml/2006/main" xmlns:r="http://schemas.openxmlformats.org/officeDocument/2006/relationships" xmlns:mc="http://schemas.openxmlformats.org/markup-compatibility/2006" xmlns:mv="urn:schemas-microsoft-com:mac:vml" xmlns:p="http://schemas.openxmlformats.org/presentationml/2006/main" xmlns:c="http://schemas.openxmlformats.org/drawingml/2006/chart" xmlns:dgm="http://schemas.openxmlformats.org/drawingml/2006/diagram" xmlns:o="urn:schemas-microsoft-com:office:office" xmlns:v="urn:schemas-microsoft-com:vml" xmlns:pvml="urn:schemas-microsoft-com:office:powerpoint" xmlns:com="http://schemas.openxmlformats.org/drawingml/2006/compatibility" xmlns:p14="http://schemas.microsoft.com/office/powerpoint/2010/main" xmlns:p15="http://schemas.microsoft.com/office/powerpoint/2012/main" xmlns:ahyp="http://schemas.microsoft.com/office/drawing/2018/hyperlinkcolor">
+<p:sld xmlns:a="http://schemas.openxmlformats.org/drawingml/2006/main" xmlns:r="http://schemas.openxmlformats.org/officeDocument/2006/relationships" xmlns:p="http://schemas.openxmlformats.org/presentationml/2006/main">
   <p:cSld>
     <p:spTree>
       <p:nvGrpSpPr>
-        <p:cNvPr id="95" name="Shape 95"/>
+        <p:cNvPr id="1" name="Shape 95"/>
         <p:cNvGrpSpPr/>
         <p:nvPr/>
       </p:nvGrpSpPr>
@@ -10262,7 +10508,9 @@
       <p:sp>
         <p:nvSpPr>
           <p:cNvPr id="96" name="Google Shape;96;p19"/>
-          <p:cNvSpPr txBox="1"/>
+          <p:cNvSpPr txBox="1">
+            <a:spLocks noGrp="1"/>
+          </p:cNvSpPr>
           <p:nvPr>
             <p:ph type="title"/>
           </p:nvPr>
@@ -10277,12 +10525,12 @@
           </a:prstGeom>
         </p:spPr>
         <p:txBody>
-          <a:bodyPr anchorCtr="0" anchor="t" bIns="91425" lIns="91425" spcFirstLastPara="1" rIns="91425" wrap="square" tIns="91425">
+          <a:bodyPr spcFirstLastPara="1" wrap="square" lIns="91425" tIns="91425" rIns="91425" bIns="91425" anchor="t" anchorCtr="0">
             <a:noAutofit/>
           </a:bodyPr>
           <a:lstStyle/>
           <a:p>
-            <a:pPr indent="0" lvl="0" marL="0" rtl="0" algn="l">
+            <a:pPr marL="0" lvl="0" indent="0" algn="l" rtl="0">
               <a:spcBef>
                 <a:spcPts val="0"/>
               </a:spcBef>
@@ -10297,7 +10545,7 @@
               <a:buNone/>
             </a:pPr>
             <a:r>
-              <a:rPr b="1" lang="en">
+              <a:rPr lang="en" b="1">
                 <a:solidFill>
                   <a:srgbClr val="0000FF"/>
                 </a:solidFill>
@@ -10311,9 +10559,11 @@
       <p:sp>
         <p:nvSpPr>
           <p:cNvPr id="97" name="Google Shape;97;p19"/>
-          <p:cNvSpPr txBox="1"/>
+          <p:cNvSpPr txBox="1">
+            <a:spLocks noGrp="1"/>
+          </p:cNvSpPr>
           <p:nvPr>
-            <p:ph idx="1" type="body"/>
+            <p:ph type="body" idx="1"/>
           </p:nvPr>
         </p:nvSpPr>
         <p:spPr>
@@ -10326,12 +10576,12 @@
           </a:prstGeom>
         </p:spPr>
         <p:txBody>
-          <a:bodyPr anchorCtr="0" anchor="t" bIns="91425" lIns="91425" spcFirstLastPara="1" rIns="91425" wrap="square" tIns="91425">
+          <a:bodyPr spcFirstLastPara="1" wrap="square" lIns="91425" tIns="91425" rIns="91425" bIns="91425" anchor="t" anchorCtr="0">
             <a:noAutofit/>
           </a:bodyPr>
           <a:lstStyle/>
           <a:p>
-            <a:pPr indent="-342900" lvl="0" marL="457200" rtl="0" algn="l">
+            <a:pPr marL="457200" lvl="0" indent="-342900" algn="l" rtl="0">
               <a:spcBef>
                 <a:spcPts val="0"/>
               </a:spcBef>
@@ -10356,7 +10606,7 @@
             <a:endParaRPr/>
           </a:p>
           <a:p>
-            <a:pPr indent="-342900" lvl="0" marL="457200" rtl="0" algn="l">
+            <a:pPr marL="457200" lvl="0" indent="-342900" algn="l" rtl="0">
               <a:spcBef>
                 <a:spcPts val="0"/>
               </a:spcBef>
@@ -10372,15 +10622,7 @@
                   <a:srgbClr val="0000FF"/>
                 </a:solidFill>
               </a:rPr>
-              <a:t>t</a:t>
-            </a:r>
-            <a:r>
-              <a:rPr lang="en">
-                <a:solidFill>
-                  <a:srgbClr val="0000FF"/>
-                </a:solidFill>
-              </a:rPr>
-              <a:t>ry  with multiple catch :</a:t>
+              <a:t>try  with multiple catch :</a:t>
             </a:r>
             <a:r>
               <a:rPr lang="en"/>
@@ -10389,7 +10631,7 @@
             <a:endParaRPr/>
           </a:p>
           <a:p>
-            <a:pPr indent="-342900" lvl="0" marL="457200" rtl="0" algn="l">
+            <a:pPr marL="457200" lvl="0" indent="-342900" algn="l" rtl="0">
               <a:spcBef>
                 <a:spcPts val="0"/>
               </a:spcBef>
@@ -10414,7 +10656,7 @@
             <a:endParaRPr/>
           </a:p>
           <a:p>
-            <a:pPr indent="-342900" lvl="0" marL="457200" rtl="0" algn="l">
+            <a:pPr marL="457200" lvl="0" indent="-342900" algn="l" rtl="0">
               <a:spcBef>
                 <a:spcPts val="0"/>
               </a:spcBef>
@@ -10439,7 +10681,7 @@
             <a:endParaRPr/>
           </a:p>
           <a:p>
-            <a:pPr indent="-342900" lvl="0" marL="457200" rtl="0" algn="l">
+            <a:pPr marL="457200" lvl="0" indent="-342900" algn="l" rtl="0">
               <a:spcBef>
                 <a:spcPts val="0"/>
               </a:spcBef>
@@ -10464,7 +10706,7 @@
             <a:endParaRPr/>
           </a:p>
           <a:p>
-            <a:pPr indent="-342900" lvl="0" marL="457200" rtl="0" algn="l">
+            <a:pPr marL="457200" lvl="0" indent="-342900" algn="l" rtl="0">
               <a:spcBef>
                 <a:spcPts val="0"/>
               </a:spcBef>
@@ -10527,11 +10769,11 @@
 </file>
 
 <file path=ppt/slides/slide8.xml><?xml version="1.0" encoding="utf-8"?>
-<p:sld xmlns:a="http://schemas.openxmlformats.org/drawingml/2006/main" xmlns:r="http://schemas.openxmlformats.org/officeDocument/2006/relationships" xmlns:mc="http://schemas.openxmlformats.org/markup-compatibility/2006" xmlns:mv="urn:schemas-microsoft-com:mac:vml" xmlns:p="http://schemas.openxmlformats.org/presentationml/2006/main" xmlns:c="http://schemas.openxmlformats.org/drawingml/2006/chart" xmlns:dgm="http://schemas.openxmlformats.org/drawingml/2006/diagram" xmlns:o="urn:schemas-microsoft-com:office:office" xmlns:v="urn:schemas-microsoft-com:vml" xmlns:pvml="urn:schemas-microsoft-com:office:powerpoint" xmlns:com="http://schemas.openxmlformats.org/drawingml/2006/compatibility" xmlns:p14="http://schemas.microsoft.com/office/powerpoint/2010/main" xmlns:p15="http://schemas.microsoft.com/office/powerpoint/2012/main" xmlns:ahyp="http://schemas.microsoft.com/office/drawing/2018/hyperlinkcolor">
+<p:sld xmlns:a="http://schemas.openxmlformats.org/drawingml/2006/main" xmlns:r="http://schemas.openxmlformats.org/officeDocument/2006/relationships" xmlns:p="http://schemas.openxmlformats.org/presentationml/2006/main">
   <p:cSld>
     <p:spTree>
       <p:nvGrpSpPr>
-        <p:cNvPr id="102" name="Shape 102"/>
+        <p:cNvPr id="1" name="Shape 102"/>
         <p:cNvGrpSpPr/>
         <p:nvPr/>
       </p:nvGrpSpPr>
@@ -10546,7 +10788,9 @@
       <p:sp>
         <p:nvSpPr>
           <p:cNvPr id="103" name="Google Shape;103;p20"/>
-          <p:cNvSpPr txBox="1"/>
+          <p:cNvSpPr txBox="1">
+            <a:spLocks noGrp="1"/>
+          </p:cNvSpPr>
           <p:nvPr>
             <p:ph type="title"/>
           </p:nvPr>
@@ -10561,12 +10805,12 @@
           </a:prstGeom>
         </p:spPr>
         <p:txBody>
-          <a:bodyPr anchorCtr="0" anchor="t" bIns="91425" lIns="91425" spcFirstLastPara="1" rIns="91425" wrap="square" tIns="91425">
+          <a:bodyPr spcFirstLastPara="1" wrap="square" lIns="91425" tIns="91425" rIns="91425" bIns="91425" anchor="t" anchorCtr="0">
             <a:noAutofit/>
           </a:bodyPr>
           <a:lstStyle/>
           <a:p>
-            <a:pPr indent="0" lvl="0" marL="0" rtl="0" algn="l">
+            <a:pPr marL="0" lvl="0" indent="0" algn="l" rtl="0">
               <a:spcBef>
                 <a:spcPts val="0"/>
               </a:spcBef>
@@ -10576,7 +10820,7 @@
               <a:buNone/>
             </a:pPr>
             <a:r>
-              <a:rPr b="1" lang="en">
+              <a:rPr lang="en" b="1">
                 <a:solidFill>
                   <a:srgbClr val="0000FF"/>
                 </a:solidFill>
@@ -10639,12 +10883,12 @@
           </a:ln>
         </p:spPr>
         <p:txBody>
-          <a:bodyPr anchorCtr="0" anchor="t" bIns="91425" lIns="91425" spcFirstLastPara="1" rIns="91425" wrap="square" tIns="91425">
+          <a:bodyPr spcFirstLastPara="1" wrap="square" lIns="91425" tIns="91425" rIns="91425" bIns="91425" anchor="t" anchorCtr="0">
             <a:noAutofit/>
           </a:bodyPr>
           <a:lstStyle/>
           <a:p>
-            <a:pPr indent="0" lvl="0" marL="0" rtl="0" algn="l">
+            <a:pPr marL="0" lvl="0" indent="0" algn="l" rtl="0">
               <a:spcBef>
                 <a:spcPts val="0"/>
               </a:spcBef>
@@ -10660,7 +10904,7 @@
             <a:endParaRPr/>
           </a:p>
           <a:p>
-            <a:pPr indent="0" lvl="0" marL="0" rtl="0" algn="l">
+            <a:pPr marL="0" lvl="0" indent="0" algn="l" rtl="0">
               <a:spcBef>
                 <a:spcPts val="0"/>
               </a:spcBef>
@@ -10669,9 +10913,6 @@
               </a:spcAft>
               <a:buNone/>
             </a:pPr>
-            <a:r>
-              <a:t/>
-            </a:r>
             <a:endParaRPr/>
           </a:p>
         </p:txBody>
@@ -10713,11 +10954,11 @@
 </file>
 
 <file path=ppt/slides/slide9.xml><?xml version="1.0" encoding="utf-8"?>
-<p:sld xmlns:a="http://schemas.openxmlformats.org/drawingml/2006/main" xmlns:r="http://schemas.openxmlformats.org/officeDocument/2006/relationships" xmlns:mc="http://schemas.openxmlformats.org/markup-compatibility/2006" xmlns:mv="urn:schemas-microsoft-com:mac:vml" xmlns:p="http://schemas.openxmlformats.org/presentationml/2006/main" xmlns:c="http://schemas.openxmlformats.org/drawingml/2006/chart" xmlns:dgm="http://schemas.openxmlformats.org/drawingml/2006/diagram" xmlns:o="urn:schemas-microsoft-com:office:office" xmlns:v="urn:schemas-microsoft-com:vml" xmlns:pvml="urn:schemas-microsoft-com:office:powerpoint" xmlns:com="http://schemas.openxmlformats.org/drawingml/2006/compatibility" xmlns:p14="http://schemas.microsoft.com/office/powerpoint/2010/main" xmlns:p15="http://schemas.microsoft.com/office/powerpoint/2012/main" xmlns:ahyp="http://schemas.microsoft.com/office/drawing/2018/hyperlinkcolor">
+<p:sld xmlns:a="http://schemas.openxmlformats.org/drawingml/2006/main" xmlns:r="http://schemas.openxmlformats.org/officeDocument/2006/relationships" xmlns:p="http://schemas.openxmlformats.org/presentationml/2006/main">
   <p:cSld>
     <p:spTree>
       <p:nvGrpSpPr>
-        <p:cNvPr id="110" name="Shape 110"/>
+        <p:cNvPr id="1" name="Shape 110"/>
         <p:cNvGrpSpPr/>
         <p:nvPr/>
       </p:nvGrpSpPr>
@@ -10732,7 +10973,9 @@
       <p:sp>
         <p:nvSpPr>
           <p:cNvPr id="111" name="Google Shape;111;p21"/>
-          <p:cNvSpPr txBox="1"/>
+          <p:cNvSpPr txBox="1">
+            <a:spLocks noGrp="1"/>
+          </p:cNvSpPr>
           <p:nvPr>
             <p:ph type="title"/>
           </p:nvPr>
@@ -10747,12 +10990,12 @@
           </a:prstGeom>
         </p:spPr>
         <p:txBody>
-          <a:bodyPr anchorCtr="0" anchor="t" bIns="91425" lIns="91425" spcFirstLastPara="1" rIns="91425" wrap="square" tIns="91425">
+          <a:bodyPr spcFirstLastPara="1" wrap="square" lIns="91425" tIns="91425" rIns="91425" bIns="91425" anchor="t" anchorCtr="0">
             <a:noAutofit/>
           </a:bodyPr>
           <a:lstStyle/>
           <a:p>
-            <a:pPr indent="0" lvl="0" marL="0" rtl="0" algn="l">
+            <a:pPr marL="0" lvl="0" indent="0" algn="l" rtl="0">
               <a:spcBef>
                 <a:spcPts val="0"/>
               </a:spcBef>
@@ -10762,7 +11005,7 @@
               <a:buNone/>
             </a:pPr>
             <a:r>
-              <a:rPr b="1" lang="en">
+              <a:rPr lang="en" b="1">
                 <a:solidFill>
                   <a:srgbClr val="0000FF"/>
                 </a:solidFill>
@@ -10780,9 +11023,11 @@
       <p:sp>
         <p:nvSpPr>
           <p:cNvPr id="112" name="Google Shape;112;p21"/>
-          <p:cNvSpPr txBox="1"/>
+          <p:cNvSpPr txBox="1">
+            <a:spLocks noGrp="1"/>
+          </p:cNvSpPr>
           <p:nvPr>
-            <p:ph idx="1" type="body"/>
+            <p:ph type="body" idx="1"/>
           </p:nvPr>
         </p:nvSpPr>
         <p:spPr>
@@ -10795,12 +11040,12 @@
           </a:prstGeom>
         </p:spPr>
         <p:txBody>
-          <a:bodyPr anchorCtr="0" anchor="t" bIns="91425" lIns="91425" spcFirstLastPara="1" rIns="91425" wrap="square" tIns="91425">
+          <a:bodyPr spcFirstLastPara="1" wrap="square" lIns="91425" tIns="91425" rIns="91425" bIns="91425" anchor="t" anchorCtr="0">
             <a:noAutofit/>
           </a:bodyPr>
           <a:lstStyle/>
           <a:p>
-            <a:pPr indent="0" lvl="0" marL="0" rtl="0" algn="l">
+            <a:pPr marL="0" lvl="0" indent="0" algn="l" rtl="0">
               <a:spcBef>
                 <a:spcPts val="0"/>
               </a:spcBef>
@@ -10816,7 +11061,7 @@
             <a:endParaRPr/>
           </a:p>
           <a:p>
-            <a:pPr indent="0" lvl="0" marL="0" rtl="0" algn="l">
+            <a:pPr marL="0" lvl="0" indent="0" algn="l" rtl="0">
               <a:spcBef>
                 <a:spcPts val="1600"/>
               </a:spcBef>
@@ -10825,9 +11070,6 @@
               </a:spcAft>
               <a:buNone/>
             </a:pPr>
-            <a:r>
-              <a:t/>
-            </a:r>
             <a:endParaRPr/>
           </a:p>
         </p:txBody>
@@ -10869,7 +11111,7 @@
 </file>
 
 <file path=ppt/theme/theme1.xml><?xml version="1.0" encoding="utf-8"?>
-<a:theme xmlns:a="http://schemas.openxmlformats.org/drawingml/2006/main" xmlns:r="http://schemas.openxmlformats.org/officeDocument/2006/relationships" name="Simple Light">
+<a:theme xmlns:a="http://schemas.openxmlformats.org/drawingml/2006/main" name="Simple Light">
   <a:themeElements>
     <a:clrScheme name="Simple Light">
       <a:dk1>
@@ -11144,11 +11386,13 @@
       </a:bgFillStyleLst>
     </a:fmtScheme>
   </a:themeElements>
+  <a:objectDefaults/>
+  <a:extraClrSchemeLst/>
 </a:theme>
 </file>
 
 <file path=ppt/theme/theme2.xml><?xml version="1.0" encoding="utf-8"?>
-<a:theme xmlns:a="http://schemas.openxmlformats.org/drawingml/2006/main" xmlns:r="http://schemas.openxmlformats.org/officeDocument/2006/relationships">
+<a:theme xmlns:a="http://schemas.openxmlformats.org/drawingml/2006/main">
   <a:themeElements>
     <a:clrScheme name="Default">
       <a:dk1>
@@ -11423,5 +11667,7 @@
       </a:bgFillStyleLst>
     </a:fmtScheme>
   </a:themeElements>
+  <a:objectDefaults/>
+  <a:extraClrSchemeLst/>
 </a:theme>
 </file>